--- a/LTI_C#OOPS/Language%20Basics_C#.pptx
+++ b/LTI_C#OOPS/Language%20Basics_C#.pptx
@@ -159,7 +159,7 @@
   </p:defaultTextStyle>
   <p:extLst>
     <p:ext uri="{EFAFB233-063F-42B5-8137-9DF3F51BA10A}">
-      <p15:sldGuideLst xmlns:p15="http://schemas.microsoft.com/office/powerpoint/2012/main">
+      <p15:sldGuideLst xmlns="" xmlns:p15="http://schemas.microsoft.com/office/powerpoint/2012/main">
         <p15:guide id="1" orient="horz" pos="2160">
           <p15:clr>
             <a:srgbClr val="A4A3A4"/>
@@ -5538,6 +5538,13 @@
         </dgm:presLayoutVars>
       </dgm:prSet>
       <dgm:spPr/>
+      <dgm:t>
+        <a:bodyPr/>
+        <a:lstStyle/>
+        <a:p>
+          <a:endParaRPr lang="en-US"/>
+        </a:p>
+      </dgm:t>
     </dgm:pt>
     <dgm:pt modelId="{0174531D-5655-48E0-B075-466589B663CE}" type="pres">
       <dgm:prSet presAssocID="{C2180ABF-B271-4177-B156-34D07879B117}" presName="hierRoot1" presStyleCnt="0"/>
@@ -5558,6 +5565,13 @@
         </dgm:presLayoutVars>
       </dgm:prSet>
       <dgm:spPr/>
+      <dgm:t>
+        <a:bodyPr/>
+        <a:lstStyle/>
+        <a:p>
+          <a:endParaRPr lang="en-US"/>
+        </a:p>
+      </dgm:t>
     </dgm:pt>
     <dgm:pt modelId="{A45224D5-21C9-4BA5-BF1B-D0C0AB02F207}" type="pres">
       <dgm:prSet presAssocID="{C2180ABF-B271-4177-B156-34D07879B117}" presName="hierChild2" presStyleCnt="0"/>
@@ -5566,6 +5580,13 @@
     <dgm:pt modelId="{051DF2B3-1C0F-4684-9313-5B9269DE0503}" type="pres">
       <dgm:prSet presAssocID="{B21564E3-9D12-4B3E-8D05-3D8E9E58E123}" presName="Name10" presStyleLbl="parChTrans1D2" presStyleIdx="0" presStyleCnt="2"/>
       <dgm:spPr/>
+      <dgm:t>
+        <a:bodyPr/>
+        <a:lstStyle/>
+        <a:p>
+          <a:endParaRPr lang="en-US"/>
+        </a:p>
+      </dgm:t>
     </dgm:pt>
     <dgm:pt modelId="{E96B1CF4-DCED-4620-8337-F7A06A831A34}" type="pres">
       <dgm:prSet presAssocID="{A8646289-03CA-4E20-9352-035BB0CBC299}" presName="hierRoot2" presStyleCnt="0"/>
@@ -5586,6 +5607,13 @@
         </dgm:presLayoutVars>
       </dgm:prSet>
       <dgm:spPr/>
+      <dgm:t>
+        <a:bodyPr/>
+        <a:lstStyle/>
+        <a:p>
+          <a:endParaRPr lang="en-US"/>
+        </a:p>
+      </dgm:t>
     </dgm:pt>
     <dgm:pt modelId="{8CCABA13-094C-4834-B484-1DA23624DB8E}" type="pres">
       <dgm:prSet presAssocID="{A8646289-03CA-4E20-9352-035BB0CBC299}" presName="hierChild3" presStyleCnt="0"/>
@@ -5594,6 +5622,13 @@
     <dgm:pt modelId="{CF9EE412-334E-4AB2-A80F-A172AD121C18}" type="pres">
       <dgm:prSet presAssocID="{E371249D-F214-4938-8342-7BB32EFCB7F0}" presName="Name10" presStyleLbl="parChTrans1D2" presStyleIdx="1" presStyleCnt="2"/>
       <dgm:spPr/>
+      <dgm:t>
+        <a:bodyPr/>
+        <a:lstStyle/>
+        <a:p>
+          <a:endParaRPr lang="en-US"/>
+        </a:p>
+      </dgm:t>
     </dgm:pt>
     <dgm:pt modelId="{4314CEA6-C2C7-4FAB-9B87-6771914947DA}" type="pres">
       <dgm:prSet presAssocID="{20700A94-DC0F-47D0-BDF7-440CB3F88B16}" presName="hierRoot2" presStyleCnt="0"/>
@@ -5614,6 +5649,13 @@
         </dgm:presLayoutVars>
       </dgm:prSet>
       <dgm:spPr/>
+      <dgm:t>
+        <a:bodyPr/>
+        <a:lstStyle/>
+        <a:p>
+          <a:endParaRPr lang="en-US"/>
+        </a:p>
+      </dgm:t>
     </dgm:pt>
     <dgm:pt modelId="{65266153-2FB0-47CF-932B-FD46EF375BB3}" type="pres">
       <dgm:prSet presAssocID="{20700A94-DC0F-47D0-BDF7-440CB3F88B16}" presName="hierChild3" presStyleCnt="0"/>
@@ -5621,15 +5663,15 @@
     </dgm:pt>
   </dgm:ptLst>
   <dgm:cxnLst>
+    <dgm:cxn modelId="{1F7F5B18-506E-4F30-88B3-44C535CB8900}" srcId="{C2180ABF-B271-4177-B156-34D07879B117}" destId="{20700A94-DC0F-47D0-BDF7-440CB3F88B16}" srcOrd="1" destOrd="0" parTransId="{E371249D-F214-4938-8342-7BB32EFCB7F0}" sibTransId="{12BCDF1E-0DAB-463E-8162-8CFCF4A065A8}"/>
+    <dgm:cxn modelId="{56A403DD-85E5-45DF-BF11-7CFDF3B98792}" srcId="{C2180ABF-B271-4177-B156-34D07879B117}" destId="{A8646289-03CA-4E20-9352-035BB0CBC299}" srcOrd="0" destOrd="0" parTransId="{B21564E3-9D12-4B3E-8D05-3D8E9E58E123}" sibTransId="{325453E2-0977-4399-AACF-FAC8ABD3162B}"/>
+    <dgm:cxn modelId="{7298B3C3-91EE-4DD1-8960-98E680C0CC0E}" type="presOf" srcId="{A8646289-03CA-4E20-9352-035BB0CBC299}" destId="{048CEC20-E651-40B5-8377-C3669958A926}" srcOrd="0" destOrd="0" presId="urn:microsoft.com/office/officeart/2005/8/layout/hierarchy1"/>
+    <dgm:cxn modelId="{6D5F8052-0A55-4BFB-B15D-2F5CC1EA67D2}" type="presOf" srcId="{E371249D-F214-4938-8342-7BB32EFCB7F0}" destId="{CF9EE412-334E-4AB2-A80F-A172AD121C18}" srcOrd="0" destOrd="0" presId="urn:microsoft.com/office/officeart/2005/8/layout/hierarchy1"/>
+    <dgm:cxn modelId="{D0E23446-3696-48FB-BCC2-6BA7FBD5AFEE}" type="presOf" srcId="{B50CC8D6-DC35-4827-9519-205ED495F2B7}" destId="{922C316E-2720-40E9-83B3-A60A4EB0C7F1}" srcOrd="0" destOrd="0" presId="urn:microsoft.com/office/officeart/2005/8/layout/hierarchy1"/>
+    <dgm:cxn modelId="{BF318B2D-2093-404B-B682-B1231137C57A}" type="presOf" srcId="{20700A94-DC0F-47D0-BDF7-440CB3F88B16}" destId="{52761E01-B75C-4A61-B31C-350B63B1155B}" srcOrd="0" destOrd="0" presId="urn:microsoft.com/office/officeart/2005/8/layout/hierarchy1"/>
     <dgm:cxn modelId="{C8D9A816-93D4-4991-8257-6B2731BEC3E3}" srcId="{B50CC8D6-DC35-4827-9519-205ED495F2B7}" destId="{C2180ABF-B271-4177-B156-34D07879B117}" srcOrd="0" destOrd="0" parTransId="{7B47146F-FFCE-4220-B828-DD34A6393D7C}" sibTransId="{7C318E5B-028E-4FAB-BF49-789D4F380008}"/>
-    <dgm:cxn modelId="{1F7F5B18-506E-4F30-88B3-44C535CB8900}" srcId="{C2180ABF-B271-4177-B156-34D07879B117}" destId="{20700A94-DC0F-47D0-BDF7-440CB3F88B16}" srcOrd="1" destOrd="0" parTransId="{E371249D-F214-4938-8342-7BB32EFCB7F0}" sibTransId="{12BCDF1E-0DAB-463E-8162-8CFCF4A065A8}"/>
-    <dgm:cxn modelId="{BF318B2D-2093-404B-B682-B1231137C57A}" type="presOf" srcId="{20700A94-DC0F-47D0-BDF7-440CB3F88B16}" destId="{52761E01-B75C-4A61-B31C-350B63B1155B}" srcOrd="0" destOrd="0" presId="urn:microsoft.com/office/officeart/2005/8/layout/hierarchy1"/>
+    <dgm:cxn modelId="{24479955-CDB7-476A-8062-98F6DD579D0A}" type="presOf" srcId="{C2180ABF-B271-4177-B156-34D07879B117}" destId="{C37D480F-178E-4E25-86BA-DB3BAC241706}" srcOrd="0" destOrd="0" presId="urn:microsoft.com/office/officeart/2005/8/layout/hierarchy1"/>
     <dgm:cxn modelId="{1344F965-731A-40DA-B70B-680331301801}" type="presOf" srcId="{B21564E3-9D12-4B3E-8D05-3D8E9E58E123}" destId="{051DF2B3-1C0F-4684-9313-5B9269DE0503}" srcOrd="0" destOrd="0" presId="urn:microsoft.com/office/officeart/2005/8/layout/hierarchy1"/>
-    <dgm:cxn modelId="{D0E23446-3696-48FB-BCC2-6BA7FBD5AFEE}" type="presOf" srcId="{B50CC8D6-DC35-4827-9519-205ED495F2B7}" destId="{922C316E-2720-40E9-83B3-A60A4EB0C7F1}" srcOrd="0" destOrd="0" presId="urn:microsoft.com/office/officeart/2005/8/layout/hierarchy1"/>
-    <dgm:cxn modelId="{6D5F8052-0A55-4BFB-B15D-2F5CC1EA67D2}" type="presOf" srcId="{E371249D-F214-4938-8342-7BB32EFCB7F0}" destId="{CF9EE412-334E-4AB2-A80F-A172AD121C18}" srcOrd="0" destOrd="0" presId="urn:microsoft.com/office/officeart/2005/8/layout/hierarchy1"/>
-    <dgm:cxn modelId="{24479955-CDB7-476A-8062-98F6DD579D0A}" type="presOf" srcId="{C2180ABF-B271-4177-B156-34D07879B117}" destId="{C37D480F-178E-4E25-86BA-DB3BAC241706}" srcOrd="0" destOrd="0" presId="urn:microsoft.com/office/officeart/2005/8/layout/hierarchy1"/>
-    <dgm:cxn modelId="{7298B3C3-91EE-4DD1-8960-98E680C0CC0E}" type="presOf" srcId="{A8646289-03CA-4E20-9352-035BB0CBC299}" destId="{048CEC20-E651-40B5-8377-C3669958A926}" srcOrd="0" destOrd="0" presId="urn:microsoft.com/office/officeart/2005/8/layout/hierarchy1"/>
-    <dgm:cxn modelId="{56A403DD-85E5-45DF-BF11-7CFDF3B98792}" srcId="{C2180ABF-B271-4177-B156-34D07879B117}" destId="{A8646289-03CA-4E20-9352-035BB0CBC299}" srcOrd="0" destOrd="0" parTransId="{B21564E3-9D12-4B3E-8D05-3D8E9E58E123}" sibTransId="{325453E2-0977-4399-AACF-FAC8ABD3162B}"/>
     <dgm:cxn modelId="{0E86420E-7529-44E9-81E3-2F481AA17273}" type="presParOf" srcId="{922C316E-2720-40E9-83B3-A60A4EB0C7F1}" destId="{0174531D-5655-48E0-B075-466589B663CE}" srcOrd="0" destOrd="0" presId="urn:microsoft.com/office/officeart/2005/8/layout/hierarchy1"/>
     <dgm:cxn modelId="{3C37F546-1464-4FD8-ADE7-02849EDB5518}" type="presParOf" srcId="{0174531D-5655-48E0-B075-466589B663CE}" destId="{CD869325-43B0-41CE-BB2D-BE2199839308}" srcOrd="0" destOrd="0" presId="urn:microsoft.com/office/officeart/2005/8/layout/hierarchy1"/>
     <dgm:cxn modelId="{A19B426C-C915-48B1-B1DE-9E8406A7370F}" type="presParOf" srcId="{CD869325-43B0-41CE-BB2D-BE2199839308}" destId="{6F19BA74-64D7-4DAE-B87F-82852C1447B3}" srcOrd="0" destOrd="0" presId="urn:microsoft.com/office/officeart/2005/8/layout/hierarchy1"/>
@@ -5652,7 +5694,7 @@
   <dgm:whole/>
   <dgm:extLst>
     <a:ext uri="http://schemas.microsoft.com/office/drawing/2008/diagram">
-      <dsp:dataModelExt xmlns:dsp="http://schemas.microsoft.com/office/drawing/2008/diagram" relId="rId6" minVer="http://schemas.openxmlformats.org/drawingml/2006/diagram"/>
+      <dsp:dataModelExt xmlns:dsp="http://schemas.microsoft.com/office/drawing/2008/diagram" xmlns="" relId="rId6" minVer="http://schemas.openxmlformats.org/drawingml/2006/diagram"/>
     </a:ext>
   </dgm:extLst>
 </dgm:dataModel>
@@ -5791,6 +5833,13 @@
         </dgm:presLayoutVars>
       </dgm:prSet>
       <dgm:spPr/>
+      <dgm:t>
+        <a:bodyPr/>
+        <a:lstStyle/>
+        <a:p>
+          <a:endParaRPr lang="en-US"/>
+        </a:p>
+      </dgm:t>
     </dgm:pt>
     <dgm:pt modelId="{0174531D-5655-48E0-B075-466589B663CE}" type="pres">
       <dgm:prSet presAssocID="{C2180ABF-B271-4177-B156-34D07879B117}" presName="hierRoot1" presStyleCnt="0"/>
@@ -5811,6 +5860,13 @@
         </dgm:presLayoutVars>
       </dgm:prSet>
       <dgm:spPr/>
+      <dgm:t>
+        <a:bodyPr/>
+        <a:lstStyle/>
+        <a:p>
+          <a:endParaRPr lang="en-US"/>
+        </a:p>
+      </dgm:t>
     </dgm:pt>
     <dgm:pt modelId="{A45224D5-21C9-4BA5-BF1B-D0C0AB02F207}" type="pres">
       <dgm:prSet presAssocID="{C2180ABF-B271-4177-B156-34D07879B117}" presName="hierChild2" presStyleCnt="0"/>
@@ -5819,6 +5875,13 @@
     <dgm:pt modelId="{051DF2B3-1C0F-4684-9313-5B9269DE0503}" type="pres">
       <dgm:prSet presAssocID="{B21564E3-9D12-4B3E-8D05-3D8E9E58E123}" presName="Name10" presStyleLbl="parChTrans1D2" presStyleIdx="0" presStyleCnt="2"/>
       <dgm:spPr/>
+      <dgm:t>
+        <a:bodyPr/>
+        <a:lstStyle/>
+        <a:p>
+          <a:endParaRPr lang="en-US"/>
+        </a:p>
+      </dgm:t>
     </dgm:pt>
     <dgm:pt modelId="{E96B1CF4-DCED-4620-8337-F7A06A831A34}" type="pres">
       <dgm:prSet presAssocID="{A8646289-03CA-4E20-9352-035BB0CBC299}" presName="hierRoot2" presStyleCnt="0"/>
@@ -5839,6 +5902,13 @@
         </dgm:presLayoutVars>
       </dgm:prSet>
       <dgm:spPr/>
+      <dgm:t>
+        <a:bodyPr/>
+        <a:lstStyle/>
+        <a:p>
+          <a:endParaRPr lang="en-US"/>
+        </a:p>
+      </dgm:t>
     </dgm:pt>
     <dgm:pt modelId="{8CCABA13-094C-4834-B484-1DA23624DB8E}" type="pres">
       <dgm:prSet presAssocID="{A8646289-03CA-4E20-9352-035BB0CBC299}" presName="hierChild3" presStyleCnt="0"/>
@@ -5847,6 +5917,13 @@
     <dgm:pt modelId="{CF9EE412-334E-4AB2-A80F-A172AD121C18}" type="pres">
       <dgm:prSet presAssocID="{E371249D-F214-4938-8342-7BB32EFCB7F0}" presName="Name10" presStyleLbl="parChTrans1D2" presStyleIdx="1" presStyleCnt="2"/>
       <dgm:spPr/>
+      <dgm:t>
+        <a:bodyPr/>
+        <a:lstStyle/>
+        <a:p>
+          <a:endParaRPr lang="en-US"/>
+        </a:p>
+      </dgm:t>
     </dgm:pt>
     <dgm:pt modelId="{4314CEA6-C2C7-4FAB-9B87-6771914947DA}" type="pres">
       <dgm:prSet presAssocID="{20700A94-DC0F-47D0-BDF7-440CB3F88B16}" presName="hierRoot2" presStyleCnt="0"/>
@@ -5867,6 +5944,13 @@
         </dgm:presLayoutVars>
       </dgm:prSet>
       <dgm:spPr/>
+      <dgm:t>
+        <a:bodyPr/>
+        <a:lstStyle/>
+        <a:p>
+          <a:endParaRPr lang="en-US"/>
+        </a:p>
+      </dgm:t>
     </dgm:pt>
     <dgm:pt modelId="{65266153-2FB0-47CF-932B-FD46EF375BB3}" type="pres">
       <dgm:prSet presAssocID="{20700A94-DC0F-47D0-BDF7-440CB3F88B16}" presName="hierChild3" presStyleCnt="0"/>
@@ -5874,15 +5958,15 @@
     </dgm:pt>
   </dgm:ptLst>
   <dgm:cxnLst>
-    <dgm:cxn modelId="{C8D9A816-93D4-4991-8257-6B2731BEC3E3}" srcId="{B50CC8D6-DC35-4827-9519-205ED495F2B7}" destId="{C2180ABF-B271-4177-B156-34D07879B117}" srcOrd="0" destOrd="0" parTransId="{7B47146F-FFCE-4220-B828-DD34A6393D7C}" sibTransId="{7C318E5B-028E-4FAB-BF49-789D4F380008}"/>
     <dgm:cxn modelId="{1F7F5B18-506E-4F30-88B3-44C535CB8900}" srcId="{C2180ABF-B271-4177-B156-34D07879B117}" destId="{20700A94-DC0F-47D0-BDF7-440CB3F88B16}" srcOrd="1" destOrd="0" parTransId="{E371249D-F214-4938-8342-7BB32EFCB7F0}" sibTransId="{12BCDF1E-0DAB-463E-8162-8CFCF4A065A8}"/>
     <dgm:cxn modelId="{BFB4FA40-E933-4527-991E-B834418A9835}" type="presOf" srcId="{B50CC8D6-DC35-4827-9519-205ED495F2B7}" destId="{922C316E-2720-40E9-83B3-A60A4EB0C7F1}" srcOrd="0" destOrd="0" presId="urn:microsoft.com/office/officeart/2005/8/layout/hierarchy1"/>
+    <dgm:cxn modelId="{56A403DD-85E5-45DF-BF11-7CFDF3B98792}" srcId="{C2180ABF-B271-4177-B156-34D07879B117}" destId="{A8646289-03CA-4E20-9352-035BB0CBC299}" srcOrd="0" destOrd="0" parTransId="{B21564E3-9D12-4B3E-8D05-3D8E9E58E123}" sibTransId="{325453E2-0977-4399-AACF-FAC8ABD3162B}"/>
+    <dgm:cxn modelId="{023297B2-9575-476F-A5FD-869BAFECB16A}" type="presOf" srcId="{B21564E3-9D12-4B3E-8D05-3D8E9E58E123}" destId="{051DF2B3-1C0F-4684-9313-5B9269DE0503}" srcOrd="0" destOrd="0" presId="urn:microsoft.com/office/officeart/2005/8/layout/hierarchy1"/>
+    <dgm:cxn modelId="{C8D9A816-93D4-4991-8257-6B2731BEC3E3}" srcId="{B50CC8D6-DC35-4827-9519-205ED495F2B7}" destId="{C2180ABF-B271-4177-B156-34D07879B117}" srcOrd="0" destOrd="0" parTransId="{7B47146F-FFCE-4220-B828-DD34A6393D7C}" sibTransId="{7C318E5B-028E-4FAB-BF49-789D4F380008}"/>
+    <dgm:cxn modelId="{4CE017E0-7C05-4F6E-84AC-BFF78DB8D5DC}" type="presOf" srcId="{A8646289-03CA-4E20-9352-035BB0CBC299}" destId="{048CEC20-E651-40B5-8377-C3669958A926}" srcOrd="0" destOrd="0" presId="urn:microsoft.com/office/officeart/2005/8/layout/hierarchy1"/>
+    <dgm:cxn modelId="{40459A99-095D-4DBC-A8FC-88E2CBCF1B9B}" type="presOf" srcId="{C2180ABF-B271-4177-B156-34D07879B117}" destId="{C37D480F-178E-4E25-86BA-DB3BAC241706}" srcOrd="0" destOrd="0" presId="urn:microsoft.com/office/officeart/2005/8/layout/hierarchy1"/>
+    <dgm:cxn modelId="{767782CD-6FE8-474A-9583-370B4A13F292}" type="presOf" srcId="{E371249D-F214-4938-8342-7BB32EFCB7F0}" destId="{CF9EE412-334E-4AB2-A80F-A172AD121C18}" srcOrd="0" destOrd="0" presId="urn:microsoft.com/office/officeart/2005/8/layout/hierarchy1"/>
     <dgm:cxn modelId="{0BC3F277-5087-463B-8C1E-F7C38EA561D2}" type="presOf" srcId="{20700A94-DC0F-47D0-BDF7-440CB3F88B16}" destId="{52761E01-B75C-4A61-B31C-350B63B1155B}" srcOrd="0" destOrd="0" presId="urn:microsoft.com/office/officeart/2005/8/layout/hierarchy1"/>
-    <dgm:cxn modelId="{40459A99-095D-4DBC-A8FC-88E2CBCF1B9B}" type="presOf" srcId="{C2180ABF-B271-4177-B156-34D07879B117}" destId="{C37D480F-178E-4E25-86BA-DB3BAC241706}" srcOrd="0" destOrd="0" presId="urn:microsoft.com/office/officeart/2005/8/layout/hierarchy1"/>
-    <dgm:cxn modelId="{023297B2-9575-476F-A5FD-869BAFECB16A}" type="presOf" srcId="{B21564E3-9D12-4B3E-8D05-3D8E9E58E123}" destId="{051DF2B3-1C0F-4684-9313-5B9269DE0503}" srcOrd="0" destOrd="0" presId="urn:microsoft.com/office/officeart/2005/8/layout/hierarchy1"/>
-    <dgm:cxn modelId="{767782CD-6FE8-474A-9583-370B4A13F292}" type="presOf" srcId="{E371249D-F214-4938-8342-7BB32EFCB7F0}" destId="{CF9EE412-334E-4AB2-A80F-A172AD121C18}" srcOrd="0" destOrd="0" presId="urn:microsoft.com/office/officeart/2005/8/layout/hierarchy1"/>
-    <dgm:cxn modelId="{56A403DD-85E5-45DF-BF11-7CFDF3B98792}" srcId="{C2180ABF-B271-4177-B156-34D07879B117}" destId="{A8646289-03CA-4E20-9352-035BB0CBC299}" srcOrd="0" destOrd="0" parTransId="{B21564E3-9D12-4B3E-8D05-3D8E9E58E123}" sibTransId="{325453E2-0977-4399-AACF-FAC8ABD3162B}"/>
-    <dgm:cxn modelId="{4CE017E0-7C05-4F6E-84AC-BFF78DB8D5DC}" type="presOf" srcId="{A8646289-03CA-4E20-9352-035BB0CBC299}" destId="{048CEC20-E651-40B5-8377-C3669958A926}" srcOrd="0" destOrd="0" presId="urn:microsoft.com/office/officeart/2005/8/layout/hierarchy1"/>
     <dgm:cxn modelId="{0D99EF30-8447-452B-A94E-2A59C17C8061}" type="presParOf" srcId="{922C316E-2720-40E9-83B3-A60A4EB0C7F1}" destId="{0174531D-5655-48E0-B075-466589B663CE}" srcOrd="0" destOrd="0" presId="urn:microsoft.com/office/officeart/2005/8/layout/hierarchy1"/>
     <dgm:cxn modelId="{FC1A7483-B2CD-41EE-8C10-1643431A153D}" type="presParOf" srcId="{0174531D-5655-48E0-B075-466589B663CE}" destId="{CD869325-43B0-41CE-BB2D-BE2199839308}" srcOrd="0" destOrd="0" presId="urn:microsoft.com/office/officeart/2005/8/layout/hierarchy1"/>
     <dgm:cxn modelId="{AFC220A4-5441-49A5-9E25-47308F0EC1CC}" type="presParOf" srcId="{CD869325-43B0-41CE-BB2D-BE2199839308}" destId="{6F19BA74-64D7-4DAE-B87F-82852C1447B3}" srcOrd="0" destOrd="0" presId="urn:microsoft.com/office/officeart/2005/8/layout/hierarchy1"/>
@@ -5905,7 +5989,7 @@
   <dgm:whole/>
   <dgm:extLst>
     <a:ext uri="http://schemas.microsoft.com/office/drawing/2008/diagram">
-      <dsp:dataModelExt xmlns:dsp="http://schemas.microsoft.com/office/drawing/2008/diagram" relId="rId11" minVer="http://schemas.openxmlformats.org/drawingml/2006/diagram"/>
+      <dsp:dataModelExt xmlns:dsp="http://schemas.microsoft.com/office/drawing/2008/diagram" xmlns="" relId="rId11" minVer="http://schemas.openxmlformats.org/drawingml/2006/diagram"/>
     </a:ext>
   </dgm:extLst>
 </dgm:dataModel>
@@ -6080,6 +6164,13 @@
         </dgm:presLayoutVars>
       </dgm:prSet>
       <dgm:spPr/>
+      <dgm:t>
+        <a:bodyPr/>
+        <a:lstStyle/>
+        <a:p>
+          <a:endParaRPr lang="en-US"/>
+        </a:p>
+      </dgm:t>
     </dgm:pt>
     <dgm:pt modelId="{2C43FC85-599F-4636-B0D4-820327869448}" type="pres">
       <dgm:prSet presAssocID="{5D05C501-66B8-47E2-94CD-CFF10BC8CCAB}" presName="hierRoot1" presStyleCnt="0"/>
@@ -6100,6 +6191,13 @@
         </dgm:presLayoutVars>
       </dgm:prSet>
       <dgm:spPr/>
+      <dgm:t>
+        <a:bodyPr/>
+        <a:lstStyle/>
+        <a:p>
+          <a:endParaRPr lang="en-US"/>
+        </a:p>
+      </dgm:t>
     </dgm:pt>
     <dgm:pt modelId="{D58EBC4E-DD83-4F9B-BBA1-5A3B7CC6D257}" type="pres">
       <dgm:prSet presAssocID="{5D05C501-66B8-47E2-94CD-CFF10BC8CCAB}" presName="hierChild2" presStyleCnt="0"/>
@@ -6108,6 +6206,13 @@
     <dgm:pt modelId="{C2336B27-12C0-40F0-9B99-A519F66539A7}" type="pres">
       <dgm:prSet presAssocID="{DD294C51-BCEE-4E2E-BCFC-1C3BF0F16C3E}" presName="Name10" presStyleLbl="parChTrans1D2" presStyleIdx="0" presStyleCnt="3"/>
       <dgm:spPr/>
+      <dgm:t>
+        <a:bodyPr/>
+        <a:lstStyle/>
+        <a:p>
+          <a:endParaRPr lang="en-US"/>
+        </a:p>
+      </dgm:t>
     </dgm:pt>
     <dgm:pt modelId="{F13C43B6-91CD-46A7-93A7-2CF2B7B6056B}" type="pres">
       <dgm:prSet presAssocID="{D49CB507-04D5-4E10-B82F-2CC6DFD44FA0}" presName="hierRoot2" presStyleCnt="0"/>
@@ -6128,6 +6233,13 @@
         </dgm:presLayoutVars>
       </dgm:prSet>
       <dgm:spPr/>
+      <dgm:t>
+        <a:bodyPr/>
+        <a:lstStyle/>
+        <a:p>
+          <a:endParaRPr lang="en-US"/>
+        </a:p>
+      </dgm:t>
     </dgm:pt>
     <dgm:pt modelId="{C5348F61-4A8A-4CDF-A5F9-532C0BE6024F}" type="pres">
       <dgm:prSet presAssocID="{D49CB507-04D5-4E10-B82F-2CC6DFD44FA0}" presName="hierChild3" presStyleCnt="0"/>
@@ -6136,6 +6248,13 @@
     <dgm:pt modelId="{DEB4D329-F188-4F3E-8506-B2DC0C1AE5E4}" type="pres">
       <dgm:prSet presAssocID="{6BD82562-C2C5-4CA0-B9FD-413066FB88D4}" presName="Name10" presStyleLbl="parChTrans1D2" presStyleIdx="1" presStyleCnt="3"/>
       <dgm:spPr/>
+      <dgm:t>
+        <a:bodyPr/>
+        <a:lstStyle/>
+        <a:p>
+          <a:endParaRPr lang="en-US"/>
+        </a:p>
+      </dgm:t>
     </dgm:pt>
     <dgm:pt modelId="{99279888-B6E6-49FD-BE3E-43E390747743}" type="pres">
       <dgm:prSet presAssocID="{1012C1EB-4AE2-4CD6-9071-849108223615}" presName="hierRoot2" presStyleCnt="0"/>
@@ -6156,6 +6275,13 @@
         </dgm:presLayoutVars>
       </dgm:prSet>
       <dgm:spPr/>
+      <dgm:t>
+        <a:bodyPr/>
+        <a:lstStyle/>
+        <a:p>
+          <a:endParaRPr lang="en-US"/>
+        </a:p>
+      </dgm:t>
     </dgm:pt>
     <dgm:pt modelId="{6046D4FB-047A-451C-BADA-CCFF3522E063}" type="pres">
       <dgm:prSet presAssocID="{1012C1EB-4AE2-4CD6-9071-849108223615}" presName="hierChild3" presStyleCnt="0"/>
@@ -6164,6 +6290,13 @@
     <dgm:pt modelId="{012162DB-1817-4B77-8B75-E62134E0538C}" type="pres">
       <dgm:prSet presAssocID="{9C55ACFA-A6A0-46D6-9238-ABBCB132F06F}" presName="Name10" presStyleLbl="parChTrans1D2" presStyleIdx="2" presStyleCnt="3"/>
       <dgm:spPr/>
+      <dgm:t>
+        <a:bodyPr/>
+        <a:lstStyle/>
+        <a:p>
+          <a:endParaRPr lang="en-US"/>
+        </a:p>
+      </dgm:t>
     </dgm:pt>
     <dgm:pt modelId="{C1EF7FDC-1336-4A56-BCC4-C66A8833580C}" type="pres">
       <dgm:prSet presAssocID="{64EBC56F-3A34-4CF9-8945-3F5A43DF0E86}" presName="hierRoot2" presStyleCnt="0"/>
@@ -6184,6 +6317,13 @@
         </dgm:presLayoutVars>
       </dgm:prSet>
       <dgm:spPr/>
+      <dgm:t>
+        <a:bodyPr/>
+        <a:lstStyle/>
+        <a:p>
+          <a:endParaRPr lang="en-US"/>
+        </a:p>
+      </dgm:t>
     </dgm:pt>
     <dgm:pt modelId="{8D4DCF40-1F3A-48F9-93E7-5ED503E2B80C}" type="pres">
       <dgm:prSet presAssocID="{64EBC56F-3A34-4CF9-8945-3F5A43DF0E86}" presName="hierChild3" presStyleCnt="0"/>
@@ -6191,18 +6331,18 @@
     </dgm:pt>
   </dgm:ptLst>
   <dgm:cxnLst>
-    <dgm:cxn modelId="{ED567812-ECDB-4E66-9E77-16346CAD2E42}" srcId="{5D05C501-66B8-47E2-94CD-CFF10BC8CCAB}" destId="{64EBC56F-3A34-4CF9-8945-3F5A43DF0E86}" srcOrd="2" destOrd="0" parTransId="{9C55ACFA-A6A0-46D6-9238-ABBCB132F06F}" sibTransId="{4B6892D8-7415-4849-9BBD-AF32BEFE57DA}"/>
+    <dgm:cxn modelId="{59724096-474F-4AF0-A03A-1B08196EB4B9}" type="presOf" srcId="{9C55ACFA-A6A0-46D6-9238-ABBCB132F06F}" destId="{012162DB-1817-4B77-8B75-E62134E0538C}" srcOrd="0" destOrd="0" presId="urn:microsoft.com/office/officeart/2005/8/layout/hierarchy1"/>
+    <dgm:cxn modelId="{1348DBC1-B69D-4FA4-AAA8-503520D7CDDD}" type="presOf" srcId="{1012C1EB-4AE2-4CD6-9071-849108223615}" destId="{43A84082-DB13-432D-A653-1663CB127972}" srcOrd="0" destOrd="0" presId="urn:microsoft.com/office/officeart/2005/8/layout/hierarchy1"/>
+    <dgm:cxn modelId="{FDC2B3BC-0A8E-4B5C-910A-9F18EE40D693}" type="presOf" srcId="{D49CB507-04D5-4E10-B82F-2CC6DFD44FA0}" destId="{2499865A-50F3-4F31-98E6-5E0E5082CA2A}" srcOrd="0" destOrd="0" presId="urn:microsoft.com/office/officeart/2005/8/layout/hierarchy1"/>
+    <dgm:cxn modelId="{2072C72D-D8AC-4043-8F1B-6F5DA7051332}" srcId="{5D05C501-66B8-47E2-94CD-CFF10BC8CCAB}" destId="{1012C1EB-4AE2-4CD6-9071-849108223615}" srcOrd="1" destOrd="0" parTransId="{6BD82562-C2C5-4CA0-B9FD-413066FB88D4}" sibTransId="{319F8DE0-5D23-4AD8-8A0F-2CCCA1FE4EE4}"/>
+    <dgm:cxn modelId="{5B34BFDA-735D-4681-98D3-25186F371C42}" type="presOf" srcId="{64EBC56F-3A34-4CF9-8945-3F5A43DF0E86}" destId="{60362227-9239-4FDD-BF63-884B3FCB2351}" srcOrd="0" destOrd="0" presId="urn:microsoft.com/office/officeart/2005/8/layout/hierarchy1"/>
+    <dgm:cxn modelId="{1A572B93-3910-4C7A-B010-DC718191520A}" type="presOf" srcId="{5D05C501-66B8-47E2-94CD-CFF10BC8CCAB}" destId="{64B3500C-3B71-4E27-8C68-E0D52B170DE7}" srcOrd="0" destOrd="0" presId="urn:microsoft.com/office/officeart/2005/8/layout/hierarchy1"/>
+    <dgm:cxn modelId="{A618F635-3223-4B18-A017-065BBE2D04E0}" type="presOf" srcId="{10B87708-E7CC-4C9B-B4B5-3C662A060ACD}" destId="{A39D58AA-D87D-4AC8-A2D2-160CC3EAD7B7}" srcOrd="0" destOrd="0" presId="urn:microsoft.com/office/officeart/2005/8/layout/hierarchy1"/>
     <dgm:cxn modelId="{02CD1615-F0FF-49D8-8F82-7562A929F489}" srcId="{10B87708-E7CC-4C9B-B4B5-3C662A060ACD}" destId="{5D05C501-66B8-47E2-94CD-CFF10BC8CCAB}" srcOrd="0" destOrd="0" parTransId="{C3F499C0-D7AD-4634-8D14-C6BED5934EEC}" sibTransId="{18F821AB-9337-4C75-8BE7-D7E45932A10E}"/>
     <dgm:cxn modelId="{F8674219-28C0-406B-BA1C-6A3013B09183}" srcId="{5D05C501-66B8-47E2-94CD-CFF10BC8CCAB}" destId="{D49CB507-04D5-4E10-B82F-2CC6DFD44FA0}" srcOrd="0" destOrd="0" parTransId="{DD294C51-BCEE-4E2E-BCFC-1C3BF0F16C3E}" sibTransId="{37AF39E1-DC0D-45A9-9B7D-5488ECDC2472}"/>
-    <dgm:cxn modelId="{2072C72D-D8AC-4043-8F1B-6F5DA7051332}" srcId="{5D05C501-66B8-47E2-94CD-CFF10BC8CCAB}" destId="{1012C1EB-4AE2-4CD6-9071-849108223615}" srcOrd="1" destOrd="0" parTransId="{6BD82562-C2C5-4CA0-B9FD-413066FB88D4}" sibTransId="{319F8DE0-5D23-4AD8-8A0F-2CCCA1FE4EE4}"/>
-    <dgm:cxn modelId="{A618F635-3223-4B18-A017-065BBE2D04E0}" type="presOf" srcId="{10B87708-E7CC-4C9B-B4B5-3C662A060ACD}" destId="{A39D58AA-D87D-4AC8-A2D2-160CC3EAD7B7}" srcOrd="0" destOrd="0" presId="urn:microsoft.com/office/officeart/2005/8/layout/hierarchy1"/>
     <dgm:cxn modelId="{DA3F7F58-EE83-4D90-A560-B7C9DDFBCCA6}" type="presOf" srcId="{6BD82562-C2C5-4CA0-B9FD-413066FB88D4}" destId="{DEB4D329-F188-4F3E-8506-B2DC0C1AE5E4}" srcOrd="0" destOrd="0" presId="urn:microsoft.com/office/officeart/2005/8/layout/hierarchy1"/>
-    <dgm:cxn modelId="{1A572B93-3910-4C7A-B010-DC718191520A}" type="presOf" srcId="{5D05C501-66B8-47E2-94CD-CFF10BC8CCAB}" destId="{64B3500C-3B71-4E27-8C68-E0D52B170DE7}" srcOrd="0" destOrd="0" presId="urn:microsoft.com/office/officeart/2005/8/layout/hierarchy1"/>
-    <dgm:cxn modelId="{59724096-474F-4AF0-A03A-1B08196EB4B9}" type="presOf" srcId="{9C55ACFA-A6A0-46D6-9238-ABBCB132F06F}" destId="{012162DB-1817-4B77-8B75-E62134E0538C}" srcOrd="0" destOrd="0" presId="urn:microsoft.com/office/officeart/2005/8/layout/hierarchy1"/>
-    <dgm:cxn modelId="{FDC2B3BC-0A8E-4B5C-910A-9F18EE40D693}" type="presOf" srcId="{D49CB507-04D5-4E10-B82F-2CC6DFD44FA0}" destId="{2499865A-50F3-4F31-98E6-5E0E5082CA2A}" srcOrd="0" destOrd="0" presId="urn:microsoft.com/office/officeart/2005/8/layout/hierarchy1"/>
-    <dgm:cxn modelId="{1348DBC1-B69D-4FA4-AAA8-503520D7CDDD}" type="presOf" srcId="{1012C1EB-4AE2-4CD6-9071-849108223615}" destId="{43A84082-DB13-432D-A653-1663CB127972}" srcOrd="0" destOrd="0" presId="urn:microsoft.com/office/officeart/2005/8/layout/hierarchy1"/>
+    <dgm:cxn modelId="{ED567812-ECDB-4E66-9E77-16346CAD2E42}" srcId="{5D05C501-66B8-47E2-94CD-CFF10BC8CCAB}" destId="{64EBC56F-3A34-4CF9-8945-3F5A43DF0E86}" srcOrd="2" destOrd="0" parTransId="{9C55ACFA-A6A0-46D6-9238-ABBCB132F06F}" sibTransId="{4B6892D8-7415-4849-9BBD-AF32BEFE57DA}"/>
     <dgm:cxn modelId="{E3C166C4-E877-4AE5-BBA2-4EA219CAF290}" type="presOf" srcId="{DD294C51-BCEE-4E2E-BCFC-1C3BF0F16C3E}" destId="{C2336B27-12C0-40F0-9B99-A519F66539A7}" srcOrd="0" destOrd="0" presId="urn:microsoft.com/office/officeart/2005/8/layout/hierarchy1"/>
-    <dgm:cxn modelId="{5B34BFDA-735D-4681-98D3-25186F371C42}" type="presOf" srcId="{64EBC56F-3A34-4CF9-8945-3F5A43DF0E86}" destId="{60362227-9239-4FDD-BF63-884B3FCB2351}" srcOrd="0" destOrd="0" presId="urn:microsoft.com/office/officeart/2005/8/layout/hierarchy1"/>
     <dgm:cxn modelId="{F2D165F1-3BD6-471E-838C-A11F1042D32B}" type="presParOf" srcId="{A39D58AA-D87D-4AC8-A2D2-160CC3EAD7B7}" destId="{2C43FC85-599F-4636-B0D4-820327869448}" srcOrd="0" destOrd="0" presId="urn:microsoft.com/office/officeart/2005/8/layout/hierarchy1"/>
     <dgm:cxn modelId="{7824BA47-375D-48A0-A457-B9BBA2F496EB}" type="presParOf" srcId="{2C43FC85-599F-4636-B0D4-820327869448}" destId="{611C6FA3-65B9-4A14-93FB-D7A8294C845C}" srcOrd="0" destOrd="0" presId="urn:microsoft.com/office/officeart/2005/8/layout/hierarchy1"/>
     <dgm:cxn modelId="{7569DAA6-39FB-46E7-8A41-17E4D2A628FA}" type="presParOf" srcId="{611C6FA3-65B9-4A14-93FB-D7A8294C845C}" destId="{07D382F4-1605-47A5-A692-1A75EE568DDE}" srcOrd="0" destOrd="0" presId="urn:microsoft.com/office/officeart/2005/8/layout/hierarchy1"/>
@@ -6231,7 +6371,7 @@
   <dgm:whole/>
   <dgm:extLst>
     <a:ext uri="http://schemas.microsoft.com/office/drawing/2008/diagram">
-      <dsp:dataModelExt xmlns:dsp="http://schemas.microsoft.com/office/drawing/2008/diagram" relId="rId6" minVer="http://schemas.openxmlformats.org/drawingml/2006/diagram"/>
+      <dsp:dataModelExt xmlns:dsp="http://schemas.microsoft.com/office/drawing/2008/diagram" xmlns="" relId="rId6" minVer="http://schemas.openxmlformats.org/drawingml/2006/diagram"/>
     </a:ext>
   </dgm:extLst>
 </dgm:dataModel>
@@ -6334,6 +6474,13 @@
         </dgm:presLayoutVars>
       </dgm:prSet>
       <dgm:spPr/>
+      <dgm:t>
+        <a:bodyPr/>
+        <a:lstStyle/>
+        <a:p>
+          <a:endParaRPr lang="en-US"/>
+        </a:p>
+      </dgm:t>
     </dgm:pt>
     <dgm:pt modelId="{2C43FC85-599F-4636-B0D4-820327869448}" type="pres">
       <dgm:prSet presAssocID="{5D05C501-66B8-47E2-94CD-CFF10BC8CCAB}" presName="hierRoot1" presStyleCnt="0"/>
@@ -6354,6 +6501,13 @@
         </dgm:presLayoutVars>
       </dgm:prSet>
       <dgm:spPr/>
+      <dgm:t>
+        <a:bodyPr/>
+        <a:lstStyle/>
+        <a:p>
+          <a:endParaRPr lang="en-US"/>
+        </a:p>
+      </dgm:t>
     </dgm:pt>
     <dgm:pt modelId="{D58EBC4E-DD83-4F9B-BBA1-5A3B7CC6D257}" type="pres">
       <dgm:prSet presAssocID="{5D05C501-66B8-47E2-94CD-CFF10BC8CCAB}" presName="hierChild2" presStyleCnt="0"/>
@@ -6362,6 +6516,13 @@
     <dgm:pt modelId="{C2336B27-12C0-40F0-9B99-A519F66539A7}" type="pres">
       <dgm:prSet presAssocID="{DD294C51-BCEE-4E2E-BCFC-1C3BF0F16C3E}" presName="Name10" presStyleLbl="parChTrans1D2" presStyleIdx="0" presStyleCnt="1"/>
       <dgm:spPr/>
+      <dgm:t>
+        <a:bodyPr/>
+        <a:lstStyle/>
+        <a:p>
+          <a:endParaRPr lang="en-US"/>
+        </a:p>
+      </dgm:t>
     </dgm:pt>
     <dgm:pt modelId="{F13C43B6-91CD-46A7-93A7-2CF2B7B6056B}" type="pres">
       <dgm:prSet presAssocID="{D49CB507-04D5-4E10-B82F-2CC6DFD44FA0}" presName="hierRoot2" presStyleCnt="0"/>
@@ -6382,6 +6543,13 @@
         </dgm:presLayoutVars>
       </dgm:prSet>
       <dgm:spPr/>
+      <dgm:t>
+        <a:bodyPr/>
+        <a:lstStyle/>
+        <a:p>
+          <a:endParaRPr lang="en-US"/>
+        </a:p>
+      </dgm:t>
     </dgm:pt>
     <dgm:pt modelId="{C5348F61-4A8A-4CDF-A5F9-532C0BE6024F}" type="pres">
       <dgm:prSet presAssocID="{D49CB507-04D5-4E10-B82F-2CC6DFD44FA0}" presName="hierChild3" presStyleCnt="0"/>
@@ -6389,11 +6557,11 @@
     </dgm:pt>
   </dgm:ptLst>
   <dgm:cxnLst>
+    <dgm:cxn modelId="{F8674219-28C0-406B-BA1C-6A3013B09183}" srcId="{5D05C501-66B8-47E2-94CD-CFF10BC8CCAB}" destId="{D49CB507-04D5-4E10-B82F-2CC6DFD44FA0}" srcOrd="0" destOrd="0" parTransId="{DD294C51-BCEE-4E2E-BCFC-1C3BF0F16C3E}" sibTransId="{37AF39E1-DC0D-45A9-9B7D-5488ECDC2472}"/>
+    <dgm:cxn modelId="{F2859E67-5299-4F50-9ED4-F959AC2DE704}" type="presOf" srcId="{5D05C501-66B8-47E2-94CD-CFF10BC8CCAB}" destId="{64B3500C-3B71-4E27-8C68-E0D52B170DE7}" srcOrd="0" destOrd="0" presId="urn:microsoft.com/office/officeart/2005/8/layout/hierarchy1"/>
     <dgm:cxn modelId="{02CD1615-F0FF-49D8-8F82-7562A929F489}" srcId="{10B87708-E7CC-4C9B-B4B5-3C662A060ACD}" destId="{5D05C501-66B8-47E2-94CD-CFF10BC8CCAB}" srcOrd="0" destOrd="0" parTransId="{C3F499C0-D7AD-4634-8D14-C6BED5934EEC}" sibTransId="{18F821AB-9337-4C75-8BE7-D7E45932A10E}"/>
-    <dgm:cxn modelId="{F8674219-28C0-406B-BA1C-6A3013B09183}" srcId="{5D05C501-66B8-47E2-94CD-CFF10BC8CCAB}" destId="{D49CB507-04D5-4E10-B82F-2CC6DFD44FA0}" srcOrd="0" destOrd="0" parTransId="{DD294C51-BCEE-4E2E-BCFC-1C3BF0F16C3E}" sibTransId="{37AF39E1-DC0D-45A9-9B7D-5488ECDC2472}"/>
+    <dgm:cxn modelId="{E8B64E54-E67C-468F-90FE-603999D39418}" type="presOf" srcId="{10B87708-E7CC-4C9B-B4B5-3C662A060ACD}" destId="{A39D58AA-D87D-4AC8-A2D2-160CC3EAD7B7}" srcOrd="0" destOrd="0" presId="urn:microsoft.com/office/officeart/2005/8/layout/hierarchy1"/>
     <dgm:cxn modelId="{BEC4EF3A-19C7-4C7B-A920-3BABDD6E89D6}" type="presOf" srcId="{D49CB507-04D5-4E10-B82F-2CC6DFD44FA0}" destId="{2499865A-50F3-4F31-98E6-5E0E5082CA2A}" srcOrd="0" destOrd="0" presId="urn:microsoft.com/office/officeart/2005/8/layout/hierarchy1"/>
-    <dgm:cxn modelId="{F2859E67-5299-4F50-9ED4-F959AC2DE704}" type="presOf" srcId="{5D05C501-66B8-47E2-94CD-CFF10BC8CCAB}" destId="{64B3500C-3B71-4E27-8C68-E0D52B170DE7}" srcOrd="0" destOrd="0" presId="urn:microsoft.com/office/officeart/2005/8/layout/hierarchy1"/>
-    <dgm:cxn modelId="{E8B64E54-E67C-468F-90FE-603999D39418}" type="presOf" srcId="{10B87708-E7CC-4C9B-B4B5-3C662A060ACD}" destId="{A39D58AA-D87D-4AC8-A2D2-160CC3EAD7B7}" srcOrd="0" destOrd="0" presId="urn:microsoft.com/office/officeart/2005/8/layout/hierarchy1"/>
     <dgm:cxn modelId="{C65DD6CA-BCB5-4B52-9DD6-BD00B6F84DDB}" type="presOf" srcId="{DD294C51-BCEE-4E2E-BCFC-1C3BF0F16C3E}" destId="{C2336B27-12C0-40F0-9B99-A519F66539A7}" srcOrd="0" destOrd="0" presId="urn:microsoft.com/office/officeart/2005/8/layout/hierarchy1"/>
     <dgm:cxn modelId="{21464946-8DF8-4F5C-8831-6971F39917B2}" type="presParOf" srcId="{A39D58AA-D87D-4AC8-A2D2-160CC3EAD7B7}" destId="{2C43FC85-599F-4636-B0D4-820327869448}" srcOrd="0" destOrd="0" presId="urn:microsoft.com/office/officeart/2005/8/layout/hierarchy1"/>
     <dgm:cxn modelId="{6F01BF82-4A5B-470D-867D-682D5A84A361}" type="presParOf" srcId="{2C43FC85-599F-4636-B0D4-820327869448}" destId="{611C6FA3-65B9-4A14-93FB-D7A8294C845C}" srcOrd="0" destOrd="0" presId="urn:microsoft.com/office/officeart/2005/8/layout/hierarchy1"/>
@@ -6411,7 +6579,7 @@
   <dgm:whole/>
   <dgm:extLst>
     <a:ext uri="http://schemas.microsoft.com/office/drawing/2008/diagram">
-      <dsp:dataModelExt xmlns:dsp="http://schemas.microsoft.com/office/drawing/2008/diagram" relId="rId11" minVer="http://schemas.openxmlformats.org/drawingml/2006/diagram"/>
+      <dsp:dataModelExt xmlns:dsp="http://schemas.microsoft.com/office/drawing/2008/diagram" xmlns="" relId="rId11" minVer="http://schemas.openxmlformats.org/drawingml/2006/diagram"/>
     </a:ext>
   </dgm:extLst>
 </dgm:dataModel>
@@ -6619,6 +6787,13 @@
         </dgm:presLayoutVars>
       </dgm:prSet>
       <dgm:spPr/>
+      <dgm:t>
+        <a:bodyPr/>
+        <a:lstStyle/>
+        <a:p>
+          <a:endParaRPr lang="en-US"/>
+        </a:p>
+      </dgm:t>
     </dgm:pt>
     <dgm:pt modelId="{2C43FC85-599F-4636-B0D4-820327869448}" type="pres">
       <dgm:prSet presAssocID="{5D05C501-66B8-47E2-94CD-CFF10BC8CCAB}" presName="hierRoot1" presStyleCnt="0"/>
@@ -6639,6 +6814,13 @@
         </dgm:presLayoutVars>
       </dgm:prSet>
       <dgm:spPr/>
+      <dgm:t>
+        <a:bodyPr/>
+        <a:lstStyle/>
+        <a:p>
+          <a:endParaRPr lang="en-US"/>
+        </a:p>
+      </dgm:t>
     </dgm:pt>
     <dgm:pt modelId="{D58EBC4E-DD83-4F9B-BBA1-5A3B7CC6D257}" type="pres">
       <dgm:prSet presAssocID="{5D05C501-66B8-47E2-94CD-CFF10BC8CCAB}" presName="hierChild2" presStyleCnt="0"/>
@@ -6647,6 +6829,13 @@
     <dgm:pt modelId="{C2336B27-12C0-40F0-9B99-A519F66539A7}" type="pres">
       <dgm:prSet presAssocID="{DD294C51-BCEE-4E2E-BCFC-1C3BF0F16C3E}" presName="Name10" presStyleLbl="parChTrans1D2" presStyleIdx="0" presStyleCnt="2"/>
       <dgm:spPr/>
+      <dgm:t>
+        <a:bodyPr/>
+        <a:lstStyle/>
+        <a:p>
+          <a:endParaRPr lang="en-US"/>
+        </a:p>
+      </dgm:t>
     </dgm:pt>
     <dgm:pt modelId="{F13C43B6-91CD-46A7-93A7-2CF2B7B6056B}" type="pres">
       <dgm:prSet presAssocID="{D49CB507-04D5-4E10-B82F-2CC6DFD44FA0}" presName="hierRoot2" presStyleCnt="0"/>
@@ -6667,6 +6856,13 @@
         </dgm:presLayoutVars>
       </dgm:prSet>
       <dgm:spPr/>
+      <dgm:t>
+        <a:bodyPr/>
+        <a:lstStyle/>
+        <a:p>
+          <a:endParaRPr lang="en-US"/>
+        </a:p>
+      </dgm:t>
     </dgm:pt>
     <dgm:pt modelId="{C5348F61-4A8A-4CDF-A5F9-532C0BE6024F}" type="pres">
       <dgm:prSet presAssocID="{D49CB507-04D5-4E10-B82F-2CC6DFD44FA0}" presName="hierChild3" presStyleCnt="0"/>
@@ -6675,6 +6871,13 @@
     <dgm:pt modelId="{205748EE-72F6-443A-A645-54784CABC7B3}" type="pres">
       <dgm:prSet presAssocID="{F3E66185-2A22-4BBB-B5DB-028506D4FF82}" presName="Name17" presStyleLbl="parChTrans1D3" presStyleIdx="0" presStyleCnt="2"/>
       <dgm:spPr/>
+      <dgm:t>
+        <a:bodyPr/>
+        <a:lstStyle/>
+        <a:p>
+          <a:endParaRPr lang="en-US"/>
+        </a:p>
+      </dgm:t>
     </dgm:pt>
     <dgm:pt modelId="{663B076A-5753-4720-A7D7-09361638DF7F}" type="pres">
       <dgm:prSet presAssocID="{F9F05121-FBF8-428F-B6C1-DD2751E02D7A}" presName="hierRoot3" presStyleCnt="0"/>
@@ -6695,6 +6898,13 @@
         </dgm:presLayoutVars>
       </dgm:prSet>
       <dgm:spPr/>
+      <dgm:t>
+        <a:bodyPr/>
+        <a:lstStyle/>
+        <a:p>
+          <a:endParaRPr lang="en-US"/>
+        </a:p>
+      </dgm:t>
     </dgm:pt>
     <dgm:pt modelId="{21C2FE5D-7307-4529-9BE6-6F2F243CCC79}" type="pres">
       <dgm:prSet presAssocID="{F9F05121-FBF8-428F-B6C1-DD2751E02D7A}" presName="hierChild4" presStyleCnt="0"/>
@@ -6703,6 +6913,13 @@
     <dgm:pt modelId="{012162DB-1817-4B77-8B75-E62134E0538C}" type="pres">
       <dgm:prSet presAssocID="{9C55ACFA-A6A0-46D6-9238-ABBCB132F06F}" presName="Name10" presStyleLbl="parChTrans1D2" presStyleIdx="1" presStyleCnt="2"/>
       <dgm:spPr/>
+      <dgm:t>
+        <a:bodyPr/>
+        <a:lstStyle/>
+        <a:p>
+          <a:endParaRPr lang="en-US"/>
+        </a:p>
+      </dgm:t>
     </dgm:pt>
     <dgm:pt modelId="{C1EF7FDC-1336-4A56-BCC4-C66A8833580C}" type="pres">
       <dgm:prSet presAssocID="{64EBC56F-3A34-4CF9-8945-3F5A43DF0E86}" presName="hierRoot2" presStyleCnt="0"/>
@@ -6723,6 +6940,13 @@
         </dgm:presLayoutVars>
       </dgm:prSet>
       <dgm:spPr/>
+      <dgm:t>
+        <a:bodyPr/>
+        <a:lstStyle/>
+        <a:p>
+          <a:endParaRPr lang="en-US"/>
+        </a:p>
+      </dgm:t>
     </dgm:pt>
     <dgm:pt modelId="{8D4DCF40-1F3A-48F9-93E7-5ED503E2B80C}" type="pres">
       <dgm:prSet presAssocID="{64EBC56F-3A34-4CF9-8945-3F5A43DF0E86}" presName="hierChild3" presStyleCnt="0"/>
@@ -6731,6 +6955,13 @@
     <dgm:pt modelId="{89E3A213-F4C8-4ACE-8363-6B644765C1D7}" type="pres">
       <dgm:prSet presAssocID="{EFD6EF44-AAC3-48A0-9AE6-622CD01D4C91}" presName="Name17" presStyleLbl="parChTrans1D3" presStyleIdx="1" presStyleCnt="2"/>
       <dgm:spPr/>
+      <dgm:t>
+        <a:bodyPr/>
+        <a:lstStyle/>
+        <a:p>
+          <a:endParaRPr lang="en-US"/>
+        </a:p>
+      </dgm:t>
     </dgm:pt>
     <dgm:pt modelId="{1BC4AF66-9394-4153-B3B6-A229D1C9D041}" type="pres">
       <dgm:prSet presAssocID="{09903834-1457-41BD-ABF3-6828FB39D24E}" presName="hierRoot3" presStyleCnt="0"/>
@@ -6751,6 +6982,13 @@
         </dgm:presLayoutVars>
       </dgm:prSet>
       <dgm:spPr/>
+      <dgm:t>
+        <a:bodyPr/>
+        <a:lstStyle/>
+        <a:p>
+          <a:endParaRPr lang="en-US"/>
+        </a:p>
+      </dgm:t>
     </dgm:pt>
     <dgm:pt modelId="{55952FB1-47FE-423B-AE48-EC40FC70FF00}" type="pres">
       <dgm:prSet presAssocID="{09903834-1457-41BD-ABF3-6828FB39D24E}" presName="hierChild4" presStyleCnt="0"/>
@@ -6758,21 +6996,21 @@
     </dgm:pt>
   </dgm:ptLst>
   <dgm:cxnLst>
-    <dgm:cxn modelId="{BCB2ED0E-E217-4865-B871-4F32DFACE9AC}" srcId="{64EBC56F-3A34-4CF9-8945-3F5A43DF0E86}" destId="{09903834-1457-41BD-ABF3-6828FB39D24E}" srcOrd="0" destOrd="0" parTransId="{EFD6EF44-AAC3-48A0-9AE6-622CD01D4C91}" sibTransId="{28CD25A6-3F1A-4C67-9BF5-0D2B167A2F11}"/>
-    <dgm:cxn modelId="{ED567812-ECDB-4E66-9E77-16346CAD2E42}" srcId="{5D05C501-66B8-47E2-94CD-CFF10BC8CCAB}" destId="{64EBC56F-3A34-4CF9-8945-3F5A43DF0E86}" srcOrd="1" destOrd="0" parTransId="{9C55ACFA-A6A0-46D6-9238-ABBCB132F06F}" sibTransId="{4B6892D8-7415-4849-9BBD-AF32BEFE57DA}"/>
-    <dgm:cxn modelId="{02CD1615-F0FF-49D8-8F82-7562A929F489}" srcId="{10B87708-E7CC-4C9B-B4B5-3C662A060ACD}" destId="{5D05C501-66B8-47E2-94CD-CFF10BC8CCAB}" srcOrd="0" destOrd="0" parTransId="{C3F499C0-D7AD-4634-8D14-C6BED5934EEC}" sibTransId="{18F821AB-9337-4C75-8BE7-D7E45932A10E}"/>
-    <dgm:cxn modelId="{F8674219-28C0-406B-BA1C-6A3013B09183}" srcId="{5D05C501-66B8-47E2-94CD-CFF10BC8CCAB}" destId="{D49CB507-04D5-4E10-B82F-2CC6DFD44FA0}" srcOrd="0" destOrd="0" parTransId="{DD294C51-BCEE-4E2E-BCFC-1C3BF0F16C3E}" sibTransId="{37AF39E1-DC0D-45A9-9B7D-5488ECDC2472}"/>
-    <dgm:cxn modelId="{BB367E1B-55BF-4628-B31E-A01FF8C3C6EB}" type="presOf" srcId="{9C55ACFA-A6A0-46D6-9238-ABBCB132F06F}" destId="{012162DB-1817-4B77-8B75-E62134E0538C}" srcOrd="0" destOrd="0" presId="urn:microsoft.com/office/officeart/2005/8/layout/hierarchy1"/>
     <dgm:cxn modelId="{EF1AE01D-DFE7-49F3-B64E-72774EF7E909}" type="presOf" srcId="{F3E66185-2A22-4BBB-B5DB-028506D4FF82}" destId="{205748EE-72F6-443A-A645-54784CABC7B3}" srcOrd="0" destOrd="0" presId="urn:microsoft.com/office/officeart/2005/8/layout/hierarchy1"/>
     <dgm:cxn modelId="{E4FD0333-2ACD-406B-B45C-9D325F9A9286}" type="presOf" srcId="{5D05C501-66B8-47E2-94CD-CFF10BC8CCAB}" destId="{64B3500C-3B71-4E27-8C68-E0D52B170DE7}" srcOrd="0" destOrd="0" presId="urn:microsoft.com/office/officeart/2005/8/layout/hierarchy1"/>
+    <dgm:cxn modelId="{BB367E1B-55BF-4628-B31E-A01FF8C3C6EB}" type="presOf" srcId="{9C55ACFA-A6A0-46D6-9238-ABBCB132F06F}" destId="{012162DB-1817-4B77-8B75-E62134E0538C}" srcOrd="0" destOrd="0" presId="urn:microsoft.com/office/officeart/2005/8/layout/hierarchy1"/>
+    <dgm:cxn modelId="{D6348442-DB36-4161-9BA1-EBB2A0B04EFC}" type="presOf" srcId="{10B87708-E7CC-4C9B-B4B5-3C662A060ACD}" destId="{A39D58AA-D87D-4AC8-A2D2-160CC3EAD7B7}" srcOrd="0" destOrd="0" presId="urn:microsoft.com/office/officeart/2005/8/layout/hierarchy1"/>
+    <dgm:cxn modelId="{6F46A3DF-1425-45A9-90F7-819016A483E4}" type="presOf" srcId="{DD294C51-BCEE-4E2E-BCFC-1C3BF0F16C3E}" destId="{C2336B27-12C0-40F0-9B99-A519F66539A7}" srcOrd="0" destOrd="0" presId="urn:microsoft.com/office/officeart/2005/8/layout/hierarchy1"/>
+    <dgm:cxn modelId="{4D3093DD-FBD1-4223-856F-0E05E80076ED}" type="presOf" srcId="{EFD6EF44-AAC3-48A0-9AE6-622CD01D4C91}" destId="{89E3A213-F4C8-4ACE-8363-6B644765C1D7}" srcOrd="0" destOrd="0" presId="urn:microsoft.com/office/officeart/2005/8/layout/hierarchy1"/>
+    <dgm:cxn modelId="{7D06C8D8-E859-47BD-A999-637FBB04F5B4}" type="presOf" srcId="{09903834-1457-41BD-ABF3-6828FB39D24E}" destId="{CB12C632-3BAC-4FB2-8F25-AA5185B82BDA}" srcOrd="0" destOrd="0" presId="urn:microsoft.com/office/officeart/2005/8/layout/hierarchy1"/>
+    <dgm:cxn modelId="{10442685-41CC-4207-A557-4982DC2377CF}" type="presOf" srcId="{D49CB507-04D5-4E10-B82F-2CC6DFD44FA0}" destId="{2499865A-50F3-4F31-98E6-5E0E5082CA2A}" srcOrd="0" destOrd="0" presId="urn:microsoft.com/office/officeart/2005/8/layout/hierarchy1"/>
+    <dgm:cxn modelId="{02CD1615-F0FF-49D8-8F82-7562A929F489}" srcId="{10B87708-E7CC-4C9B-B4B5-3C662A060ACD}" destId="{5D05C501-66B8-47E2-94CD-CFF10BC8CCAB}" srcOrd="0" destOrd="0" parTransId="{C3F499C0-D7AD-4634-8D14-C6BED5934EEC}" sibTransId="{18F821AB-9337-4C75-8BE7-D7E45932A10E}"/>
+    <dgm:cxn modelId="{BCB2ED0E-E217-4865-B871-4F32DFACE9AC}" srcId="{64EBC56F-3A34-4CF9-8945-3F5A43DF0E86}" destId="{09903834-1457-41BD-ABF3-6828FB39D24E}" srcOrd="0" destOrd="0" parTransId="{EFD6EF44-AAC3-48A0-9AE6-622CD01D4C91}" sibTransId="{28CD25A6-3F1A-4C67-9BF5-0D2B167A2F11}"/>
+    <dgm:cxn modelId="{F8674219-28C0-406B-BA1C-6A3013B09183}" srcId="{5D05C501-66B8-47E2-94CD-CFF10BC8CCAB}" destId="{D49CB507-04D5-4E10-B82F-2CC6DFD44FA0}" srcOrd="0" destOrd="0" parTransId="{DD294C51-BCEE-4E2E-BCFC-1C3BF0F16C3E}" sibTransId="{37AF39E1-DC0D-45A9-9B7D-5488ECDC2472}"/>
+    <dgm:cxn modelId="{DA01A33D-4CE3-4E4D-8A80-65AF1C669334}" srcId="{D49CB507-04D5-4E10-B82F-2CC6DFD44FA0}" destId="{F9F05121-FBF8-428F-B6C1-DD2751E02D7A}" srcOrd="0" destOrd="0" parTransId="{F3E66185-2A22-4BBB-B5DB-028506D4FF82}" sibTransId="{D237BC82-95C3-49EA-8524-DF213D4921EC}"/>
+    <dgm:cxn modelId="{825D9486-1CB4-4FBB-867B-CD03A96A6A7A}" type="presOf" srcId="{64EBC56F-3A34-4CF9-8945-3F5A43DF0E86}" destId="{60362227-9239-4FDD-BF63-884B3FCB2351}" srcOrd="0" destOrd="0" presId="urn:microsoft.com/office/officeart/2005/8/layout/hierarchy1"/>
     <dgm:cxn modelId="{09B3F036-B603-4ED4-BA3A-BC17471374DA}" type="presOf" srcId="{F9F05121-FBF8-428F-B6C1-DD2751E02D7A}" destId="{A3AB3EAD-0AB3-4255-ABF9-A09E000484D0}" srcOrd="0" destOrd="0" presId="urn:microsoft.com/office/officeart/2005/8/layout/hierarchy1"/>
-    <dgm:cxn modelId="{DA01A33D-4CE3-4E4D-8A80-65AF1C669334}" srcId="{D49CB507-04D5-4E10-B82F-2CC6DFD44FA0}" destId="{F9F05121-FBF8-428F-B6C1-DD2751E02D7A}" srcOrd="0" destOrd="0" parTransId="{F3E66185-2A22-4BBB-B5DB-028506D4FF82}" sibTransId="{D237BC82-95C3-49EA-8524-DF213D4921EC}"/>
-    <dgm:cxn modelId="{D6348442-DB36-4161-9BA1-EBB2A0B04EFC}" type="presOf" srcId="{10B87708-E7CC-4C9B-B4B5-3C662A060ACD}" destId="{A39D58AA-D87D-4AC8-A2D2-160CC3EAD7B7}" srcOrd="0" destOrd="0" presId="urn:microsoft.com/office/officeart/2005/8/layout/hierarchy1"/>
-    <dgm:cxn modelId="{10442685-41CC-4207-A557-4982DC2377CF}" type="presOf" srcId="{D49CB507-04D5-4E10-B82F-2CC6DFD44FA0}" destId="{2499865A-50F3-4F31-98E6-5E0E5082CA2A}" srcOrd="0" destOrd="0" presId="urn:microsoft.com/office/officeart/2005/8/layout/hierarchy1"/>
-    <dgm:cxn modelId="{825D9486-1CB4-4FBB-867B-CD03A96A6A7A}" type="presOf" srcId="{64EBC56F-3A34-4CF9-8945-3F5A43DF0E86}" destId="{60362227-9239-4FDD-BF63-884B3FCB2351}" srcOrd="0" destOrd="0" presId="urn:microsoft.com/office/officeart/2005/8/layout/hierarchy1"/>
-    <dgm:cxn modelId="{7D06C8D8-E859-47BD-A999-637FBB04F5B4}" type="presOf" srcId="{09903834-1457-41BD-ABF3-6828FB39D24E}" destId="{CB12C632-3BAC-4FB2-8F25-AA5185B82BDA}" srcOrd="0" destOrd="0" presId="urn:microsoft.com/office/officeart/2005/8/layout/hierarchy1"/>
-    <dgm:cxn modelId="{4D3093DD-FBD1-4223-856F-0E05E80076ED}" type="presOf" srcId="{EFD6EF44-AAC3-48A0-9AE6-622CD01D4C91}" destId="{89E3A213-F4C8-4ACE-8363-6B644765C1D7}" srcOrd="0" destOrd="0" presId="urn:microsoft.com/office/officeart/2005/8/layout/hierarchy1"/>
-    <dgm:cxn modelId="{6F46A3DF-1425-45A9-90F7-819016A483E4}" type="presOf" srcId="{DD294C51-BCEE-4E2E-BCFC-1C3BF0F16C3E}" destId="{C2336B27-12C0-40F0-9B99-A519F66539A7}" srcOrd="0" destOrd="0" presId="urn:microsoft.com/office/officeart/2005/8/layout/hierarchy1"/>
+    <dgm:cxn modelId="{ED567812-ECDB-4E66-9E77-16346CAD2E42}" srcId="{5D05C501-66B8-47E2-94CD-CFF10BC8CCAB}" destId="{64EBC56F-3A34-4CF9-8945-3F5A43DF0E86}" srcOrd="1" destOrd="0" parTransId="{9C55ACFA-A6A0-46D6-9238-ABBCB132F06F}" sibTransId="{4B6892D8-7415-4849-9BBD-AF32BEFE57DA}"/>
     <dgm:cxn modelId="{363FA3DD-03B0-4197-A381-7672FB01B100}" type="presParOf" srcId="{A39D58AA-D87D-4AC8-A2D2-160CC3EAD7B7}" destId="{2C43FC85-599F-4636-B0D4-820327869448}" srcOrd="0" destOrd="0" presId="urn:microsoft.com/office/officeart/2005/8/layout/hierarchy1"/>
     <dgm:cxn modelId="{47672898-EA2C-48C8-A52D-8E2A599F1BA0}" type="presParOf" srcId="{2C43FC85-599F-4636-B0D4-820327869448}" destId="{611C6FA3-65B9-4A14-93FB-D7A8294C845C}" srcOrd="0" destOrd="0" presId="urn:microsoft.com/office/officeart/2005/8/layout/hierarchy1"/>
     <dgm:cxn modelId="{9303F324-3BD3-44A5-A518-D6A1888C9117}" type="presParOf" srcId="{611C6FA3-65B9-4A14-93FB-D7A8294C845C}" destId="{07D382F4-1605-47A5-A692-1A75EE568DDE}" srcOrd="0" destOrd="0" presId="urn:microsoft.com/office/officeart/2005/8/layout/hierarchy1"/>
@@ -6807,7 +7045,7 @@
   <dgm:whole/>
   <dgm:extLst>
     <a:ext uri="http://schemas.microsoft.com/office/drawing/2008/diagram">
-      <dsp:dataModelExt xmlns:dsp="http://schemas.microsoft.com/office/drawing/2008/diagram" relId="rId6" minVer="http://schemas.openxmlformats.org/drawingml/2006/diagram"/>
+      <dsp:dataModelExt xmlns:dsp="http://schemas.microsoft.com/office/drawing/2008/diagram" xmlns="" relId="rId6" minVer="http://schemas.openxmlformats.org/drawingml/2006/diagram"/>
     </a:ext>
   </dgm:extLst>
 </dgm:dataModel>
@@ -6946,6 +7184,13 @@
         </dgm:presLayoutVars>
       </dgm:prSet>
       <dgm:spPr/>
+      <dgm:t>
+        <a:bodyPr/>
+        <a:lstStyle/>
+        <a:p>
+          <a:endParaRPr lang="en-US"/>
+        </a:p>
+      </dgm:t>
     </dgm:pt>
     <dgm:pt modelId="{2C43FC85-599F-4636-B0D4-820327869448}" type="pres">
       <dgm:prSet presAssocID="{5D05C501-66B8-47E2-94CD-CFF10BC8CCAB}" presName="hierRoot1" presStyleCnt="0"/>
@@ -6966,6 +7211,13 @@
         </dgm:presLayoutVars>
       </dgm:prSet>
       <dgm:spPr/>
+      <dgm:t>
+        <a:bodyPr/>
+        <a:lstStyle/>
+        <a:p>
+          <a:endParaRPr lang="en-US"/>
+        </a:p>
+      </dgm:t>
     </dgm:pt>
     <dgm:pt modelId="{D58EBC4E-DD83-4F9B-BBA1-5A3B7CC6D257}" type="pres">
       <dgm:prSet presAssocID="{5D05C501-66B8-47E2-94CD-CFF10BC8CCAB}" presName="hierChild2" presStyleCnt="0"/>
@@ -6974,6 +7226,13 @@
     <dgm:pt modelId="{C2336B27-12C0-40F0-9B99-A519F66539A7}" type="pres">
       <dgm:prSet presAssocID="{DD294C51-BCEE-4E2E-BCFC-1C3BF0F16C3E}" presName="Name10" presStyleLbl="parChTrans1D2" presStyleIdx="0" presStyleCnt="1"/>
       <dgm:spPr/>
+      <dgm:t>
+        <a:bodyPr/>
+        <a:lstStyle/>
+        <a:p>
+          <a:endParaRPr lang="en-US"/>
+        </a:p>
+      </dgm:t>
     </dgm:pt>
     <dgm:pt modelId="{F13C43B6-91CD-46A7-93A7-2CF2B7B6056B}" type="pres">
       <dgm:prSet presAssocID="{D49CB507-04D5-4E10-B82F-2CC6DFD44FA0}" presName="hierRoot2" presStyleCnt="0"/>
@@ -6994,6 +7253,13 @@
         </dgm:presLayoutVars>
       </dgm:prSet>
       <dgm:spPr/>
+      <dgm:t>
+        <a:bodyPr/>
+        <a:lstStyle/>
+        <a:p>
+          <a:endParaRPr lang="en-US"/>
+        </a:p>
+      </dgm:t>
     </dgm:pt>
     <dgm:pt modelId="{C5348F61-4A8A-4CDF-A5F9-532C0BE6024F}" type="pres">
       <dgm:prSet presAssocID="{D49CB507-04D5-4E10-B82F-2CC6DFD44FA0}" presName="hierChild3" presStyleCnt="0"/>
@@ -7002,6 +7268,13 @@
     <dgm:pt modelId="{3FDB2FD1-0894-4596-A2D9-94D2B77413B1}" type="pres">
       <dgm:prSet presAssocID="{21030A5B-5DEB-41BF-8474-3C8AE0555716}" presName="Name17" presStyleLbl="parChTrans1D3" presStyleIdx="0" presStyleCnt="1"/>
       <dgm:spPr/>
+      <dgm:t>
+        <a:bodyPr/>
+        <a:lstStyle/>
+        <a:p>
+          <a:endParaRPr lang="en-US"/>
+        </a:p>
+      </dgm:t>
     </dgm:pt>
     <dgm:pt modelId="{9B6B4CFD-A5AE-41CF-9F0D-0D8EDC8871C4}" type="pres">
       <dgm:prSet presAssocID="{B3906B37-2B57-463E-AFC3-C8E8AAF0E49E}" presName="hierRoot3" presStyleCnt="0"/>
@@ -7022,6 +7295,13 @@
         </dgm:presLayoutVars>
       </dgm:prSet>
       <dgm:spPr/>
+      <dgm:t>
+        <a:bodyPr/>
+        <a:lstStyle/>
+        <a:p>
+          <a:endParaRPr lang="en-US"/>
+        </a:p>
+      </dgm:t>
     </dgm:pt>
     <dgm:pt modelId="{628B11F1-7C6E-438F-8C75-6BE8457146BC}" type="pres">
       <dgm:prSet presAssocID="{B3906B37-2B57-463E-AFC3-C8E8AAF0E49E}" presName="hierChild4" presStyleCnt="0"/>
@@ -7029,15 +7309,15 @@
     </dgm:pt>
   </dgm:ptLst>
   <dgm:cxnLst>
+    <dgm:cxn modelId="{A40E653A-5061-4118-9983-B9BB2C7404F1}" type="presOf" srcId="{21030A5B-5DEB-41BF-8474-3C8AE0555716}" destId="{3FDB2FD1-0894-4596-A2D9-94D2B77413B1}" srcOrd="0" destOrd="0" presId="urn:microsoft.com/office/officeart/2005/8/layout/hierarchy1"/>
+    <dgm:cxn modelId="{44E3E440-C06E-4579-838C-A77DA24E5517}" type="presOf" srcId="{D49CB507-04D5-4E10-B82F-2CC6DFD44FA0}" destId="{2499865A-50F3-4F31-98E6-5E0E5082CA2A}" srcOrd="0" destOrd="0" presId="urn:microsoft.com/office/officeart/2005/8/layout/hierarchy1"/>
+    <dgm:cxn modelId="{66423AB7-0136-4011-88BF-08E29ABE941C}" type="presOf" srcId="{5D05C501-66B8-47E2-94CD-CFF10BC8CCAB}" destId="{64B3500C-3B71-4E27-8C68-E0D52B170DE7}" srcOrd="0" destOrd="0" presId="urn:microsoft.com/office/officeart/2005/8/layout/hierarchy1"/>
+    <dgm:cxn modelId="{A8B06437-07DE-421F-AD00-B50D01BE55A7}" type="presOf" srcId="{10B87708-E7CC-4C9B-B4B5-3C662A060ACD}" destId="{A39D58AA-D87D-4AC8-A2D2-160CC3EAD7B7}" srcOrd="0" destOrd="0" presId="urn:microsoft.com/office/officeart/2005/8/layout/hierarchy1"/>
+    <dgm:cxn modelId="{399FA6CE-3E65-4021-A059-17FF8E78293C}" srcId="{D49CB507-04D5-4E10-B82F-2CC6DFD44FA0}" destId="{B3906B37-2B57-463E-AFC3-C8E8AAF0E49E}" srcOrd="0" destOrd="0" parTransId="{21030A5B-5DEB-41BF-8474-3C8AE0555716}" sibTransId="{3E501E44-AA1A-43B0-997D-32A4E0B6F32F}"/>
     <dgm:cxn modelId="{02CD1615-F0FF-49D8-8F82-7562A929F489}" srcId="{10B87708-E7CC-4C9B-B4B5-3C662A060ACD}" destId="{5D05C501-66B8-47E2-94CD-CFF10BC8CCAB}" srcOrd="0" destOrd="0" parTransId="{C3F499C0-D7AD-4634-8D14-C6BED5934EEC}" sibTransId="{18F821AB-9337-4C75-8BE7-D7E45932A10E}"/>
     <dgm:cxn modelId="{F8674219-28C0-406B-BA1C-6A3013B09183}" srcId="{5D05C501-66B8-47E2-94CD-CFF10BC8CCAB}" destId="{D49CB507-04D5-4E10-B82F-2CC6DFD44FA0}" srcOrd="0" destOrd="0" parTransId="{DD294C51-BCEE-4E2E-BCFC-1C3BF0F16C3E}" sibTransId="{37AF39E1-DC0D-45A9-9B7D-5488ECDC2472}"/>
-    <dgm:cxn modelId="{A8B06437-07DE-421F-AD00-B50D01BE55A7}" type="presOf" srcId="{10B87708-E7CC-4C9B-B4B5-3C662A060ACD}" destId="{A39D58AA-D87D-4AC8-A2D2-160CC3EAD7B7}" srcOrd="0" destOrd="0" presId="urn:microsoft.com/office/officeart/2005/8/layout/hierarchy1"/>
-    <dgm:cxn modelId="{A40E653A-5061-4118-9983-B9BB2C7404F1}" type="presOf" srcId="{21030A5B-5DEB-41BF-8474-3C8AE0555716}" destId="{3FDB2FD1-0894-4596-A2D9-94D2B77413B1}" srcOrd="0" destOrd="0" presId="urn:microsoft.com/office/officeart/2005/8/layout/hierarchy1"/>
-    <dgm:cxn modelId="{44E3E440-C06E-4579-838C-A77DA24E5517}" type="presOf" srcId="{D49CB507-04D5-4E10-B82F-2CC6DFD44FA0}" destId="{2499865A-50F3-4F31-98E6-5E0E5082CA2A}" srcOrd="0" destOrd="0" presId="urn:microsoft.com/office/officeart/2005/8/layout/hierarchy1"/>
     <dgm:cxn modelId="{E631D2AE-4A2D-4C57-AE89-E69A82224122}" type="presOf" srcId="{B3906B37-2B57-463E-AFC3-C8E8AAF0E49E}" destId="{EA414AF6-7144-49AE-B5A1-01AC1C3348EA}" srcOrd="0" destOrd="0" presId="urn:microsoft.com/office/officeart/2005/8/layout/hierarchy1"/>
-    <dgm:cxn modelId="{66423AB7-0136-4011-88BF-08E29ABE941C}" type="presOf" srcId="{5D05C501-66B8-47E2-94CD-CFF10BC8CCAB}" destId="{64B3500C-3B71-4E27-8C68-E0D52B170DE7}" srcOrd="0" destOrd="0" presId="urn:microsoft.com/office/officeart/2005/8/layout/hierarchy1"/>
     <dgm:cxn modelId="{AB5F61BF-A15E-43BA-B3F0-FEF37819329A}" type="presOf" srcId="{DD294C51-BCEE-4E2E-BCFC-1C3BF0F16C3E}" destId="{C2336B27-12C0-40F0-9B99-A519F66539A7}" srcOrd="0" destOrd="0" presId="urn:microsoft.com/office/officeart/2005/8/layout/hierarchy1"/>
-    <dgm:cxn modelId="{399FA6CE-3E65-4021-A059-17FF8E78293C}" srcId="{D49CB507-04D5-4E10-B82F-2CC6DFD44FA0}" destId="{B3906B37-2B57-463E-AFC3-C8E8AAF0E49E}" srcOrd="0" destOrd="0" parTransId="{21030A5B-5DEB-41BF-8474-3C8AE0555716}" sibTransId="{3E501E44-AA1A-43B0-997D-32A4E0B6F32F}"/>
     <dgm:cxn modelId="{53A48C54-6715-4244-A0EC-BC6A4226A84C}" type="presParOf" srcId="{A39D58AA-D87D-4AC8-A2D2-160CC3EAD7B7}" destId="{2C43FC85-599F-4636-B0D4-820327869448}" srcOrd="0" destOrd="0" presId="urn:microsoft.com/office/officeart/2005/8/layout/hierarchy1"/>
     <dgm:cxn modelId="{6F6CC448-C8E6-45FD-9F71-AA605786E86A}" type="presParOf" srcId="{2C43FC85-599F-4636-B0D4-820327869448}" destId="{611C6FA3-65B9-4A14-93FB-D7A8294C845C}" srcOrd="0" destOrd="0" presId="urn:microsoft.com/office/officeart/2005/8/layout/hierarchy1"/>
     <dgm:cxn modelId="{9E77CBF9-C308-4814-8F75-CE9684E50730}" type="presParOf" srcId="{611C6FA3-65B9-4A14-93FB-D7A8294C845C}" destId="{07D382F4-1605-47A5-A692-1A75EE568DDE}" srcOrd="0" destOrd="0" presId="urn:microsoft.com/office/officeart/2005/8/layout/hierarchy1"/>
@@ -7060,7 +7340,7 @@
   <dgm:whole/>
   <dgm:extLst>
     <a:ext uri="http://schemas.microsoft.com/office/drawing/2008/diagram">
-      <dsp:dataModelExt xmlns:dsp="http://schemas.microsoft.com/office/drawing/2008/diagram" relId="rId11" minVer="http://schemas.openxmlformats.org/drawingml/2006/diagram"/>
+      <dsp:dataModelExt xmlns:dsp="http://schemas.microsoft.com/office/drawing/2008/diagram" xmlns="" relId="rId11" minVer="http://schemas.openxmlformats.org/drawingml/2006/diagram"/>
     </a:ext>
   </dgm:extLst>
 </dgm:dataModel>
@@ -7526,6 +7806,13 @@
         </dgm:presLayoutVars>
       </dgm:prSet>
       <dgm:spPr/>
+      <dgm:t>
+        <a:bodyPr/>
+        <a:lstStyle/>
+        <a:p>
+          <a:endParaRPr lang="en-US"/>
+        </a:p>
+      </dgm:t>
     </dgm:pt>
     <dgm:pt modelId="{08CDE152-2CC4-42F0-A17E-E2E6C6400E89}" type="pres">
       <dgm:prSet presAssocID="{C5FBF53A-2738-4E6A-880E-DD4667400CFD}" presName="hierRoot1" presStyleCnt="0"/>
@@ -7546,6 +7833,13 @@
         </dgm:presLayoutVars>
       </dgm:prSet>
       <dgm:spPr/>
+      <dgm:t>
+        <a:bodyPr/>
+        <a:lstStyle/>
+        <a:p>
+          <a:endParaRPr lang="en-US"/>
+        </a:p>
+      </dgm:t>
     </dgm:pt>
     <dgm:pt modelId="{35153DC2-C2BB-46F5-AD8D-E53850730B20}" type="pres">
       <dgm:prSet presAssocID="{C5FBF53A-2738-4E6A-880E-DD4667400CFD}" presName="hierChild2" presStyleCnt="0"/>
@@ -7554,6 +7848,13 @@
     <dgm:pt modelId="{F7C63F97-2742-4012-AC63-16F67CA20C9A}" type="pres">
       <dgm:prSet presAssocID="{F9F79219-C750-417D-B9A3-CFCEAB0FC6B0}" presName="Name10" presStyleLbl="parChTrans1D2" presStyleIdx="0" presStyleCnt="3"/>
       <dgm:spPr/>
+      <dgm:t>
+        <a:bodyPr/>
+        <a:lstStyle/>
+        <a:p>
+          <a:endParaRPr lang="en-US"/>
+        </a:p>
+      </dgm:t>
     </dgm:pt>
     <dgm:pt modelId="{E78F34F8-3DFC-4B8F-ACBF-1E64D1DC400C}" type="pres">
       <dgm:prSet presAssocID="{522B7AED-4D36-41F0-A9FA-C6EA06AF4D5B}" presName="hierRoot2" presStyleCnt="0"/>
@@ -7574,6 +7875,13 @@
         </dgm:presLayoutVars>
       </dgm:prSet>
       <dgm:spPr/>
+      <dgm:t>
+        <a:bodyPr/>
+        <a:lstStyle/>
+        <a:p>
+          <a:endParaRPr lang="en-US"/>
+        </a:p>
+      </dgm:t>
     </dgm:pt>
     <dgm:pt modelId="{359422FB-30F4-4EDB-85BD-E04C8A5274B2}" type="pres">
       <dgm:prSet presAssocID="{522B7AED-4D36-41F0-A9FA-C6EA06AF4D5B}" presName="hierChild3" presStyleCnt="0"/>
@@ -7582,6 +7890,13 @@
     <dgm:pt modelId="{16192ED0-4957-461B-8E13-1EECA1414E5F}" type="pres">
       <dgm:prSet presAssocID="{DA9E9E35-D766-405C-B824-39B19821DC24}" presName="Name17" presStyleLbl="parChTrans1D3" presStyleIdx="0" presStyleCnt="8"/>
       <dgm:spPr/>
+      <dgm:t>
+        <a:bodyPr/>
+        <a:lstStyle/>
+        <a:p>
+          <a:endParaRPr lang="en-US"/>
+        </a:p>
+      </dgm:t>
     </dgm:pt>
     <dgm:pt modelId="{5CC08A61-BEC6-49AE-8EAE-8E5D314C8CF3}" type="pres">
       <dgm:prSet presAssocID="{45524C6F-D596-4956-89D0-B05FCC9DCDA5}" presName="hierRoot3" presStyleCnt="0"/>
@@ -7602,6 +7917,13 @@
         </dgm:presLayoutVars>
       </dgm:prSet>
       <dgm:spPr/>
+      <dgm:t>
+        <a:bodyPr/>
+        <a:lstStyle/>
+        <a:p>
+          <a:endParaRPr lang="en-US"/>
+        </a:p>
+      </dgm:t>
     </dgm:pt>
     <dgm:pt modelId="{6E894A79-B933-469A-AC15-FD5A33750C49}" type="pres">
       <dgm:prSet presAssocID="{45524C6F-D596-4956-89D0-B05FCC9DCDA5}" presName="hierChild4" presStyleCnt="0"/>
@@ -7610,6 +7932,13 @@
     <dgm:pt modelId="{3BB07AAD-5160-4D07-A3C6-611C626D03B3}" type="pres">
       <dgm:prSet presAssocID="{23816CDC-999E-4C30-9274-A88C1066BC28}" presName="Name17" presStyleLbl="parChTrans1D3" presStyleIdx="1" presStyleCnt="8"/>
       <dgm:spPr/>
+      <dgm:t>
+        <a:bodyPr/>
+        <a:lstStyle/>
+        <a:p>
+          <a:endParaRPr lang="en-US"/>
+        </a:p>
+      </dgm:t>
     </dgm:pt>
     <dgm:pt modelId="{B2B23163-4DFB-4BCD-B589-7415D49DCD89}" type="pres">
       <dgm:prSet presAssocID="{2F2D7EC5-0F40-477D-AD8C-D25331120442}" presName="hierRoot3" presStyleCnt="0"/>
@@ -7630,6 +7959,13 @@
         </dgm:presLayoutVars>
       </dgm:prSet>
       <dgm:spPr/>
+      <dgm:t>
+        <a:bodyPr/>
+        <a:lstStyle/>
+        <a:p>
+          <a:endParaRPr lang="en-US"/>
+        </a:p>
+      </dgm:t>
     </dgm:pt>
     <dgm:pt modelId="{8FF37E1C-EA9F-4A81-90B4-2D6071E18C26}" type="pres">
       <dgm:prSet presAssocID="{2F2D7EC5-0F40-477D-AD8C-D25331120442}" presName="hierChild4" presStyleCnt="0"/>
@@ -7638,6 +7974,13 @@
     <dgm:pt modelId="{9A058F60-D17C-4B38-8DEE-066EAB28B8C4}" type="pres">
       <dgm:prSet presAssocID="{541166AD-18CD-42E4-BEA7-B71DB68CC9AB}" presName="Name17" presStyleLbl="parChTrans1D3" presStyleIdx="2" presStyleCnt="8"/>
       <dgm:spPr/>
+      <dgm:t>
+        <a:bodyPr/>
+        <a:lstStyle/>
+        <a:p>
+          <a:endParaRPr lang="en-US"/>
+        </a:p>
+      </dgm:t>
     </dgm:pt>
     <dgm:pt modelId="{362E0B89-E934-4A39-B69B-B4EB1E6007D0}" type="pres">
       <dgm:prSet presAssocID="{F2251208-5BC8-4378-A82C-29CD30EE7D24}" presName="hierRoot3" presStyleCnt="0"/>
@@ -7658,6 +8001,13 @@
         </dgm:presLayoutVars>
       </dgm:prSet>
       <dgm:spPr/>
+      <dgm:t>
+        <a:bodyPr/>
+        <a:lstStyle/>
+        <a:p>
+          <a:endParaRPr lang="en-US"/>
+        </a:p>
+      </dgm:t>
     </dgm:pt>
     <dgm:pt modelId="{D75A3645-63D6-4456-8217-5EA4CD639928}" type="pres">
       <dgm:prSet presAssocID="{F2251208-5BC8-4378-A82C-29CD30EE7D24}" presName="hierChild4" presStyleCnt="0"/>
@@ -7666,6 +8016,13 @@
     <dgm:pt modelId="{41E323C8-0E1E-4C4B-90FA-EFCA2568FB2A}" type="pres">
       <dgm:prSet presAssocID="{C6F4F426-B3F6-406D-8E33-10EEE79D2254}" presName="Name17" presStyleLbl="parChTrans1D3" presStyleIdx="3" presStyleCnt="8"/>
       <dgm:spPr/>
+      <dgm:t>
+        <a:bodyPr/>
+        <a:lstStyle/>
+        <a:p>
+          <a:endParaRPr lang="en-US"/>
+        </a:p>
+      </dgm:t>
     </dgm:pt>
     <dgm:pt modelId="{87464C73-B85A-4C3A-8A56-BEFA6141E72B}" type="pres">
       <dgm:prSet presAssocID="{06F81134-D5EF-42FA-B1BD-4B336A90E85A}" presName="hierRoot3" presStyleCnt="0"/>
@@ -7686,6 +8043,13 @@
         </dgm:presLayoutVars>
       </dgm:prSet>
       <dgm:spPr/>
+      <dgm:t>
+        <a:bodyPr/>
+        <a:lstStyle/>
+        <a:p>
+          <a:endParaRPr lang="en-US"/>
+        </a:p>
+      </dgm:t>
     </dgm:pt>
     <dgm:pt modelId="{1D1244FC-4263-4935-85E3-A5524AC37980}" type="pres">
       <dgm:prSet presAssocID="{06F81134-D5EF-42FA-B1BD-4B336A90E85A}" presName="hierChild4" presStyleCnt="0"/>
@@ -7694,6 +8058,13 @@
     <dgm:pt modelId="{B53D5427-72B0-46BC-8D8D-526D74732929}" type="pres">
       <dgm:prSet presAssocID="{81C1EAB1-E73B-4F7D-AE43-2032EBA9D6C4}" presName="Name10" presStyleLbl="parChTrans1D2" presStyleIdx="1" presStyleCnt="3"/>
       <dgm:spPr/>
+      <dgm:t>
+        <a:bodyPr/>
+        <a:lstStyle/>
+        <a:p>
+          <a:endParaRPr lang="en-US"/>
+        </a:p>
+      </dgm:t>
     </dgm:pt>
     <dgm:pt modelId="{025C6195-9802-4AA1-B1CB-3C538B19B803}" type="pres">
       <dgm:prSet presAssocID="{E03C5CEE-DEB9-491D-AE23-C3900788AA7F}" presName="hierRoot2" presStyleCnt="0"/>
@@ -7714,6 +8085,13 @@
         </dgm:presLayoutVars>
       </dgm:prSet>
       <dgm:spPr/>
+      <dgm:t>
+        <a:bodyPr/>
+        <a:lstStyle/>
+        <a:p>
+          <a:endParaRPr lang="en-US"/>
+        </a:p>
+      </dgm:t>
     </dgm:pt>
     <dgm:pt modelId="{7A2FAE3B-0CAB-4E17-9CFE-9EA4BC058A8B}" type="pres">
       <dgm:prSet presAssocID="{E03C5CEE-DEB9-491D-AE23-C3900788AA7F}" presName="hierChild3" presStyleCnt="0"/>
@@ -7722,6 +8100,13 @@
     <dgm:pt modelId="{1584E60A-5EE0-4E2A-9B1A-62126F4F33FE}" type="pres">
       <dgm:prSet presAssocID="{D213E8B9-D1CC-4174-AEF1-FD611AAB73E7}" presName="Name10" presStyleLbl="parChTrans1D2" presStyleIdx="2" presStyleCnt="3"/>
       <dgm:spPr/>
+      <dgm:t>
+        <a:bodyPr/>
+        <a:lstStyle/>
+        <a:p>
+          <a:endParaRPr lang="en-US"/>
+        </a:p>
+      </dgm:t>
     </dgm:pt>
     <dgm:pt modelId="{B9B6BC19-C468-457C-AA2C-D0EC8D7C572C}" type="pres">
       <dgm:prSet presAssocID="{AF49772F-5809-462A-A135-AA669B164664}" presName="hierRoot2" presStyleCnt="0"/>
@@ -7742,6 +8127,13 @@
         </dgm:presLayoutVars>
       </dgm:prSet>
       <dgm:spPr/>
+      <dgm:t>
+        <a:bodyPr/>
+        <a:lstStyle/>
+        <a:p>
+          <a:endParaRPr lang="en-US"/>
+        </a:p>
+      </dgm:t>
     </dgm:pt>
     <dgm:pt modelId="{2719069E-D49E-4BAB-BFF7-1BA50F7CD18C}" type="pres">
       <dgm:prSet presAssocID="{AF49772F-5809-462A-A135-AA669B164664}" presName="hierChild3" presStyleCnt="0"/>
@@ -7750,6 +8142,13 @@
     <dgm:pt modelId="{13DC00D5-84C7-4AD4-9E88-C93827A3C2BF}" type="pres">
       <dgm:prSet presAssocID="{3AFA4448-D3EE-4321-B1DA-A76675D42D73}" presName="Name17" presStyleLbl="parChTrans1D3" presStyleIdx="4" presStyleCnt="8"/>
       <dgm:spPr/>
+      <dgm:t>
+        <a:bodyPr/>
+        <a:lstStyle/>
+        <a:p>
+          <a:endParaRPr lang="en-US"/>
+        </a:p>
+      </dgm:t>
     </dgm:pt>
     <dgm:pt modelId="{9D794FF9-AD87-4025-BE31-EB267BD27703}" type="pres">
       <dgm:prSet presAssocID="{A6DDCD18-CA29-48B3-A737-5FEF30375A71}" presName="hierRoot3" presStyleCnt="0"/>
@@ -7770,6 +8169,13 @@
         </dgm:presLayoutVars>
       </dgm:prSet>
       <dgm:spPr/>
+      <dgm:t>
+        <a:bodyPr/>
+        <a:lstStyle/>
+        <a:p>
+          <a:endParaRPr lang="en-US"/>
+        </a:p>
+      </dgm:t>
     </dgm:pt>
     <dgm:pt modelId="{694A7399-CD13-4314-8D0D-4CC861EFD55D}" type="pres">
       <dgm:prSet presAssocID="{A6DDCD18-CA29-48B3-A737-5FEF30375A71}" presName="hierChild4" presStyleCnt="0"/>
@@ -7778,6 +8184,13 @@
     <dgm:pt modelId="{AAC87520-7FE1-4A16-92E3-60A9EE02AA97}" type="pres">
       <dgm:prSet presAssocID="{354AB076-1498-4B56-B06F-AA4C86996D5E}" presName="Name17" presStyleLbl="parChTrans1D3" presStyleIdx="5" presStyleCnt="8"/>
       <dgm:spPr/>
+      <dgm:t>
+        <a:bodyPr/>
+        <a:lstStyle/>
+        <a:p>
+          <a:endParaRPr lang="en-US"/>
+        </a:p>
+      </dgm:t>
     </dgm:pt>
     <dgm:pt modelId="{40458256-A576-4637-B6FE-CBB1A1FA6BD9}" type="pres">
       <dgm:prSet presAssocID="{0F4FA202-01CE-42B9-8CDB-C889954F042C}" presName="hierRoot3" presStyleCnt="0"/>
@@ -7798,6 +8211,13 @@
         </dgm:presLayoutVars>
       </dgm:prSet>
       <dgm:spPr/>
+      <dgm:t>
+        <a:bodyPr/>
+        <a:lstStyle/>
+        <a:p>
+          <a:endParaRPr lang="en-US"/>
+        </a:p>
+      </dgm:t>
     </dgm:pt>
     <dgm:pt modelId="{055DEB75-1EE6-4E93-829D-92DD3F114CEA}" type="pres">
       <dgm:prSet presAssocID="{0F4FA202-01CE-42B9-8CDB-C889954F042C}" presName="hierChild4" presStyleCnt="0"/>
@@ -7806,6 +8226,13 @@
     <dgm:pt modelId="{CA8E193A-198C-41C4-9208-0F83DF82266E}" type="pres">
       <dgm:prSet presAssocID="{C1EF78DF-A731-45D7-B8B3-392F1746A42A}" presName="Name17" presStyleLbl="parChTrans1D3" presStyleIdx="6" presStyleCnt="8"/>
       <dgm:spPr/>
+      <dgm:t>
+        <a:bodyPr/>
+        <a:lstStyle/>
+        <a:p>
+          <a:endParaRPr lang="en-US"/>
+        </a:p>
+      </dgm:t>
     </dgm:pt>
     <dgm:pt modelId="{3210CDE2-1395-435C-9DFE-09687390649C}" type="pres">
       <dgm:prSet presAssocID="{207D1ACC-96D4-497B-96FC-ACCCB8CB2DE7}" presName="hierRoot3" presStyleCnt="0"/>
@@ -7826,6 +8253,13 @@
         </dgm:presLayoutVars>
       </dgm:prSet>
       <dgm:spPr/>
+      <dgm:t>
+        <a:bodyPr/>
+        <a:lstStyle/>
+        <a:p>
+          <a:endParaRPr lang="en-US"/>
+        </a:p>
+      </dgm:t>
     </dgm:pt>
     <dgm:pt modelId="{8DAC480A-524A-414E-8EDB-C125B56B0AD9}" type="pres">
       <dgm:prSet presAssocID="{207D1ACC-96D4-497B-96FC-ACCCB8CB2DE7}" presName="hierChild4" presStyleCnt="0"/>
@@ -7834,6 +8268,13 @@
     <dgm:pt modelId="{599C0E01-B487-43EC-A00A-FD0BFE90DC92}" type="pres">
       <dgm:prSet presAssocID="{AA06FCBD-8671-4575-BF0A-428ADB13C113}" presName="Name17" presStyleLbl="parChTrans1D3" presStyleIdx="7" presStyleCnt="8"/>
       <dgm:spPr/>
+      <dgm:t>
+        <a:bodyPr/>
+        <a:lstStyle/>
+        <a:p>
+          <a:endParaRPr lang="en-US"/>
+        </a:p>
+      </dgm:t>
     </dgm:pt>
     <dgm:pt modelId="{45037688-E70D-4E53-88F3-E5E5B0967524}" type="pres">
       <dgm:prSet presAssocID="{BB2F52C1-AAF3-4C7D-B6CD-2AF662C64E7A}" presName="hierRoot3" presStyleCnt="0"/>
@@ -7854,6 +8295,13 @@
         </dgm:presLayoutVars>
       </dgm:prSet>
       <dgm:spPr/>
+      <dgm:t>
+        <a:bodyPr/>
+        <a:lstStyle/>
+        <a:p>
+          <a:endParaRPr lang="en-US"/>
+        </a:p>
+      </dgm:t>
     </dgm:pt>
     <dgm:pt modelId="{611256BB-222A-4020-A034-43E07F527B27}" type="pres">
       <dgm:prSet presAssocID="{BB2F52C1-AAF3-4C7D-B6CD-2AF662C64E7A}" presName="hierChild4" presStyleCnt="0"/>
@@ -7861,42 +8309,42 @@
     </dgm:pt>
   </dgm:ptLst>
   <dgm:cxnLst>
-    <dgm:cxn modelId="{AC7F7E03-EE04-46E4-A378-327F0D429681}" type="presOf" srcId="{06F81134-D5EF-42FA-B1BD-4B336A90E85A}" destId="{F45E310B-BE72-40FB-BF3E-D3BE911AED1F}" srcOrd="0" destOrd="0" presId="urn:microsoft.com/office/officeart/2005/8/layout/hierarchy1"/>
-    <dgm:cxn modelId="{EB648512-A90C-4AD3-981F-97E674C4F22D}" srcId="{AF49772F-5809-462A-A135-AA669B164664}" destId="{0F4FA202-01CE-42B9-8CDB-C889954F042C}" srcOrd="1" destOrd="0" parTransId="{354AB076-1498-4B56-B06F-AA4C86996D5E}" sibTransId="{8BF34080-B105-4BB5-B45B-19E6BAF69232}"/>
-    <dgm:cxn modelId="{71609418-CB46-4376-8FDD-DD27B6513396}" srcId="{522B7AED-4D36-41F0-A9FA-C6EA06AF4D5B}" destId="{2F2D7EC5-0F40-477D-AD8C-D25331120442}" srcOrd="1" destOrd="0" parTransId="{23816CDC-999E-4C30-9274-A88C1066BC28}" sibTransId="{C1BE0D20-479F-4EF2-8D7F-71E84909C03C}"/>
-    <dgm:cxn modelId="{C75A4D22-6EFE-43C9-A81C-44C50882958D}" srcId="{522B7AED-4D36-41F0-A9FA-C6EA06AF4D5B}" destId="{06F81134-D5EF-42FA-B1BD-4B336A90E85A}" srcOrd="3" destOrd="0" parTransId="{C6F4F426-B3F6-406D-8E33-10EEE79D2254}" sibTransId="{0433898F-E33F-4392-B8CF-64DD3EE43BF3}"/>
-    <dgm:cxn modelId="{ABB5BE22-52B2-4FBD-AD4B-80FAC9B98AE4}" type="presOf" srcId="{F9F79219-C750-417D-B9A3-CFCEAB0FC6B0}" destId="{F7C63F97-2742-4012-AC63-16F67CA20C9A}" srcOrd="0" destOrd="0" presId="urn:microsoft.com/office/officeart/2005/8/layout/hierarchy1"/>
-    <dgm:cxn modelId="{7B295F27-5C43-4E59-AC83-EB48FC4805FF}" type="presOf" srcId="{81C1EAB1-E73B-4F7D-AE43-2032EBA9D6C4}" destId="{B53D5427-72B0-46BC-8D8D-526D74732929}" srcOrd="0" destOrd="0" presId="urn:microsoft.com/office/officeart/2005/8/layout/hierarchy1"/>
-    <dgm:cxn modelId="{3406382A-9F7A-4392-8AD1-E85DBA6A1757}" srcId="{A934DA7C-2305-4E64-A164-84A8823B522E}" destId="{C5FBF53A-2738-4E6A-880E-DD4667400CFD}" srcOrd="0" destOrd="0" parTransId="{96145E88-A679-4387-9093-741A7AE84B09}" sibTransId="{2DBCDEE9-0E70-4FD5-9220-8C9ABC43F14D}"/>
-    <dgm:cxn modelId="{F273AE61-D022-48B2-B5A2-C201B9C30889}" srcId="{522B7AED-4D36-41F0-A9FA-C6EA06AF4D5B}" destId="{45524C6F-D596-4956-89D0-B05FCC9DCDA5}" srcOrd="0" destOrd="0" parTransId="{DA9E9E35-D766-405C-B824-39B19821DC24}" sibTransId="{E47F2433-F140-40C4-AB71-FB92F8A9770F}"/>
-    <dgm:cxn modelId="{6B71D943-3F05-4B99-AF0D-8B5FDB596A4F}" srcId="{C5FBF53A-2738-4E6A-880E-DD4667400CFD}" destId="{522B7AED-4D36-41F0-A9FA-C6EA06AF4D5B}" srcOrd="0" destOrd="0" parTransId="{F9F79219-C750-417D-B9A3-CFCEAB0FC6B0}" sibTransId="{A8BD9AE6-D7D1-4C30-BA18-F3247FD091F5}"/>
+    <dgm:cxn modelId="{6B332F7A-866D-4593-B865-D16C6B1FBAFD}" type="presOf" srcId="{A6DDCD18-CA29-48B3-A737-5FEF30375A71}" destId="{7AE196CA-8D5E-4433-8624-9F6BB154F184}" srcOrd="0" destOrd="0" presId="urn:microsoft.com/office/officeart/2005/8/layout/hierarchy1"/>
+    <dgm:cxn modelId="{93DDA79B-942C-42DB-B8EB-C722FEB2775C}" type="presOf" srcId="{522B7AED-4D36-41F0-A9FA-C6EA06AF4D5B}" destId="{A4432750-A599-465B-8A73-35B4CCBB1BC3}" srcOrd="0" destOrd="0" presId="urn:microsoft.com/office/officeart/2005/8/layout/hierarchy1"/>
+    <dgm:cxn modelId="{25961D50-82F7-4B8C-BA30-C3F79E65BB1F}" type="presOf" srcId="{E03C5CEE-DEB9-491D-AE23-C3900788AA7F}" destId="{BA735A59-AAD6-4158-A60C-87BF29BDB6F6}" srcOrd="0" destOrd="0" presId="urn:microsoft.com/office/officeart/2005/8/layout/hierarchy1"/>
     <dgm:cxn modelId="{90B4A665-9401-4F51-BAA1-3DC428896A01}" type="presOf" srcId="{23816CDC-999E-4C30-9274-A88C1066BC28}" destId="{3BB07AAD-5160-4D07-A3C6-611C626D03B3}" srcOrd="0" destOrd="0" presId="urn:microsoft.com/office/officeart/2005/8/layout/hierarchy1"/>
-    <dgm:cxn modelId="{7100B56F-A8C9-4397-AFE0-B408DE384BA7}" type="presOf" srcId="{BB2F52C1-AAF3-4C7D-B6CD-2AF662C64E7A}" destId="{76D11713-D671-4622-B98A-F8A51163305E}" srcOrd="0" destOrd="0" presId="urn:microsoft.com/office/officeart/2005/8/layout/hierarchy1"/>
-    <dgm:cxn modelId="{25961D50-82F7-4B8C-BA30-C3F79E65BB1F}" type="presOf" srcId="{E03C5CEE-DEB9-491D-AE23-C3900788AA7F}" destId="{BA735A59-AAD6-4158-A60C-87BF29BDB6F6}" srcOrd="0" destOrd="0" presId="urn:microsoft.com/office/officeart/2005/8/layout/hierarchy1"/>
-    <dgm:cxn modelId="{A6FA9451-17D5-4EAF-953F-67E9684DD357}" srcId="{AF49772F-5809-462A-A135-AA669B164664}" destId="{BB2F52C1-AAF3-4C7D-B6CD-2AF662C64E7A}" srcOrd="3" destOrd="0" parTransId="{AA06FCBD-8671-4575-BF0A-428ADB13C113}" sibTransId="{E5773E90-9316-4813-9E26-C78D262391D7}"/>
+    <dgm:cxn modelId="{6D287696-981F-4A97-8786-627575DE1E32}" type="presOf" srcId="{C5FBF53A-2738-4E6A-880E-DD4667400CFD}" destId="{5A37DFC9-67D7-414E-86A4-C0C8212C6D13}" srcOrd="0" destOrd="0" presId="urn:microsoft.com/office/officeart/2005/8/layout/hierarchy1"/>
     <dgm:cxn modelId="{312FBC51-2204-447E-9164-D0C95057188B}" type="presOf" srcId="{3AFA4448-D3EE-4321-B1DA-A76675D42D73}" destId="{13DC00D5-84C7-4AD4-9E88-C93827A3C2BF}" srcOrd="0" destOrd="0" presId="urn:microsoft.com/office/officeart/2005/8/layout/hierarchy1"/>
     <dgm:cxn modelId="{78F25553-ABEC-4D1D-AE25-36400FD0169F}" srcId="{AF49772F-5809-462A-A135-AA669B164664}" destId="{A6DDCD18-CA29-48B3-A737-5FEF30375A71}" srcOrd="0" destOrd="0" parTransId="{3AFA4448-D3EE-4321-B1DA-A76675D42D73}" sibTransId="{4C3EB4A6-F6AE-4031-B4FE-2C0165F373BA}"/>
-    <dgm:cxn modelId="{6B332F7A-866D-4593-B865-D16C6B1FBAFD}" type="presOf" srcId="{A6DDCD18-CA29-48B3-A737-5FEF30375A71}" destId="{7AE196CA-8D5E-4433-8624-9F6BB154F184}" srcOrd="0" destOrd="0" presId="urn:microsoft.com/office/officeart/2005/8/layout/hierarchy1"/>
+    <dgm:cxn modelId="{9EF4949A-FA29-4446-A401-2B01077DF916}" type="presOf" srcId="{DA9E9E35-D766-405C-B824-39B19821DC24}" destId="{16192ED0-4957-461B-8E13-1EECA1414E5F}" srcOrd="0" destOrd="0" presId="urn:microsoft.com/office/officeart/2005/8/layout/hierarchy1"/>
+    <dgm:cxn modelId="{EB648512-A90C-4AD3-981F-97E674C4F22D}" srcId="{AF49772F-5809-462A-A135-AA669B164664}" destId="{0F4FA202-01CE-42B9-8CDB-C889954F042C}" srcOrd="1" destOrd="0" parTransId="{354AB076-1498-4B56-B06F-AA4C86996D5E}" sibTransId="{8BF34080-B105-4BB5-B45B-19E6BAF69232}"/>
+    <dgm:cxn modelId="{B29DA6B8-DEBF-4F0A-B38C-8D18D496812E}" type="presOf" srcId="{AF49772F-5809-462A-A135-AA669B164664}" destId="{48FCC128-1DBC-4E53-A6BA-C3AE1513325D}" srcOrd="0" destOrd="0" presId="urn:microsoft.com/office/officeart/2005/8/layout/hierarchy1"/>
+    <dgm:cxn modelId="{7075B0DB-1318-435C-9A82-6442F08595B5}" type="presOf" srcId="{45524C6F-D596-4956-89D0-B05FCC9DCDA5}" destId="{16C2BCD6-ED5F-4993-AA58-975059D2D3D3}" srcOrd="0" destOrd="0" presId="urn:microsoft.com/office/officeart/2005/8/layout/hierarchy1"/>
+    <dgm:cxn modelId="{6B71D943-3F05-4B99-AF0D-8B5FDB596A4F}" srcId="{C5FBF53A-2738-4E6A-880E-DD4667400CFD}" destId="{522B7AED-4D36-41F0-A9FA-C6EA06AF4D5B}" srcOrd="0" destOrd="0" parTransId="{F9F79219-C750-417D-B9A3-CFCEAB0FC6B0}" sibTransId="{A8BD9AE6-D7D1-4C30-BA18-F3247FD091F5}"/>
+    <dgm:cxn modelId="{A6FA9451-17D5-4EAF-953F-67E9684DD357}" srcId="{AF49772F-5809-462A-A135-AA669B164664}" destId="{BB2F52C1-AAF3-4C7D-B6CD-2AF662C64E7A}" srcOrd="3" destOrd="0" parTransId="{AA06FCBD-8671-4575-BF0A-428ADB13C113}" sibTransId="{E5773E90-9316-4813-9E26-C78D262391D7}"/>
+    <dgm:cxn modelId="{E0AF4EBA-6A10-4857-8BC4-86D8D9646D1F}" type="presOf" srcId="{207D1ACC-96D4-497B-96FC-ACCCB8CB2DE7}" destId="{764D0B59-F55C-4228-B2AB-82E11E7B9AED}" srcOrd="0" destOrd="0" presId="urn:microsoft.com/office/officeart/2005/8/layout/hierarchy1"/>
+    <dgm:cxn modelId="{F273AE61-D022-48B2-B5A2-C201B9C30889}" srcId="{522B7AED-4D36-41F0-A9FA-C6EA06AF4D5B}" destId="{45524C6F-D596-4956-89D0-B05FCC9DCDA5}" srcOrd="0" destOrd="0" parTransId="{DA9E9E35-D766-405C-B824-39B19821DC24}" sibTransId="{E47F2433-F140-40C4-AB71-FB92F8A9770F}"/>
+    <dgm:cxn modelId="{BE7432FC-E94D-407E-B237-532969ACC193}" type="presOf" srcId="{AA06FCBD-8671-4575-BF0A-428ADB13C113}" destId="{599C0E01-B487-43EC-A00A-FD0BFE90DC92}" srcOrd="0" destOrd="0" presId="urn:microsoft.com/office/officeart/2005/8/layout/hierarchy1"/>
+    <dgm:cxn modelId="{3D20E182-CDF1-4A92-9706-514D542A7D27}" srcId="{522B7AED-4D36-41F0-A9FA-C6EA06AF4D5B}" destId="{F2251208-5BC8-4378-A82C-29CD30EE7D24}" srcOrd="2" destOrd="0" parTransId="{541166AD-18CD-42E4-BEA7-B71DB68CC9AB}" sibTransId="{AD3C5B61-87B4-43E6-B65F-C5D5F0B2C2FD}"/>
+    <dgm:cxn modelId="{5814F6BC-6183-43D8-AA92-501B8CC84091}" srcId="{AF49772F-5809-462A-A135-AA669B164664}" destId="{207D1ACC-96D4-497B-96FC-ACCCB8CB2DE7}" srcOrd="2" destOrd="0" parTransId="{C1EF78DF-A731-45D7-B8B3-392F1746A42A}" sibTransId="{ECBAD38F-FD3E-4323-9507-8A9AEFF90125}"/>
+    <dgm:cxn modelId="{DC2EA3D6-DC73-46F8-8C91-FF6122FEF648}" type="presOf" srcId="{354AB076-1498-4B56-B06F-AA4C86996D5E}" destId="{AAC87520-7FE1-4A16-92E3-60A9EE02AA97}" srcOrd="0" destOrd="0" presId="urn:microsoft.com/office/officeart/2005/8/layout/hierarchy1"/>
+    <dgm:cxn modelId="{4E8577D4-BBE2-45DA-96F1-5F1FB6722E68}" type="presOf" srcId="{F2251208-5BC8-4378-A82C-29CD30EE7D24}" destId="{CD5F33DC-03E9-4AAE-8C70-7CE91C26C4F8}" srcOrd="0" destOrd="0" presId="urn:microsoft.com/office/officeart/2005/8/layout/hierarchy1"/>
+    <dgm:cxn modelId="{2F2F10F9-C57D-46E1-A928-0BBD8C2E1B93}" type="presOf" srcId="{A934DA7C-2305-4E64-A164-84A8823B522E}" destId="{5A525854-A7A7-46D0-8D16-1E1EB701BB0C}" srcOrd="0" destOrd="0" presId="urn:microsoft.com/office/officeart/2005/8/layout/hierarchy1"/>
+    <dgm:cxn modelId="{71609418-CB46-4376-8FDD-DD27B6513396}" srcId="{522B7AED-4D36-41F0-A9FA-C6EA06AF4D5B}" destId="{2F2D7EC5-0F40-477D-AD8C-D25331120442}" srcOrd="1" destOrd="0" parTransId="{23816CDC-999E-4C30-9274-A88C1066BC28}" sibTransId="{C1BE0D20-479F-4EF2-8D7F-71E84909C03C}"/>
+    <dgm:cxn modelId="{3406382A-9F7A-4392-8AD1-E85DBA6A1757}" srcId="{A934DA7C-2305-4E64-A164-84A8823B522E}" destId="{C5FBF53A-2738-4E6A-880E-DD4667400CFD}" srcOrd="0" destOrd="0" parTransId="{96145E88-A679-4387-9093-741A7AE84B09}" sibTransId="{2DBCDEE9-0E70-4FD5-9220-8C9ABC43F14D}"/>
+    <dgm:cxn modelId="{6ADBDED2-B708-4199-96A3-551C959083F6}" srcId="{C5FBF53A-2738-4E6A-880E-DD4667400CFD}" destId="{AF49772F-5809-462A-A135-AA669B164664}" srcOrd="2" destOrd="0" parTransId="{D213E8B9-D1CC-4174-AEF1-FD611AAB73E7}" sibTransId="{34B9D930-C577-48BF-8B2A-B93F07EE8063}"/>
+    <dgm:cxn modelId="{ABB5BE22-52B2-4FBD-AD4B-80FAC9B98AE4}" type="presOf" srcId="{F9F79219-C750-417D-B9A3-CFCEAB0FC6B0}" destId="{F7C63F97-2742-4012-AC63-16F67CA20C9A}" srcOrd="0" destOrd="0" presId="urn:microsoft.com/office/officeart/2005/8/layout/hierarchy1"/>
+    <dgm:cxn modelId="{702638CF-1874-40A0-AEBD-85CAC7BC1F32}" type="presOf" srcId="{2F2D7EC5-0F40-477D-AD8C-D25331120442}" destId="{A2B2059B-65F2-409E-B961-D1866B843DDE}" srcOrd="0" destOrd="0" presId="urn:microsoft.com/office/officeart/2005/8/layout/hierarchy1"/>
+    <dgm:cxn modelId="{38F9128E-0169-4347-BC0A-4956ABE048CF}" srcId="{C5FBF53A-2738-4E6A-880E-DD4667400CFD}" destId="{E03C5CEE-DEB9-491D-AE23-C3900788AA7F}" srcOrd="1" destOrd="0" parTransId="{81C1EAB1-E73B-4F7D-AE43-2032EBA9D6C4}" sibTransId="{46495A9C-72F7-4586-A171-8D7D9EFDBD9C}"/>
+    <dgm:cxn modelId="{107491EB-0D9E-48C4-B3D3-16FCCE308212}" type="presOf" srcId="{C1EF78DF-A731-45D7-B8B3-392F1746A42A}" destId="{CA8E193A-198C-41C4-9208-0F83DF82266E}" srcOrd="0" destOrd="0" presId="urn:microsoft.com/office/officeart/2005/8/layout/hierarchy1"/>
+    <dgm:cxn modelId="{A3C1FAC4-AB53-40DB-A4E8-BE6A60D0DCB6}" type="presOf" srcId="{541166AD-18CD-42E4-BEA7-B71DB68CC9AB}" destId="{9A058F60-D17C-4B38-8DEE-066EAB28B8C4}" srcOrd="0" destOrd="0" presId="urn:microsoft.com/office/officeart/2005/8/layout/hierarchy1"/>
+    <dgm:cxn modelId="{7B295F27-5C43-4E59-AC83-EB48FC4805FF}" type="presOf" srcId="{81C1EAB1-E73B-4F7D-AE43-2032EBA9D6C4}" destId="{B53D5427-72B0-46BC-8D8D-526D74732929}" srcOrd="0" destOrd="0" presId="urn:microsoft.com/office/officeart/2005/8/layout/hierarchy1"/>
+    <dgm:cxn modelId="{7100B56F-A8C9-4397-AFE0-B408DE384BA7}" type="presOf" srcId="{BB2F52C1-AAF3-4C7D-B6CD-2AF662C64E7A}" destId="{76D11713-D671-4622-B98A-F8A51163305E}" srcOrd="0" destOrd="0" presId="urn:microsoft.com/office/officeart/2005/8/layout/hierarchy1"/>
+    <dgm:cxn modelId="{AC7F7E03-EE04-46E4-A378-327F0D429681}" type="presOf" srcId="{06F81134-D5EF-42FA-B1BD-4B336A90E85A}" destId="{F45E310B-BE72-40FB-BF3E-D3BE911AED1F}" srcOrd="0" destOrd="0" presId="urn:microsoft.com/office/officeart/2005/8/layout/hierarchy1"/>
+    <dgm:cxn modelId="{C75A4D22-6EFE-43C9-A81C-44C50882958D}" srcId="{522B7AED-4D36-41F0-A9FA-C6EA06AF4D5B}" destId="{06F81134-D5EF-42FA-B1BD-4B336A90E85A}" srcOrd="3" destOrd="0" parTransId="{C6F4F426-B3F6-406D-8E33-10EEE79D2254}" sibTransId="{0433898F-E33F-4392-B8CF-64DD3EE43BF3}"/>
     <dgm:cxn modelId="{B6C48F7D-193A-4755-8CD3-5B0A0A67800D}" type="presOf" srcId="{C6F4F426-B3F6-406D-8E33-10EEE79D2254}" destId="{41E323C8-0E1E-4C4B-90FA-EFCA2568FB2A}" srcOrd="0" destOrd="0" presId="urn:microsoft.com/office/officeart/2005/8/layout/hierarchy1"/>
-    <dgm:cxn modelId="{3D20E182-CDF1-4A92-9706-514D542A7D27}" srcId="{522B7AED-4D36-41F0-A9FA-C6EA06AF4D5B}" destId="{F2251208-5BC8-4378-A82C-29CD30EE7D24}" srcOrd="2" destOrd="0" parTransId="{541166AD-18CD-42E4-BEA7-B71DB68CC9AB}" sibTransId="{AD3C5B61-87B4-43E6-B65F-C5D5F0B2C2FD}"/>
+    <dgm:cxn modelId="{B0339FDF-417E-49DF-ACB8-B58925499A7D}" type="presOf" srcId="{0F4FA202-01CE-42B9-8CDB-C889954F042C}" destId="{03BBC315-AE2D-4C23-A045-EB882187A3A1}" srcOrd="0" destOrd="0" presId="urn:microsoft.com/office/officeart/2005/8/layout/hierarchy1"/>
     <dgm:cxn modelId="{C2859D8C-BBA2-48D8-AF4A-F6590CDAE132}" type="presOf" srcId="{D213E8B9-D1CC-4174-AEF1-FD611AAB73E7}" destId="{1584E60A-5EE0-4E2A-9B1A-62126F4F33FE}" srcOrd="0" destOrd="0" presId="urn:microsoft.com/office/officeart/2005/8/layout/hierarchy1"/>
-    <dgm:cxn modelId="{38F9128E-0169-4347-BC0A-4956ABE048CF}" srcId="{C5FBF53A-2738-4E6A-880E-DD4667400CFD}" destId="{E03C5CEE-DEB9-491D-AE23-C3900788AA7F}" srcOrd="1" destOrd="0" parTransId="{81C1EAB1-E73B-4F7D-AE43-2032EBA9D6C4}" sibTransId="{46495A9C-72F7-4586-A171-8D7D9EFDBD9C}"/>
-    <dgm:cxn modelId="{6D287696-981F-4A97-8786-627575DE1E32}" type="presOf" srcId="{C5FBF53A-2738-4E6A-880E-DD4667400CFD}" destId="{5A37DFC9-67D7-414E-86A4-C0C8212C6D13}" srcOrd="0" destOrd="0" presId="urn:microsoft.com/office/officeart/2005/8/layout/hierarchy1"/>
-    <dgm:cxn modelId="{9EF4949A-FA29-4446-A401-2B01077DF916}" type="presOf" srcId="{DA9E9E35-D766-405C-B824-39B19821DC24}" destId="{16192ED0-4957-461B-8E13-1EECA1414E5F}" srcOrd="0" destOrd="0" presId="urn:microsoft.com/office/officeart/2005/8/layout/hierarchy1"/>
-    <dgm:cxn modelId="{93DDA79B-942C-42DB-B8EB-C722FEB2775C}" type="presOf" srcId="{522B7AED-4D36-41F0-A9FA-C6EA06AF4D5B}" destId="{A4432750-A599-465B-8A73-35B4CCBB1BC3}" srcOrd="0" destOrd="0" presId="urn:microsoft.com/office/officeart/2005/8/layout/hierarchy1"/>
-    <dgm:cxn modelId="{B29DA6B8-DEBF-4F0A-B38C-8D18D496812E}" type="presOf" srcId="{AF49772F-5809-462A-A135-AA669B164664}" destId="{48FCC128-1DBC-4E53-A6BA-C3AE1513325D}" srcOrd="0" destOrd="0" presId="urn:microsoft.com/office/officeart/2005/8/layout/hierarchy1"/>
-    <dgm:cxn modelId="{E0AF4EBA-6A10-4857-8BC4-86D8D9646D1F}" type="presOf" srcId="{207D1ACC-96D4-497B-96FC-ACCCB8CB2DE7}" destId="{764D0B59-F55C-4228-B2AB-82E11E7B9AED}" srcOrd="0" destOrd="0" presId="urn:microsoft.com/office/officeart/2005/8/layout/hierarchy1"/>
-    <dgm:cxn modelId="{5814F6BC-6183-43D8-AA92-501B8CC84091}" srcId="{AF49772F-5809-462A-A135-AA669B164664}" destId="{207D1ACC-96D4-497B-96FC-ACCCB8CB2DE7}" srcOrd="2" destOrd="0" parTransId="{C1EF78DF-A731-45D7-B8B3-392F1746A42A}" sibTransId="{ECBAD38F-FD3E-4323-9507-8A9AEFF90125}"/>
-    <dgm:cxn modelId="{A3C1FAC4-AB53-40DB-A4E8-BE6A60D0DCB6}" type="presOf" srcId="{541166AD-18CD-42E4-BEA7-B71DB68CC9AB}" destId="{9A058F60-D17C-4B38-8DEE-066EAB28B8C4}" srcOrd="0" destOrd="0" presId="urn:microsoft.com/office/officeart/2005/8/layout/hierarchy1"/>
-    <dgm:cxn modelId="{702638CF-1874-40A0-AEBD-85CAC7BC1F32}" type="presOf" srcId="{2F2D7EC5-0F40-477D-AD8C-D25331120442}" destId="{A2B2059B-65F2-409E-B961-D1866B843DDE}" srcOrd="0" destOrd="0" presId="urn:microsoft.com/office/officeart/2005/8/layout/hierarchy1"/>
-    <dgm:cxn modelId="{6ADBDED2-B708-4199-96A3-551C959083F6}" srcId="{C5FBF53A-2738-4E6A-880E-DD4667400CFD}" destId="{AF49772F-5809-462A-A135-AA669B164664}" srcOrd="2" destOrd="0" parTransId="{D213E8B9-D1CC-4174-AEF1-FD611AAB73E7}" sibTransId="{34B9D930-C577-48BF-8B2A-B93F07EE8063}"/>
-    <dgm:cxn modelId="{4E8577D4-BBE2-45DA-96F1-5F1FB6722E68}" type="presOf" srcId="{F2251208-5BC8-4378-A82C-29CD30EE7D24}" destId="{CD5F33DC-03E9-4AAE-8C70-7CE91C26C4F8}" srcOrd="0" destOrd="0" presId="urn:microsoft.com/office/officeart/2005/8/layout/hierarchy1"/>
-    <dgm:cxn modelId="{DC2EA3D6-DC73-46F8-8C91-FF6122FEF648}" type="presOf" srcId="{354AB076-1498-4B56-B06F-AA4C86996D5E}" destId="{AAC87520-7FE1-4A16-92E3-60A9EE02AA97}" srcOrd="0" destOrd="0" presId="urn:microsoft.com/office/officeart/2005/8/layout/hierarchy1"/>
-    <dgm:cxn modelId="{7075B0DB-1318-435C-9A82-6442F08595B5}" type="presOf" srcId="{45524C6F-D596-4956-89D0-B05FCC9DCDA5}" destId="{16C2BCD6-ED5F-4993-AA58-975059D2D3D3}" srcOrd="0" destOrd="0" presId="urn:microsoft.com/office/officeart/2005/8/layout/hierarchy1"/>
-    <dgm:cxn modelId="{B0339FDF-417E-49DF-ACB8-B58925499A7D}" type="presOf" srcId="{0F4FA202-01CE-42B9-8CDB-C889954F042C}" destId="{03BBC315-AE2D-4C23-A045-EB882187A3A1}" srcOrd="0" destOrd="0" presId="urn:microsoft.com/office/officeart/2005/8/layout/hierarchy1"/>
-    <dgm:cxn modelId="{107491EB-0D9E-48C4-B3D3-16FCCE308212}" type="presOf" srcId="{C1EF78DF-A731-45D7-B8B3-392F1746A42A}" destId="{CA8E193A-198C-41C4-9208-0F83DF82266E}" srcOrd="0" destOrd="0" presId="urn:microsoft.com/office/officeart/2005/8/layout/hierarchy1"/>
-    <dgm:cxn modelId="{2F2F10F9-C57D-46E1-A928-0BBD8C2E1B93}" type="presOf" srcId="{A934DA7C-2305-4E64-A164-84A8823B522E}" destId="{5A525854-A7A7-46D0-8D16-1E1EB701BB0C}" srcOrd="0" destOrd="0" presId="urn:microsoft.com/office/officeart/2005/8/layout/hierarchy1"/>
-    <dgm:cxn modelId="{BE7432FC-E94D-407E-B237-532969ACC193}" type="presOf" srcId="{AA06FCBD-8671-4575-BF0A-428ADB13C113}" destId="{599C0E01-B487-43EC-A00A-FD0BFE90DC92}" srcOrd="0" destOrd="0" presId="urn:microsoft.com/office/officeart/2005/8/layout/hierarchy1"/>
     <dgm:cxn modelId="{DBE65337-3AFE-4396-AD77-981A32265452}" type="presParOf" srcId="{5A525854-A7A7-46D0-8D16-1E1EB701BB0C}" destId="{08CDE152-2CC4-42F0-A17E-E2E6C6400E89}" srcOrd="0" destOrd="0" presId="urn:microsoft.com/office/officeart/2005/8/layout/hierarchy1"/>
     <dgm:cxn modelId="{0E9ADBA8-530C-47CF-BFCC-17DA212EE38B}" type="presParOf" srcId="{08CDE152-2CC4-42F0-A17E-E2E6C6400E89}" destId="{23A64E6D-CC55-4CA1-B228-CB3D2584A025}" srcOrd="0" destOrd="0" presId="urn:microsoft.com/office/officeart/2005/8/layout/hierarchy1"/>
     <dgm:cxn modelId="{EE263100-3432-4203-9C55-6D173F629376}" type="presParOf" srcId="{23A64E6D-CC55-4CA1-B228-CB3D2584A025}" destId="{1D9672E2-3AFF-4782-86AF-0BB276C51BEE}" srcOrd="0" destOrd="0" presId="urn:microsoft.com/office/officeart/2005/8/layout/hierarchy1"/>
@@ -7973,14 +8421,14 @@
   <dgm:whole/>
   <dgm:extLst>
     <a:ext uri="http://schemas.microsoft.com/office/drawing/2008/diagram">
-      <dsp:dataModelExt xmlns:dsp="http://schemas.microsoft.com/office/drawing/2008/diagram" relId="rId6" minVer="http://schemas.openxmlformats.org/drawingml/2006/diagram"/>
+      <dsp:dataModelExt xmlns:dsp="http://schemas.microsoft.com/office/drawing/2008/diagram" xmlns="" relId="rId6" minVer="http://schemas.openxmlformats.org/drawingml/2006/diagram"/>
     </a:ext>
   </dgm:extLst>
 </dgm:dataModel>
 </file>
 
 <file path=ppt/diagrams/drawing1.xml><?xml version="1.0" encoding="utf-8"?>
-<dsp:drawing xmlns:dgm="http://schemas.openxmlformats.org/drawingml/2006/diagram" xmlns:dsp="http://schemas.microsoft.com/office/drawing/2008/diagram" xmlns:a="http://schemas.openxmlformats.org/drawingml/2006/main">
+<dsp:drawing xmlns:dgm="http://schemas.openxmlformats.org/drawingml/2006/diagram" xmlns:a="http://schemas.openxmlformats.org/drawingml/2006/main" xmlns:dsp="http://schemas.microsoft.com/office/drawing/2008/diagram">
   <dsp:spTree>
     <dsp:nvGrpSpPr>
       <dsp:cNvPr id="0" name=""/>
@@ -8215,7 +8663,7 @@
         </a:bodyPr>
         <a:lstStyle/>
         <a:p>
-          <a:pPr marL="0" lvl="0" indent="0" algn="ctr" defTabSz="889000">
+          <a:pPr lvl="0" algn="ctr" defTabSz="889000">
             <a:lnSpc>
               <a:spcPct val="90000"/>
             </a:lnSpc>
@@ -8225,7 +8673,6 @@
             <a:spcAft>
               <a:spcPct val="35000"/>
             </a:spcAft>
-            <a:buNone/>
           </a:pPr>
           <a:r>
             <a:rPr lang="en-US" sz="2000" kern="1200" dirty="0"/>
@@ -8234,8 +8681,8 @@
         </a:p>
       </dsp:txBody>
       <dsp:txXfrm>
-        <a:off x="1385121" y="235012"/>
-        <a:ext cx="1231595" cy="764695"/>
+        <a:off x="1361330" y="211221"/>
+        <a:ext cx="1279177" cy="812277"/>
       </dsp:txXfrm>
     </dsp:sp>
     <dsp:sp modelId="{2970A870-EB86-4B8C-923E-E71F54492FEA}">
@@ -8344,7 +8791,7 @@
         </a:bodyPr>
         <a:lstStyle/>
         <a:p>
-          <a:pPr marL="0" lvl="0" indent="0" algn="ctr" defTabSz="889000">
+          <a:pPr lvl="0" algn="ctr" defTabSz="889000">
             <a:lnSpc>
               <a:spcPct val="90000"/>
             </a:lnSpc>
@@ -8354,7 +8801,6 @@
             <a:spcAft>
               <a:spcPct val="35000"/>
             </a:spcAft>
-            <a:buNone/>
           </a:pPr>
           <a:r>
             <a:rPr lang="en-US" sz="2000" kern="1200" dirty="0"/>
@@ -8363,8 +8809,8 @@
         </a:p>
       </dsp:txBody>
       <dsp:txXfrm>
-        <a:off x="578547" y="1344116"/>
-        <a:ext cx="1231595" cy="764695"/>
+        <a:off x="554756" y="1320325"/>
+        <a:ext cx="1279177" cy="812277"/>
       </dsp:txXfrm>
     </dsp:sp>
     <dsp:sp modelId="{86EF2CC1-0486-4AA4-97F5-965D259D51F0}">
@@ -8473,7 +8919,7 @@
         </a:bodyPr>
         <a:lstStyle/>
         <a:p>
-          <a:pPr marL="0" lvl="0" indent="0" algn="ctr" defTabSz="889000">
+          <a:pPr lvl="0" algn="ctr" defTabSz="889000">
             <a:lnSpc>
               <a:spcPct val="90000"/>
             </a:lnSpc>
@@ -8483,7 +8929,6 @@
             <a:spcAft>
               <a:spcPct val="35000"/>
             </a:spcAft>
-            <a:buNone/>
           </a:pPr>
           <a:r>
             <a:rPr lang="en-US" sz="2000" kern="1200" dirty="0"/>
@@ -8492,8 +8937,8 @@
         </a:p>
       </dsp:txBody>
       <dsp:txXfrm>
-        <a:off x="2141987" y="1344116"/>
-        <a:ext cx="1231595" cy="764695"/>
+        <a:off x="2118196" y="1320325"/>
+        <a:ext cx="1279177" cy="812277"/>
       </dsp:txXfrm>
     </dsp:sp>
   </dsp:spTree>
@@ -8501,7 +8946,7 @@
 </file>
 
 <file path=ppt/diagrams/drawing2.xml><?xml version="1.0" encoding="utf-8"?>
-<dsp:drawing xmlns:dgm="http://schemas.openxmlformats.org/drawingml/2006/diagram" xmlns:dsp="http://schemas.microsoft.com/office/drawing/2008/diagram" xmlns:a="http://schemas.openxmlformats.org/drawingml/2006/main">
+<dsp:drawing xmlns:dgm="http://schemas.openxmlformats.org/drawingml/2006/diagram" xmlns:a="http://schemas.openxmlformats.org/drawingml/2006/main" xmlns:dsp="http://schemas.microsoft.com/office/drawing/2008/diagram">
   <dsp:spTree>
     <dsp:nvGrpSpPr>
       <dsp:cNvPr id="0" name=""/>
@@ -8736,7 +9181,7 @@
         </a:bodyPr>
         <a:lstStyle/>
         <a:p>
-          <a:pPr marL="0" lvl="0" indent="0" algn="ctr" defTabSz="889000">
+          <a:pPr lvl="0" algn="ctr" defTabSz="889000">
             <a:lnSpc>
               <a:spcPct val="90000"/>
             </a:lnSpc>
@@ -8746,7 +9191,6 @@
             <a:spcAft>
               <a:spcPct val="35000"/>
             </a:spcAft>
-            <a:buNone/>
           </a:pPr>
           <a:r>
             <a:rPr lang="en-US" sz="2000" kern="1200" dirty="0"/>
@@ -8755,8 +9199,8 @@
         </a:p>
       </dsp:txBody>
       <dsp:txXfrm>
-        <a:off x="1205128" y="176487"/>
-        <a:ext cx="1231595" cy="764695"/>
+        <a:off x="1181337" y="152696"/>
+        <a:ext cx="1279177" cy="812277"/>
       </dsp:txXfrm>
     </dsp:sp>
     <dsp:sp modelId="{2970A870-EB86-4B8C-923E-E71F54492FEA}">
@@ -8865,7 +9309,7 @@
         </a:bodyPr>
         <a:lstStyle/>
         <a:p>
-          <a:pPr marL="0" lvl="0" indent="0" algn="ctr" defTabSz="889000">
+          <a:pPr lvl="0" algn="ctr" defTabSz="889000">
             <a:lnSpc>
               <a:spcPct val="90000"/>
             </a:lnSpc>
@@ -8875,7 +9319,6 @@
             <a:spcAft>
               <a:spcPct val="35000"/>
             </a:spcAft>
-            <a:buNone/>
           </a:pPr>
           <a:r>
             <a:rPr lang="en-US" sz="2000" kern="1200" dirty="0"/>
@@ -8884,8 +9327,8 @@
         </a:p>
       </dsp:txBody>
       <dsp:txXfrm>
-        <a:off x="578547" y="1344116"/>
-        <a:ext cx="1231595" cy="764695"/>
+        <a:off x="554756" y="1320325"/>
+        <a:ext cx="1279177" cy="812277"/>
       </dsp:txXfrm>
     </dsp:sp>
     <dsp:sp modelId="{86EF2CC1-0486-4AA4-97F5-965D259D51F0}">
@@ -8994,7 +9437,7 @@
         </a:bodyPr>
         <a:lstStyle/>
         <a:p>
-          <a:pPr marL="0" lvl="0" indent="0" algn="ctr" defTabSz="889000">
+          <a:pPr lvl="0" algn="ctr" defTabSz="889000">
             <a:lnSpc>
               <a:spcPct val="90000"/>
             </a:lnSpc>
@@ -9004,7 +9447,6 @@
             <a:spcAft>
               <a:spcPct val="35000"/>
             </a:spcAft>
-            <a:buNone/>
           </a:pPr>
           <a:r>
             <a:rPr lang="en-US" sz="2000" kern="1200" dirty="0"/>
@@ -9013,8 +9455,8 @@
         </a:p>
       </dsp:txBody>
       <dsp:txXfrm>
-        <a:off x="2141987" y="1344116"/>
-        <a:ext cx="1231595" cy="764695"/>
+        <a:off x="2118196" y="1320325"/>
+        <a:ext cx="1279177" cy="812277"/>
       </dsp:txXfrm>
     </dsp:sp>
   </dsp:spTree>
@@ -9022,7 +9464,7 @@
 </file>
 
 <file path=ppt/diagrams/drawing3.xml><?xml version="1.0" encoding="utf-8"?>
-<dsp:drawing xmlns:dgm="http://schemas.openxmlformats.org/drawingml/2006/diagram" xmlns:dsp="http://schemas.microsoft.com/office/drawing/2008/diagram" xmlns:a="http://schemas.openxmlformats.org/drawingml/2006/main">
+<dsp:drawing xmlns:dgm="http://schemas.openxmlformats.org/drawingml/2006/diagram" xmlns:a="http://schemas.openxmlformats.org/drawingml/2006/main" xmlns:dsp="http://schemas.microsoft.com/office/drawing/2008/diagram">
   <dsp:spTree>
     <dsp:nvGrpSpPr>
       <dsp:cNvPr id="0" name=""/>
@@ -9312,7 +9754,7 @@
         </a:bodyPr>
         <a:lstStyle/>
         <a:p>
-          <a:pPr marL="0" lvl="0" indent="0" algn="ctr" defTabSz="889000">
+          <a:pPr lvl="0" algn="ctr" defTabSz="889000">
             <a:lnSpc>
               <a:spcPct val="90000"/>
             </a:lnSpc>
@@ -9322,7 +9764,6 @@
             <a:spcAft>
               <a:spcPct val="35000"/>
             </a:spcAft>
-            <a:buNone/>
           </a:pPr>
           <a:r>
             <a:rPr lang="en-US" sz="2000" kern="1200" dirty="0"/>
@@ -9331,8 +9772,8 @@
         </a:p>
       </dsp:txBody>
       <dsp:txXfrm>
-        <a:off x="1390732" y="337409"/>
-        <a:ext cx="990435" cy="614960"/>
+        <a:off x="1371600" y="318277"/>
+        <a:ext cx="1028699" cy="653224"/>
       </dsp:txXfrm>
     </dsp:sp>
     <dsp:sp modelId="{258D04BE-8BF9-4893-ADE1-F2D07FAF4687}">
@@ -9441,7 +9882,7 @@
         </a:bodyPr>
         <a:lstStyle/>
         <a:p>
-          <a:pPr marL="0" lvl="0" indent="0" algn="ctr" defTabSz="889000">
+          <a:pPr lvl="0" algn="ctr" defTabSz="889000">
             <a:lnSpc>
               <a:spcPct val="90000"/>
             </a:lnSpc>
@@ -9451,7 +9892,6 @@
             <a:spcAft>
               <a:spcPct val="35000"/>
             </a:spcAft>
-            <a:buNone/>
           </a:pPr>
           <a:r>
             <a:rPr lang="en-US" sz="2000" kern="1200" dirty="0"/>
@@ -9460,8 +9900,8 @@
         </a:p>
       </dsp:txBody>
       <dsp:txXfrm>
-        <a:off x="133432" y="1289814"/>
-        <a:ext cx="990435" cy="614960"/>
+        <a:off x="114300" y="1270682"/>
+        <a:ext cx="1028699" cy="653224"/>
       </dsp:txXfrm>
     </dsp:sp>
     <dsp:sp modelId="{6E19E304-F606-4AF9-8D4C-1BA98D72F6A6}">
@@ -9570,7 +10010,7 @@
         </a:bodyPr>
         <a:lstStyle/>
         <a:p>
-          <a:pPr marL="0" lvl="0" indent="0" algn="ctr" defTabSz="889000">
+          <a:pPr lvl="0" algn="ctr" defTabSz="889000">
             <a:lnSpc>
               <a:spcPct val="90000"/>
             </a:lnSpc>
@@ -9580,7 +10020,6 @@
             <a:spcAft>
               <a:spcPct val="35000"/>
             </a:spcAft>
-            <a:buNone/>
           </a:pPr>
           <a:r>
             <a:rPr lang="en-US" sz="2000" kern="1200" dirty="0"/>
@@ -9589,8 +10028,8 @@
         </a:p>
       </dsp:txBody>
       <dsp:txXfrm>
-        <a:off x="1390731" y="1289814"/>
-        <a:ext cx="990435" cy="614960"/>
+        <a:off x="1371599" y="1270682"/>
+        <a:ext cx="1028699" cy="653224"/>
       </dsp:txXfrm>
     </dsp:sp>
     <dsp:sp modelId="{CBC61541-2A02-4E0F-8FAD-5BFB61B35B14}">
@@ -9699,7 +10138,7 @@
         </a:bodyPr>
         <a:lstStyle/>
         <a:p>
-          <a:pPr marL="0" lvl="0" indent="0" algn="ctr" defTabSz="889000">
+          <a:pPr lvl="0" algn="ctr" defTabSz="889000">
             <a:lnSpc>
               <a:spcPct val="90000"/>
             </a:lnSpc>
@@ -9709,7 +10148,6 @@
             <a:spcAft>
               <a:spcPct val="35000"/>
             </a:spcAft>
-            <a:buNone/>
           </a:pPr>
           <a:r>
             <a:rPr lang="en-US" sz="2000" kern="1200" dirty="0"/>
@@ -9718,8 +10156,8 @@
         </a:p>
       </dsp:txBody>
       <dsp:txXfrm>
-        <a:off x="2648031" y="1289814"/>
-        <a:ext cx="990435" cy="614960"/>
+        <a:off x="2628899" y="1270682"/>
+        <a:ext cx="1028699" cy="653224"/>
       </dsp:txXfrm>
     </dsp:sp>
   </dsp:spTree>
@@ -9727,7 +10165,7 @@
 </file>
 
 <file path=ppt/diagrams/drawing4.xml><?xml version="1.0" encoding="utf-8"?>
-<dsp:drawing xmlns:dgm="http://schemas.openxmlformats.org/drawingml/2006/diagram" xmlns:dsp="http://schemas.microsoft.com/office/drawing/2008/diagram" xmlns:a="http://schemas.openxmlformats.org/drawingml/2006/main">
+<dsp:drawing xmlns:dgm="http://schemas.openxmlformats.org/drawingml/2006/diagram" xmlns:a="http://schemas.openxmlformats.org/drawingml/2006/main" xmlns:dsp="http://schemas.microsoft.com/office/drawing/2008/diagram">
   <dsp:spTree>
     <dsp:nvGrpSpPr>
       <dsp:cNvPr id="0" name=""/>
@@ -9895,7 +10333,7 @@
         </a:bodyPr>
         <a:lstStyle/>
         <a:p>
-          <a:pPr marL="0" lvl="0" indent="0" algn="ctr" defTabSz="1155700">
+          <a:pPr lvl="0" algn="ctr" defTabSz="1155700">
             <a:lnSpc>
               <a:spcPct val="90000"/>
             </a:lnSpc>
@@ -9905,7 +10343,6 @@
             <a:spcAft>
               <a:spcPct val="35000"/>
             </a:spcAft>
-            <a:buNone/>
           </a:pPr>
           <a:r>
             <a:rPr lang="en-US" sz="2600" kern="1200" dirty="0"/>
@@ -9914,8 +10351,8 @@
         </a:p>
       </dsp:txBody>
       <dsp:txXfrm>
-        <a:off x="1283953" y="159621"/>
-        <a:ext cx="1231853" cy="764855"/>
+        <a:off x="1260157" y="135825"/>
+        <a:ext cx="1279445" cy="812447"/>
       </dsp:txXfrm>
     </dsp:sp>
     <dsp:sp modelId="{258D04BE-8BF9-4893-ADE1-F2D07FAF4687}">
@@ -10024,7 +10461,7 @@
         </a:bodyPr>
         <a:lstStyle/>
         <a:p>
-          <a:pPr marL="0" lvl="0" indent="0" algn="ctr" defTabSz="1155700">
+          <a:pPr lvl="0" algn="ctr" defTabSz="1155700">
             <a:lnSpc>
               <a:spcPct val="90000"/>
             </a:lnSpc>
@@ -10034,7 +10471,6 @@
             <a:spcAft>
               <a:spcPct val="35000"/>
             </a:spcAft>
-            <a:buNone/>
           </a:pPr>
           <a:r>
             <a:rPr lang="en-US" sz="2600" kern="1200" dirty="0"/>
@@ -10043,8 +10479,8 @@
         </a:p>
       </dsp:txBody>
       <dsp:txXfrm>
-        <a:off x="1283953" y="1344175"/>
-        <a:ext cx="1231853" cy="764855"/>
+        <a:off x="1260157" y="1320379"/>
+        <a:ext cx="1279445" cy="812447"/>
       </dsp:txXfrm>
     </dsp:sp>
   </dsp:spTree>
@@ -10052,7 +10488,7 @@
 </file>
 
 <file path=ppt/diagrams/drawing5.xml><?xml version="1.0" encoding="utf-8"?>
-<dsp:drawing xmlns:dgm="http://schemas.openxmlformats.org/drawingml/2006/diagram" xmlns:dsp="http://schemas.microsoft.com/office/drawing/2008/diagram" xmlns:a="http://schemas.openxmlformats.org/drawingml/2006/main">
+<dsp:drawing xmlns:dgm="http://schemas.openxmlformats.org/drawingml/2006/diagram" xmlns:a="http://schemas.openxmlformats.org/drawingml/2006/main" xmlns:dsp="http://schemas.microsoft.com/office/drawing/2008/diagram">
   <dsp:spTree>
     <dsp:nvGrpSpPr>
       <dsp:cNvPr id="0" name=""/>
@@ -10409,7 +10845,7 @@
         </a:bodyPr>
         <a:lstStyle/>
         <a:p>
-          <a:pPr marL="0" lvl="0" indent="0" algn="ctr" defTabSz="711200">
+          <a:pPr lvl="0" algn="ctr" defTabSz="711200">
             <a:lnSpc>
               <a:spcPct val="90000"/>
             </a:lnSpc>
@@ -10419,7 +10855,6 @@
             <a:spcAft>
               <a:spcPct val="35000"/>
             </a:spcAft>
-            <a:buNone/>
           </a:pPr>
           <a:r>
             <a:rPr lang="en-US" sz="1600" kern="1200" dirty="0"/>
@@ -10428,8 +10863,8 @@
         </a:p>
       </dsp:txBody>
       <dsp:txXfrm>
-        <a:off x="1478346" y="102326"/>
-        <a:ext cx="792348" cy="491967"/>
+        <a:off x="1463040" y="87020"/>
+        <a:ext cx="822960" cy="522579"/>
       </dsp:txXfrm>
     </dsp:sp>
     <dsp:sp modelId="{258D04BE-8BF9-4893-ADE1-F2D07FAF4687}">
@@ -10538,7 +10973,7 @@
         </a:bodyPr>
         <a:lstStyle/>
         <a:p>
-          <a:pPr marL="0" lvl="0" indent="0" algn="ctr" defTabSz="711200">
+          <a:pPr lvl="0" algn="ctr" defTabSz="711200">
             <a:lnSpc>
               <a:spcPct val="90000"/>
             </a:lnSpc>
@@ -10548,7 +10983,6 @@
             <a:spcAft>
               <a:spcPct val="35000"/>
             </a:spcAft>
-            <a:buNone/>
           </a:pPr>
           <a:r>
             <a:rPr lang="en-US" sz="1600" kern="1200" dirty="0"/>
@@ -10557,8 +10991,8 @@
         </a:p>
       </dsp:txBody>
       <dsp:txXfrm>
-        <a:off x="975426" y="864250"/>
-        <a:ext cx="792348" cy="491967"/>
+        <a:off x="960120" y="848944"/>
+        <a:ext cx="822960" cy="522579"/>
       </dsp:txXfrm>
     </dsp:sp>
     <dsp:sp modelId="{7B34159A-18D2-418F-8039-96BB0171261C}">
@@ -10667,7 +11101,7 @@
         </a:bodyPr>
         <a:lstStyle/>
         <a:p>
-          <a:pPr marL="0" lvl="0" indent="0" algn="ctr" defTabSz="711200">
+          <a:pPr lvl="0" algn="ctr" defTabSz="711200">
             <a:lnSpc>
               <a:spcPct val="90000"/>
             </a:lnSpc>
@@ -10677,14 +11111,13 @@
             <a:spcAft>
               <a:spcPct val="35000"/>
             </a:spcAft>
-            <a:buNone/>
           </a:pPr>
           <a:endParaRPr lang="en-US" sz="1600" kern="1200"/>
         </a:p>
       </dsp:txBody>
       <dsp:txXfrm>
-        <a:off x="1615507" y="1615508"/>
-        <a:ext cx="792348" cy="491967"/>
+        <a:off x="1600201" y="1600202"/>
+        <a:ext cx="822960" cy="522579"/>
       </dsp:txXfrm>
     </dsp:sp>
     <dsp:sp modelId="{CBC61541-2A02-4E0F-8FAD-5BFB61B35B14}">
@@ -10793,7 +11226,7 @@
         </a:bodyPr>
         <a:lstStyle/>
         <a:p>
-          <a:pPr marL="0" lvl="0" indent="0" algn="ctr" defTabSz="711200">
+          <a:pPr lvl="0" algn="ctr" defTabSz="711200">
             <a:lnSpc>
               <a:spcPct val="90000"/>
             </a:lnSpc>
@@ -10803,7 +11236,6 @@
             <a:spcAft>
               <a:spcPct val="35000"/>
             </a:spcAft>
-            <a:buNone/>
           </a:pPr>
           <a:r>
             <a:rPr lang="en-US" sz="1600" kern="1200" dirty="0"/>
@@ -10812,8 +11244,8 @@
         </a:p>
       </dsp:txBody>
       <dsp:txXfrm>
-        <a:off x="1981265" y="864250"/>
-        <a:ext cx="792348" cy="491967"/>
+        <a:off x="1965959" y="848944"/>
+        <a:ext cx="822960" cy="522579"/>
       </dsp:txXfrm>
     </dsp:sp>
     <dsp:sp modelId="{B00E9812-F462-4AFC-8560-7E0D96962A56}">
@@ -10922,7 +11354,7 @@
         </a:bodyPr>
         <a:lstStyle/>
         <a:p>
-          <a:pPr marL="0" lvl="0" indent="0" algn="ctr" defTabSz="711200">
+          <a:pPr lvl="0" algn="ctr" defTabSz="711200">
             <a:lnSpc>
               <a:spcPct val="90000"/>
             </a:lnSpc>
@@ -10932,7 +11364,6 @@
             <a:spcAft>
               <a:spcPct val="35000"/>
             </a:spcAft>
-            <a:buNone/>
           </a:pPr>
           <a:r>
             <a:rPr lang="en-US" sz="1600" kern="1200" dirty="0"/>
@@ -10941,8 +11372,8 @@
         </a:p>
       </dsp:txBody>
       <dsp:txXfrm>
-        <a:off x="1539303" y="1626326"/>
-        <a:ext cx="792348" cy="491967"/>
+        <a:off x="1523997" y="1611020"/>
+        <a:ext cx="822960" cy="522579"/>
       </dsp:txXfrm>
     </dsp:sp>
   </dsp:spTree>
@@ -10950,7 +11381,7 @@
 </file>
 
 <file path=ppt/diagrams/drawing6.xml><?xml version="1.0" encoding="utf-8"?>
-<dsp:drawing xmlns:dgm="http://schemas.openxmlformats.org/drawingml/2006/diagram" xmlns:dsp="http://schemas.microsoft.com/office/drawing/2008/diagram" xmlns:a="http://schemas.openxmlformats.org/drawingml/2006/main">
+<dsp:drawing xmlns:dgm="http://schemas.openxmlformats.org/drawingml/2006/diagram" xmlns:a="http://schemas.openxmlformats.org/drawingml/2006/main" xmlns:dsp="http://schemas.microsoft.com/office/drawing/2008/diagram">
   <dsp:spTree>
     <dsp:nvGrpSpPr>
       <dsp:cNvPr id="0" name=""/>
@@ -11173,7 +11604,7 @@
         </a:bodyPr>
         <a:lstStyle/>
         <a:p>
-          <a:pPr marL="0" lvl="0" indent="0" algn="ctr" defTabSz="711200">
+          <a:pPr lvl="0" algn="ctr" defTabSz="711200">
             <a:lnSpc>
               <a:spcPct val="90000"/>
             </a:lnSpc>
@@ -11183,7 +11614,6 @@
             <a:spcAft>
               <a:spcPct val="35000"/>
             </a:spcAft>
-            <a:buNone/>
           </a:pPr>
           <a:r>
             <a:rPr lang="en-US" sz="1600" kern="1200" dirty="0"/>
@@ -11192,8 +11622,8 @@
         </a:p>
       </dsp:txBody>
       <dsp:txXfrm>
-        <a:off x="1478345" y="102326"/>
-        <a:ext cx="792348" cy="491967"/>
+        <a:off x="1463039" y="87020"/>
+        <a:ext cx="822960" cy="522579"/>
       </dsp:txXfrm>
     </dsp:sp>
     <dsp:sp modelId="{258D04BE-8BF9-4893-ADE1-F2D07FAF4687}">
@@ -11302,7 +11732,7 @@
         </a:bodyPr>
         <a:lstStyle/>
         <a:p>
-          <a:pPr marL="0" lvl="0" indent="0" algn="ctr" defTabSz="711200">
+          <a:pPr lvl="0" algn="ctr" defTabSz="711200">
             <a:lnSpc>
               <a:spcPct val="90000"/>
             </a:lnSpc>
@@ -11312,7 +11742,6 @@
             <a:spcAft>
               <a:spcPct val="35000"/>
             </a:spcAft>
-            <a:buNone/>
           </a:pPr>
           <a:r>
             <a:rPr lang="en-US" sz="1600" kern="1200" dirty="0"/>
@@ -11321,8 +11750,8 @@
         </a:p>
       </dsp:txBody>
       <dsp:txXfrm>
-        <a:off x="1478345" y="864250"/>
-        <a:ext cx="792348" cy="491967"/>
+        <a:off x="1463039" y="848944"/>
+        <a:ext cx="822960" cy="522579"/>
       </dsp:txXfrm>
     </dsp:sp>
     <dsp:sp modelId="{AE0AF4BE-B579-4599-9AF5-39B1CBBBA335}">
@@ -11431,7 +11860,7 @@
         </a:bodyPr>
         <a:lstStyle/>
         <a:p>
-          <a:pPr marL="0" lvl="0" indent="0" algn="ctr" defTabSz="711200">
+          <a:pPr lvl="0" algn="ctr" defTabSz="711200">
             <a:lnSpc>
               <a:spcPct val="90000"/>
             </a:lnSpc>
@@ -11441,7 +11870,6 @@
             <a:spcAft>
               <a:spcPct val="35000"/>
             </a:spcAft>
-            <a:buNone/>
           </a:pPr>
           <a:r>
             <a:rPr lang="en-US" sz="1600" kern="1200" dirty="0"/>
@@ -11450,8 +11878,8 @@
         </a:p>
       </dsp:txBody>
       <dsp:txXfrm>
-        <a:off x="1478345" y="1626174"/>
-        <a:ext cx="792348" cy="491967"/>
+        <a:off x="1463039" y="1610868"/>
+        <a:ext cx="822960" cy="522579"/>
       </dsp:txXfrm>
     </dsp:sp>
   </dsp:spTree>
@@ -11459,7 +11887,7 @@
 </file>
 
 <file path=ppt/diagrams/drawing7.xml><?xml version="1.0" encoding="utf-8"?>
-<dsp:drawing xmlns:dgm="http://schemas.openxmlformats.org/drawingml/2006/diagram" xmlns:dsp="http://schemas.microsoft.com/office/drawing/2008/diagram" xmlns:a="http://schemas.openxmlformats.org/drawingml/2006/main">
+<dsp:drawing xmlns:dgm="http://schemas.openxmlformats.org/drawingml/2006/diagram" xmlns:a="http://schemas.openxmlformats.org/drawingml/2006/main" xmlns:dsp="http://schemas.microsoft.com/office/drawing/2008/diagram">
   <dsp:spTree>
     <dsp:nvGrpSpPr>
       <dsp:cNvPr id="0" name=""/>
@@ -12234,7 +12662,7 @@
         </a:bodyPr>
         <a:lstStyle/>
         <a:p>
-          <a:pPr marL="0" lvl="0" indent="0" algn="ctr" defTabSz="400050">
+          <a:pPr lvl="0" algn="ctr" defTabSz="400050">
             <a:lnSpc>
               <a:spcPct val="90000"/>
             </a:lnSpc>
@@ -12244,7 +12672,6 @@
             <a:spcAft>
               <a:spcPct val="35000"/>
             </a:spcAft>
-            <a:buNone/>
           </a:pPr>
           <a:r>
             <a:rPr lang="en-US" sz="900" kern="1200" dirty="0"/>
@@ -12253,8 +12680,8 @@
         </a:p>
       </dsp:txBody>
       <dsp:txXfrm>
-        <a:off x="3719426" y="565397"/>
-        <a:ext cx="1357722" cy="843007"/>
+        <a:off x="3693199" y="539170"/>
+        <a:ext cx="1410176" cy="895461"/>
       </dsp:txXfrm>
     </dsp:sp>
     <dsp:sp modelId="{316C74C6-9925-41F9-9D22-0E0D7A14E69F}">
@@ -12363,7 +12790,7 @@
         </a:bodyPr>
         <a:lstStyle/>
         <a:p>
-          <a:pPr marL="0" lvl="0" indent="0" algn="ctr" defTabSz="400050">
+          <a:pPr lvl="0" algn="ctr" defTabSz="400050">
             <a:lnSpc>
               <a:spcPct val="90000"/>
             </a:lnSpc>
@@ -12373,7 +12800,6 @@
             <a:spcAft>
               <a:spcPct val="35000"/>
             </a:spcAft>
-            <a:buNone/>
           </a:pPr>
           <a:r>
             <a:rPr lang="en-US" sz="900" kern="1200" dirty="0" err="1"/>
@@ -12383,8 +12809,8 @@
         </a:p>
       </dsp:txBody>
       <dsp:txXfrm>
-        <a:off x="1549140" y="1870985"/>
-        <a:ext cx="1357722" cy="843007"/>
+        <a:off x="1522913" y="1844758"/>
+        <a:ext cx="1410176" cy="895461"/>
       </dsp:txXfrm>
     </dsp:sp>
     <dsp:sp modelId="{2919A0C9-9B66-497E-BE91-A541BDE8873E}">
@@ -12493,7 +12919,7 @@
         </a:bodyPr>
         <a:lstStyle/>
         <a:p>
-          <a:pPr marL="0" lvl="0" indent="0" algn="ctr" defTabSz="400050">
+          <a:pPr lvl="0" algn="ctr" defTabSz="400050">
             <a:lnSpc>
               <a:spcPct val="90000"/>
             </a:lnSpc>
@@ -12503,7 +12929,6 @@
             <a:spcAft>
               <a:spcPct val="35000"/>
             </a:spcAft>
-            <a:buNone/>
           </a:pPr>
           <a:r>
             <a:rPr lang="en-US" sz="900" kern="1200" dirty="0" err="1"/>
@@ -12513,8 +12938,8 @@
         </a:p>
       </dsp:txBody>
       <dsp:txXfrm>
-        <a:off x="14400" y="2986702"/>
-        <a:ext cx="904243" cy="462862"/>
+        <a:off x="0" y="2972302"/>
+        <a:ext cx="933043" cy="491662"/>
       </dsp:txXfrm>
     </dsp:sp>
     <dsp:sp modelId="{D1659F9B-F804-4214-A9B5-E6405B437B8D}">
@@ -12623,7 +13048,7 @@
         </a:bodyPr>
         <a:lstStyle/>
         <a:p>
-          <a:pPr marL="0" lvl="0" indent="0" algn="ctr" defTabSz="400050">
+          <a:pPr lvl="0" algn="ctr" defTabSz="400050">
             <a:lnSpc>
               <a:spcPct val="90000"/>
             </a:lnSpc>
@@ -12633,7 +13058,6 @@
             <a:spcAft>
               <a:spcPct val="35000"/>
             </a:spcAft>
-            <a:buNone/>
           </a:pPr>
           <a:r>
             <a:rPr lang="en-US" sz="900" kern="1200" dirty="0"/>
@@ -12642,8 +13066,8 @@
         </a:p>
       </dsp:txBody>
       <dsp:txXfrm>
-        <a:off x="1224853" y="2985138"/>
-        <a:ext cx="839626" cy="412593"/>
+        <a:off x="1212017" y="2972302"/>
+        <a:ext cx="865298" cy="438265"/>
       </dsp:txXfrm>
     </dsp:sp>
     <dsp:sp modelId="{248E5EA0-387C-4E21-AD9D-0A50B22830DD}">
@@ -12752,7 +13176,7 @@
         </a:bodyPr>
         <a:lstStyle/>
         <a:p>
-          <a:pPr marL="0" lvl="0" indent="0" algn="ctr" defTabSz="400050">
+          <a:pPr lvl="0" algn="ctr" defTabSz="400050">
             <a:lnSpc>
               <a:spcPct val="90000"/>
             </a:lnSpc>
@@ -12762,7 +13186,6 @@
             <a:spcAft>
               <a:spcPct val="35000"/>
             </a:spcAft>
-            <a:buNone/>
           </a:pPr>
           <a:r>
             <a:rPr lang="en-US" sz="900" kern="1200" dirty="0"/>
@@ -12771,8 +13194,8 @@
         </a:p>
       </dsp:txBody>
       <dsp:txXfrm>
-        <a:off x="2403524" y="2985138"/>
-        <a:ext cx="684196" cy="412593"/>
+        <a:off x="2390688" y="2972302"/>
+        <a:ext cx="709868" cy="438265"/>
       </dsp:txXfrm>
     </dsp:sp>
     <dsp:sp modelId="{21E261AC-95B7-4C5D-B9F7-AD4CA9E4EE26}">
@@ -12881,7 +13304,7 @@
         </a:bodyPr>
         <a:lstStyle/>
         <a:p>
-          <a:pPr marL="0" lvl="0" indent="0" algn="ctr" defTabSz="400050">
+          <a:pPr lvl="0" algn="ctr" defTabSz="400050">
             <a:lnSpc>
               <a:spcPct val="90000"/>
             </a:lnSpc>
@@ -12891,7 +13314,6 @@
             <a:spcAft>
               <a:spcPct val="35000"/>
             </a:spcAft>
-            <a:buNone/>
           </a:pPr>
           <a:r>
             <a:rPr lang="en-US" sz="900" kern="1200" dirty="0" err="1"/>
@@ -12901,8 +13323,8 @@
         </a:p>
       </dsp:txBody>
       <dsp:txXfrm>
-        <a:off x="3428329" y="2986702"/>
-        <a:ext cx="655558" cy="462862"/>
+        <a:off x="3413929" y="2972302"/>
+        <a:ext cx="684358" cy="491662"/>
       </dsp:txXfrm>
     </dsp:sp>
     <dsp:sp modelId="{1982F3B7-CD7C-42CC-98E3-3F1A34F5955D}">
@@ -13011,7 +13433,7 @@
         </a:bodyPr>
         <a:lstStyle/>
         <a:p>
-          <a:pPr marL="0" lvl="0" indent="0" algn="ctr" defTabSz="400050">
+          <a:pPr lvl="0" algn="ctr" defTabSz="400050">
             <a:lnSpc>
               <a:spcPct val="90000"/>
             </a:lnSpc>
@@ -13021,7 +13443,6 @@
             <a:spcAft>
               <a:spcPct val="35000"/>
             </a:spcAft>
-            <a:buNone/>
           </a:pPr>
           <a:r>
             <a:rPr lang="en-US" sz="900" kern="1200" dirty="0"/>
@@ -13030,8 +13451,8 @@
         </a:p>
       </dsp:txBody>
       <dsp:txXfrm>
-        <a:off x="3683826" y="1829624"/>
-        <a:ext cx="1357722" cy="843007"/>
+        <a:off x="3657599" y="1803397"/>
+        <a:ext cx="1410176" cy="895461"/>
       </dsp:txXfrm>
     </dsp:sp>
     <dsp:sp modelId="{31AEBFBC-C25A-459B-8A7E-7FF08596A5A5}">
@@ -13140,7 +13561,7 @@
         </a:bodyPr>
         <a:lstStyle/>
         <a:p>
-          <a:pPr marL="0" lvl="0" indent="0" algn="ctr" defTabSz="400050">
+          <a:pPr lvl="0" algn="ctr" defTabSz="400050">
             <a:lnSpc>
               <a:spcPct val="90000"/>
             </a:lnSpc>
@@ -13150,7 +13571,6 @@
             <a:spcAft>
               <a:spcPct val="35000"/>
             </a:spcAft>
-            <a:buNone/>
           </a:pPr>
           <a:r>
             <a:rPr lang="en-US" sz="900" kern="1200" dirty="0"/>
@@ -13159,8 +13579,8 @@
         </a:p>
       </dsp:txBody>
       <dsp:txXfrm>
-        <a:off x="5889711" y="1870985"/>
-        <a:ext cx="1357722" cy="843007"/>
+        <a:off x="5863484" y="1844758"/>
+        <a:ext cx="1410176" cy="895461"/>
       </dsp:txXfrm>
     </dsp:sp>
     <dsp:sp modelId="{B7659D2B-B062-4258-B0DB-76E2335AA041}">
@@ -13269,7 +13689,7 @@
         </a:bodyPr>
         <a:lstStyle/>
         <a:p>
-          <a:pPr marL="0" lvl="0" indent="0" algn="ctr" defTabSz="400050">
+          <a:pPr lvl="0" algn="ctr" defTabSz="400050">
             <a:lnSpc>
               <a:spcPct val="90000"/>
             </a:lnSpc>
@@ -13279,7 +13699,6 @@
             <a:spcAft>
               <a:spcPct val="35000"/>
             </a:spcAft>
-            <a:buNone/>
           </a:pPr>
           <a:r>
             <a:rPr lang="en-US" sz="900" kern="1200" dirty="0"/>
@@ -13288,8 +13707,8 @@
         </a:p>
       </dsp:txBody>
       <dsp:txXfrm>
-        <a:off x="4511134" y="3037928"/>
-        <a:ext cx="673064" cy="492678"/>
+        <a:off x="4495806" y="3022600"/>
+        <a:ext cx="703720" cy="523334"/>
       </dsp:txXfrm>
     </dsp:sp>
     <dsp:sp modelId="{C49E7AE7-BA39-4E5C-AA99-B4CC073A0CA6}">
@@ -13398,7 +13817,7 @@
         </a:bodyPr>
         <a:lstStyle/>
         <a:p>
-          <a:pPr marL="0" lvl="0" indent="0" algn="ctr" defTabSz="400050">
+          <a:pPr lvl="0" algn="ctr" defTabSz="400050">
             <a:lnSpc>
               <a:spcPct val="90000"/>
             </a:lnSpc>
@@ -13408,7 +13827,6 @@
             <a:spcAft>
               <a:spcPct val="35000"/>
             </a:spcAft>
-            <a:buNone/>
           </a:pPr>
           <a:r>
             <a:rPr lang="en-US" sz="900" kern="1200"/>
@@ -13417,8 +13835,8 @@
         </a:p>
       </dsp:txBody>
       <dsp:txXfrm>
-        <a:off x="5346022" y="2882220"/>
-        <a:ext cx="637461" cy="386334"/>
+        <a:off x="5334003" y="2870201"/>
+        <a:ext cx="661499" cy="410372"/>
       </dsp:txXfrm>
     </dsp:sp>
     <dsp:sp modelId="{D0324A51-F0A8-43D7-86B1-4384ACE9A5D9}">
@@ -13527,7 +13945,7 @@
         </a:bodyPr>
         <a:lstStyle/>
         <a:p>
-          <a:pPr marL="0" lvl="0" indent="0" algn="ctr" defTabSz="400050">
+          <a:pPr lvl="0" algn="ctr" defTabSz="400050">
             <a:lnSpc>
               <a:spcPct val="90000"/>
             </a:lnSpc>
@@ -13537,7 +13955,6 @@
             <a:spcAft>
               <a:spcPct val="35000"/>
             </a:spcAft>
-            <a:buNone/>
           </a:pPr>
           <a:r>
             <a:rPr lang="en-US" sz="900" kern="1200" dirty="0"/>
@@ -13546,8 +13963,8 @@
         </a:p>
       </dsp:txBody>
       <dsp:txXfrm>
-        <a:off x="6337538" y="2806936"/>
-        <a:ext cx="782308" cy="415880"/>
+        <a:off x="6324599" y="2793997"/>
+        <a:ext cx="808186" cy="441758"/>
       </dsp:txXfrm>
     </dsp:sp>
     <dsp:sp modelId="{B7795FA3-551B-4D92-B999-9B421C67FB9F}">
@@ -13656,7 +14073,7 @@
         </a:bodyPr>
         <a:lstStyle/>
         <a:p>
-          <a:pPr marL="0" lvl="0" indent="0" algn="ctr" defTabSz="400050">
+          <a:pPr lvl="0" algn="ctr" defTabSz="400050">
             <a:lnSpc>
               <a:spcPct val="90000"/>
             </a:lnSpc>
@@ -13666,7 +14083,6 @@
             <a:spcAft>
               <a:spcPct val="35000"/>
             </a:spcAft>
-            <a:buNone/>
           </a:pPr>
           <a:r>
             <a:rPr lang="en-US" sz="900" kern="1200" dirty="0"/>
@@ -13675,8 +14091,8 @@
         </a:p>
       </dsp:txBody>
       <dsp:txXfrm>
-        <a:off x="7480545" y="2806936"/>
-        <a:ext cx="782308" cy="415880"/>
+        <a:off x="7467606" y="2793997"/>
+        <a:ext cx="808186" cy="441758"/>
       </dsp:txXfrm>
     </dsp:sp>
   </dsp:spTree>
@@ -24945,7 +25361,7 @@
             <a:fld id="{B68AEFBB-2789-45A1-93BD-D316582D3372}" type="datetimeFigureOut">
               <a:rPr lang="en-US" smtClean="0"/>
               <a:pPr/>
-              <a:t>9/7/2022</a:t>
+              <a:t>6/27/2023</a:t>
             </a:fld>
             <a:endParaRPr lang="en-US"/>
           </a:p>
@@ -25115,7 +25531,7 @@
     </p:spTree>
     <p:extLst>
       <p:ext uri="{BB962C8B-B14F-4D97-AF65-F5344CB8AC3E}">
-        <p14:creationId xmlns:p14="http://schemas.microsoft.com/office/powerpoint/2010/main" val="2031636663"/>
+        <p14:creationId xmlns="" xmlns:p14="http://schemas.microsoft.com/office/powerpoint/2010/main" val="2031636663"/>
       </p:ext>
     </p:extLst>
   </p:cSld>
@@ -25300,7 +25716,7 @@
     </p:spTree>
     <p:extLst>
       <p:ext uri="{BB962C8B-B14F-4D97-AF65-F5344CB8AC3E}">
-        <p14:creationId xmlns:p14="http://schemas.microsoft.com/office/powerpoint/2010/main" val="86073910"/>
+        <p14:creationId xmlns="" xmlns:p14="http://schemas.microsoft.com/office/powerpoint/2010/main" val="86073910"/>
       </p:ext>
     </p:extLst>
   </p:cSld>
@@ -25387,7 +25803,7 @@
     </p:spTree>
     <p:extLst>
       <p:ext uri="{BB962C8B-B14F-4D97-AF65-F5344CB8AC3E}">
-        <p14:creationId xmlns:p14="http://schemas.microsoft.com/office/powerpoint/2010/main" val="1350504059"/>
+        <p14:creationId xmlns="" xmlns:p14="http://schemas.microsoft.com/office/powerpoint/2010/main" val="1350504059"/>
       </p:ext>
     </p:extLst>
   </p:cSld>
@@ -25569,7 +25985,7 @@
             <a:fld id="{9087A3BA-E549-428E-9EB7-B4C7DEF15A5C}" type="datetime1">
               <a:rPr lang="en-US" smtClean="0"/>
               <a:pPr/>
-              <a:t>9/7/2022</a:t>
+              <a:t>6/27/2023</a:t>
             </a:fld>
             <a:endParaRPr lang="en-US"/>
           </a:p>
@@ -25740,7 +26156,7 @@
             <a:fld id="{B2662AC9-AFB8-4B08-9EBA-8A9B1C26F9E3}" type="datetime1">
               <a:rPr lang="en-US" smtClean="0"/>
               <a:pPr/>
-              <a:t>9/7/2022</a:t>
+              <a:t>6/27/2023</a:t>
             </a:fld>
             <a:endParaRPr lang="en-US"/>
           </a:p>
@@ -25921,7 +26337,7 @@
             <a:fld id="{02E1E02A-DE41-4428-9B23-7F83AEC33EC8}" type="datetime1">
               <a:rPr lang="en-US" smtClean="0"/>
               <a:pPr/>
-              <a:t>9/7/2022</a:t>
+              <a:t>6/27/2023</a:t>
             </a:fld>
             <a:endParaRPr lang="en-US"/>
           </a:p>
@@ -26092,7 +26508,7 @@
             <a:fld id="{005ABCB1-82A5-4542-BA9B-B3EA923098FF}" type="datetime1">
               <a:rPr lang="en-US" smtClean="0"/>
               <a:pPr/>
-              <a:t>9/7/2022</a:t>
+              <a:t>6/27/2023</a:t>
             </a:fld>
             <a:endParaRPr lang="en-US"/>
           </a:p>
@@ -26340,7 +26756,7 @@
             <a:fld id="{DB27BA12-34BE-4694-ADA1-748F39C6ACAA}" type="datetime1">
               <a:rPr lang="en-US" smtClean="0"/>
               <a:pPr/>
-              <a:t>9/7/2022</a:t>
+              <a:t>6/27/2023</a:t>
             </a:fld>
             <a:endParaRPr lang="en-US"/>
           </a:p>
@@ -26610,7 +27026,7 @@
             <a:fld id="{469057B7-9FA1-43C2-A1AA-76D99FCE2510}" type="datetime1">
               <a:rPr lang="en-US" smtClean="0"/>
               <a:pPr/>
-              <a:t>9/7/2022</a:t>
+              <a:t>6/27/2023</a:t>
             </a:fld>
             <a:endParaRPr lang="en-US"/>
           </a:p>
@@ -26994,7 +27410,7 @@
             <a:fld id="{56614234-EF2D-42FE-A00F-B1FA50917BBA}" type="datetime1">
               <a:rPr lang="en-US" smtClean="0"/>
               <a:pPr/>
-              <a:t>9/7/2022</a:t>
+              <a:t>6/27/2023</a:t>
             </a:fld>
             <a:endParaRPr lang="en-US"/>
           </a:p>
@@ -27150,7 +27566,7 @@
             <a:fld id="{CAF8695C-A91F-4EBE-9C4F-D41329BB2EC6}" type="datetime1">
               <a:rPr lang="en-US" smtClean="0"/>
               <a:pPr/>
-              <a:t>9/7/2022</a:t>
+              <a:t>6/27/2023</a:t>
             </a:fld>
             <a:endParaRPr lang="en-US"/>
           </a:p>
@@ -27247,7 +27663,7 @@
             <a:fld id="{4F2D4DFB-02FC-4F2F-A25E-EC0D7B7909F8}" type="datetime1">
               <a:rPr lang="en-US" smtClean="0"/>
               <a:pPr/>
-              <a:t>9/7/2022</a:t>
+              <a:t>6/27/2023</a:t>
             </a:fld>
             <a:endParaRPr lang="en-US"/>
           </a:p>
@@ -27514,7 +27930,7 @@
             <a:fld id="{9ADA6328-0AEA-4E63-BED8-2BCB0F5975E9}" type="datetime1">
               <a:rPr lang="en-US" smtClean="0"/>
               <a:pPr/>
-              <a:t>9/7/2022</a:t>
+              <a:t>6/27/2023</a:t>
             </a:fld>
             <a:endParaRPr lang="en-US"/>
           </a:p>
@@ -27808,7 +28224,7 @@
             <a:fld id="{0AA688AB-52F4-4A17-8A9B-BF494BE6496C}" type="datetime1">
               <a:rPr lang="en-US" smtClean="0"/>
               <a:pPr/>
-              <a:t>9/7/2022</a:t>
+              <a:t>6/27/2023</a:t>
             </a:fld>
             <a:endParaRPr lang="en-US"/>
           </a:p>
@@ -28584,7 +29000,7 @@
             <a:fld id="{62E45559-B2F0-4B42-AEB9-F277719FFBDD}" type="datetime1">
               <a:rPr lang="en-US" smtClean="0"/>
               <a:pPr/>
-              <a:t>9/7/2022</a:t>
+              <a:t>6/27/2023</a:t>
             </a:fld>
             <a:endParaRPr lang="en-US"/>
           </a:p>
@@ -29232,6 +29648,10 @@
           <a:lstStyle/>
           <a:p>
             <a:pPr algn="l"/>
+            <a:r>
+              <a:rPr lang="en-US" sz="2400" dirty="0"/>
+              <a:t/>
+            </a:r>
             <a:br>
               <a:rPr lang="en-US" sz="2400" dirty="0"/>
             </a:br>
@@ -29304,6 +29724,10 @@
           </a:bodyPr>
           <a:lstStyle/>
           <a:p>
+            <a:r>
+              <a:rPr lang="en-US" dirty="0"/>
+              <a:t/>
+            </a:r>
             <a:br>
               <a:rPr lang="en-US" dirty="0"/>
             </a:br>
@@ -29361,6 +29785,21 @@
               <a:buNone/>
               <a:tabLst/>
             </a:pPr>
+            <a:r>
+              <a:rPr kumimoji="0" lang="en-US" sz="2800" b="1" i="0" u="none" strike="noStrike" cap="none" normalizeH="0" baseline="0" dirty="0">
+                <a:ln>
+                  <a:noFill/>
+                </a:ln>
+                <a:solidFill>
+                  <a:schemeClr val="tx1"/>
+                </a:solidFill>
+                <a:effectLst/>
+                <a:latin typeface="Calibri" pitchFamily="34" charset="0"/>
+                <a:ea typeface="Calibri" pitchFamily="34" charset="0"/>
+                <a:cs typeface="Times New Roman" pitchFamily="18" charset="0"/>
+              </a:rPr>
+              <a:t/>
+            </a:r>
             <a:br>
               <a:rPr kumimoji="0" lang="en-US" sz="2800" b="1" i="0" u="none" strike="noStrike" cap="none" normalizeH="0" baseline="0" dirty="0">
                 <a:ln>
@@ -29375,6 +29814,21 @@
                 <a:cs typeface="Times New Roman" pitchFamily="18" charset="0"/>
               </a:rPr>
             </a:br>
+            <a:r>
+              <a:rPr kumimoji="0" lang="en-US" sz="2800" b="1" i="0" u="none" strike="noStrike" cap="none" normalizeH="0" baseline="0" dirty="0">
+                <a:ln>
+                  <a:noFill/>
+                </a:ln>
+                <a:solidFill>
+                  <a:schemeClr val="tx1"/>
+                </a:solidFill>
+                <a:effectLst/>
+                <a:latin typeface="Calibri" pitchFamily="34" charset="0"/>
+                <a:ea typeface="Calibri" pitchFamily="34" charset="0"/>
+                <a:cs typeface="Times New Roman" pitchFamily="18" charset="0"/>
+              </a:rPr>
+              <a:t/>
+            </a:r>
             <a:br>
               <a:rPr kumimoji="0" lang="en-US" sz="2800" b="1" i="0" u="none" strike="noStrike" cap="none" normalizeH="0" baseline="0" dirty="0">
                 <a:ln>
@@ -29740,14 +30194,14 @@
               <a:buChar char="•"/>
             </a:pPr>
             <a:r>
-              <a:rPr lang="en-US" dirty="0" err="1">
+              <a:rPr lang="en-US" dirty="0" err="1" smtClean="0">
                 <a:solidFill>
                   <a:schemeClr val="accent4">
                     <a:lumMod val="50000"/>
                   </a:schemeClr>
                 </a:solidFill>
               </a:rPr>
-              <a:t>Int</a:t>
+              <a:t>int</a:t>
             </a:r>
             <a:endParaRPr lang="en-US" dirty="0">
               <a:solidFill>
@@ -29763,7 +30217,7 @@
               <a:buChar char="•"/>
             </a:pPr>
             <a:r>
-              <a:rPr lang="en-US" dirty="0">
+              <a:rPr lang="en-US" dirty="0" smtClean="0">
                 <a:solidFill>
                   <a:schemeClr val="accent4">
                     <a:lumMod val="50000"/>
@@ -29772,6 +30226,13 @@
               </a:rPr>
               <a:t>Float</a:t>
             </a:r>
+            <a:endParaRPr lang="en-US" dirty="0">
+              <a:solidFill>
+                <a:schemeClr val="accent4">
+                  <a:lumMod val="50000"/>
+                </a:schemeClr>
+              </a:solidFill>
+            </a:endParaRPr>
           </a:p>
           <a:p>
             <a:pPr>
@@ -29779,15 +30240,22 @@
               <a:buChar char="•"/>
             </a:pPr>
             <a:r>
-              <a:rPr lang="en-US" dirty="0">
+              <a:rPr lang="en-US" dirty="0" smtClean="0">
                 <a:solidFill>
                   <a:schemeClr val="accent4">
                     <a:lumMod val="50000"/>
                   </a:schemeClr>
                 </a:solidFill>
               </a:rPr>
-              <a:t>Single</a:t>
-            </a:r>
+              <a:t>single</a:t>
+            </a:r>
+            <a:endParaRPr lang="en-US" dirty="0">
+              <a:solidFill>
+                <a:schemeClr val="accent4">
+                  <a:lumMod val="50000"/>
+                </a:schemeClr>
+              </a:solidFill>
+            </a:endParaRPr>
           </a:p>
           <a:p>
             <a:pPr>
@@ -30046,7 +30514,7 @@
           <p:nvPr>
             <p:extLst>
               <p:ext uri="{D42A27DB-BD31-4B8C-83A1-F6EECF244321}">
-                <p14:modId xmlns:p14="http://schemas.microsoft.com/office/powerpoint/2010/main" val="3270356767"/>
+                <p14:modId xmlns="" xmlns:p14="http://schemas.microsoft.com/office/powerpoint/2010/main" val="3270356767"/>
               </p:ext>
             </p:extLst>
           </p:nvPr>
@@ -30063,21 +30531,21 @@
                 <a:gridCol w="1981200">
                   <a:extLst>
                     <a:ext uri="{9D8B030D-6E8A-4147-A177-3AD203B41FA5}">
-                      <a16:colId xmlns:a16="http://schemas.microsoft.com/office/drawing/2014/main" val="20000"/>
+                      <a16:colId xmlns="" xmlns:a16="http://schemas.microsoft.com/office/drawing/2014/main" val="20000"/>
                     </a:ext>
                   </a:extLst>
                 </a:gridCol>
                 <a:gridCol w="1981200">
                   <a:extLst>
                     <a:ext uri="{9D8B030D-6E8A-4147-A177-3AD203B41FA5}">
-                      <a16:colId xmlns:a16="http://schemas.microsoft.com/office/drawing/2014/main" val="20001"/>
+                      <a16:colId xmlns="" xmlns:a16="http://schemas.microsoft.com/office/drawing/2014/main" val="20001"/>
                     </a:ext>
                   </a:extLst>
                 </a:gridCol>
                 <a:gridCol w="2971800">
                   <a:extLst>
                     <a:ext uri="{9D8B030D-6E8A-4147-A177-3AD203B41FA5}">
-                      <a16:colId xmlns:a16="http://schemas.microsoft.com/office/drawing/2014/main" val="20002"/>
+                      <a16:colId xmlns="" xmlns:a16="http://schemas.microsoft.com/office/drawing/2014/main" val="20002"/>
                     </a:ext>
                   </a:extLst>
                 </a:gridCol>
@@ -30247,7 +30715,7 @@
                 </a:tc>
                 <a:extLst>
                   <a:ext uri="{0D108BD9-81ED-4DB2-BD59-A6C34878D82A}">
-                    <a16:rowId xmlns:a16="http://schemas.microsoft.com/office/drawing/2014/main" val="10000"/>
+                    <a16:rowId xmlns="" xmlns:a16="http://schemas.microsoft.com/office/drawing/2014/main" val="10000"/>
                   </a:ext>
                 </a:extLst>
               </a:tr>
@@ -30310,7 +30778,7 @@
                     <a:p>
                       <a:pPr fontAlgn="t"/>
                       <a:r>
-                        <a:rPr lang="en-US" sz="1600"/>
+                        <a:rPr lang="en-US" sz="1600" dirty="0"/>
                         <a:t>1byte</a:t>
                       </a:r>
                     </a:p>
@@ -30361,7 +30829,7 @@
                     <a:p>
                       <a:pPr fontAlgn="t"/>
                       <a:r>
-                        <a:rPr lang="en-US" sz="1600"/>
+                        <a:rPr lang="en-US" sz="1600" dirty="0"/>
                         <a:t>-127 to 127 or 0 to 255</a:t>
                       </a:r>
                     </a:p>
@@ -30407,7 +30875,7 @@
                 </a:tc>
                 <a:extLst>
                   <a:ext uri="{0D108BD9-81ED-4DB2-BD59-A6C34878D82A}">
-                    <a16:rowId xmlns:a16="http://schemas.microsoft.com/office/drawing/2014/main" val="10001"/>
+                    <a16:rowId xmlns="" xmlns:a16="http://schemas.microsoft.com/office/drawing/2014/main" val="10001"/>
                   </a:ext>
                 </a:extLst>
               </a:tr>
@@ -30567,7 +31035,7 @@
                 </a:tc>
                 <a:extLst>
                   <a:ext uri="{0D108BD9-81ED-4DB2-BD59-A6C34878D82A}">
-                    <a16:rowId xmlns:a16="http://schemas.microsoft.com/office/drawing/2014/main" val="10002"/>
+                    <a16:rowId xmlns="" xmlns:a16="http://schemas.microsoft.com/office/drawing/2014/main" val="10002"/>
                   </a:ext>
                 </a:extLst>
               </a:tr>
@@ -30727,7 +31195,7 @@
                 </a:tc>
                 <a:extLst>
                   <a:ext uri="{0D108BD9-81ED-4DB2-BD59-A6C34878D82A}">
-                    <a16:rowId xmlns:a16="http://schemas.microsoft.com/office/drawing/2014/main" val="10003"/>
+                    <a16:rowId xmlns="" xmlns:a16="http://schemas.microsoft.com/office/drawing/2014/main" val="10003"/>
                   </a:ext>
                 </a:extLst>
               </a:tr>
@@ -30842,7 +31310,7 @@
                     <a:p>
                       <a:pPr fontAlgn="t"/>
                       <a:r>
-                        <a:rPr lang="en-US" sz="1600"/>
+                        <a:rPr lang="en-US" sz="1600" dirty="0"/>
                         <a:t>-2147483648 to 2147483647</a:t>
                       </a:r>
                     </a:p>
@@ -30888,7 +31356,7 @@
                 </a:tc>
                 <a:extLst>
                   <a:ext uri="{0D108BD9-81ED-4DB2-BD59-A6C34878D82A}">
-                    <a16:rowId xmlns:a16="http://schemas.microsoft.com/office/drawing/2014/main" val="10004"/>
+                    <a16:rowId xmlns="" xmlns:a16="http://schemas.microsoft.com/office/drawing/2014/main" val="10004"/>
                   </a:ext>
                 </a:extLst>
               </a:tr>
@@ -30900,9 +31368,14 @@
                     <a:p>
                       <a:pPr fontAlgn="t"/>
                       <a:r>
-                        <a:rPr lang="en-US" sz="1600"/>
-                        <a:t>unsigned int</a:t>
+                        <a:rPr lang="en-US" sz="1600" dirty="0"/>
+                        <a:t>unsigned </a:t>
                       </a:r>
+                      <a:r>
+                        <a:rPr lang="en-US" sz="1600" dirty="0" err="1"/>
+                        <a:t>int</a:t>
+                      </a:r>
+                      <a:endParaRPr lang="en-US" sz="1600" dirty="0"/>
                     </a:p>
                   </a:txBody>
                   <a:tcPr marL="33311" marR="33311" marT="33311" marB="33311">
@@ -31002,7 +31475,7 @@
                     <a:p>
                       <a:pPr fontAlgn="t"/>
                       <a:r>
-                        <a:rPr lang="en-US" sz="1600"/>
+                        <a:rPr lang="en-US" sz="1600" dirty="0"/>
                         <a:t>0 to 4294967295</a:t>
                       </a:r>
                     </a:p>
@@ -31048,7 +31521,7 @@
                 </a:tc>
                 <a:extLst>
                   <a:ext uri="{0D108BD9-81ED-4DB2-BD59-A6C34878D82A}">
-                    <a16:rowId xmlns:a16="http://schemas.microsoft.com/office/drawing/2014/main" val="10005"/>
+                    <a16:rowId xmlns="" xmlns:a16="http://schemas.microsoft.com/office/drawing/2014/main" val="10005"/>
                   </a:ext>
                 </a:extLst>
               </a:tr>
@@ -31208,7 +31681,7 @@
                 </a:tc>
                 <a:extLst>
                   <a:ext uri="{0D108BD9-81ED-4DB2-BD59-A6C34878D82A}">
-                    <a16:rowId xmlns:a16="http://schemas.microsoft.com/office/drawing/2014/main" val="10006"/>
+                    <a16:rowId xmlns="" xmlns:a16="http://schemas.microsoft.com/office/drawing/2014/main" val="10006"/>
                   </a:ext>
                 </a:extLst>
               </a:tr>
@@ -31368,7 +31841,7 @@
                 </a:tc>
                 <a:extLst>
                   <a:ext uri="{0D108BD9-81ED-4DB2-BD59-A6C34878D82A}">
-                    <a16:rowId xmlns:a16="http://schemas.microsoft.com/office/drawing/2014/main" val="10007"/>
+                    <a16:rowId xmlns="" xmlns:a16="http://schemas.microsoft.com/office/drawing/2014/main" val="10007"/>
                   </a:ext>
                 </a:extLst>
               </a:tr>
@@ -31528,7 +32001,7 @@
                 </a:tc>
                 <a:extLst>
                   <a:ext uri="{0D108BD9-81ED-4DB2-BD59-A6C34878D82A}">
-                    <a16:rowId xmlns:a16="http://schemas.microsoft.com/office/drawing/2014/main" val="10008"/>
+                    <a16:rowId xmlns="" xmlns:a16="http://schemas.microsoft.com/office/drawing/2014/main" val="10008"/>
                   </a:ext>
                 </a:extLst>
               </a:tr>
@@ -31688,7 +32161,7 @@
                 </a:tc>
                 <a:extLst>
                   <a:ext uri="{0D108BD9-81ED-4DB2-BD59-A6C34878D82A}">
-                    <a16:rowId xmlns:a16="http://schemas.microsoft.com/office/drawing/2014/main" val="10009"/>
+                    <a16:rowId xmlns="" xmlns:a16="http://schemas.microsoft.com/office/drawing/2014/main" val="10009"/>
                   </a:ext>
                 </a:extLst>
               </a:tr>
@@ -31848,7 +32321,7 @@
                 </a:tc>
                 <a:extLst>
                   <a:ext uri="{0D108BD9-81ED-4DB2-BD59-A6C34878D82A}">
-                    <a16:rowId xmlns:a16="http://schemas.microsoft.com/office/drawing/2014/main" val="10010"/>
+                    <a16:rowId xmlns="" xmlns:a16="http://schemas.microsoft.com/office/drawing/2014/main" val="10010"/>
                   </a:ext>
                 </a:extLst>
               </a:tr>
@@ -32008,7 +32481,7 @@
                 </a:tc>
                 <a:extLst>
                   <a:ext uri="{0D108BD9-81ED-4DB2-BD59-A6C34878D82A}">
-                    <a16:rowId xmlns:a16="http://schemas.microsoft.com/office/drawing/2014/main" val="10011"/>
+                    <a16:rowId xmlns="" xmlns:a16="http://schemas.microsoft.com/office/drawing/2014/main" val="10011"/>
                   </a:ext>
                 </a:extLst>
               </a:tr>
@@ -32168,7 +32641,7 @@
                 </a:tc>
                 <a:extLst>
                   <a:ext uri="{0D108BD9-81ED-4DB2-BD59-A6C34878D82A}">
-                    <a16:rowId xmlns:a16="http://schemas.microsoft.com/office/drawing/2014/main" val="10012"/>
+                    <a16:rowId xmlns="" xmlns:a16="http://schemas.microsoft.com/office/drawing/2014/main" val="10012"/>
                   </a:ext>
                 </a:extLst>
               </a:tr>
@@ -32282,7 +32755,7 @@
                     <a:p>
                       <a:pPr fontAlgn="t"/>
                       <a:r>
-                        <a:rPr lang="en-US" sz="1600"/>
+                        <a:rPr lang="en-US" sz="1600" dirty="0"/>
                         <a:t>+/- 3.4e +/- 38 (~7 digits)</a:t>
                       </a:r>
                     </a:p>
@@ -32328,7 +32801,7 @@
                 </a:tc>
                 <a:extLst>
                   <a:ext uri="{0D108BD9-81ED-4DB2-BD59-A6C34878D82A}">
-                    <a16:rowId xmlns:a16="http://schemas.microsoft.com/office/drawing/2014/main" val="10013"/>
+                    <a16:rowId xmlns="" xmlns:a16="http://schemas.microsoft.com/office/drawing/2014/main" val="10013"/>
                   </a:ext>
                 </a:extLst>
               </a:tr>
@@ -32488,7 +32961,7 @@
                 </a:tc>
                 <a:extLst>
                   <a:ext uri="{0D108BD9-81ED-4DB2-BD59-A6C34878D82A}">
-                    <a16:rowId xmlns:a16="http://schemas.microsoft.com/office/drawing/2014/main" val="10014"/>
+                    <a16:rowId xmlns="" xmlns:a16="http://schemas.microsoft.com/office/drawing/2014/main" val="10014"/>
                   </a:ext>
                 </a:extLst>
               </a:tr>
@@ -32551,9 +33024,10 @@
                     <a:p>
                       <a:pPr fontAlgn="t"/>
                       <a:r>
-                        <a:rPr lang="en-US" sz="1600"/>
-                        <a:t>8bytes</a:t>
+                        <a:rPr lang="en-US" sz="1600" smtClean="0"/>
+                        <a:t>10bytes</a:t>
                       </a:r>
+                      <a:endParaRPr lang="en-US" sz="1600"/>
                     </a:p>
                   </a:txBody>
                   <a:tcPr marL="33311" marR="33311" marT="33311" marB="33311">
@@ -32648,7 +33122,7 @@
                 </a:tc>
                 <a:extLst>
                   <a:ext uri="{0D108BD9-81ED-4DB2-BD59-A6C34878D82A}">
-                    <a16:rowId xmlns:a16="http://schemas.microsoft.com/office/drawing/2014/main" val="10015"/>
+                    <a16:rowId xmlns="" xmlns:a16="http://schemas.microsoft.com/office/drawing/2014/main" val="10015"/>
                   </a:ext>
                 </a:extLst>
               </a:tr>
@@ -32969,7 +33443,7 @@
           <a:effectLst/>
           <a:extLst>
             <a:ext uri="{91240B29-F687-4F45-9708-019B960494DF}">
-              <a14:hiddenLine xmlns:a14="http://schemas.microsoft.com/office/drawing/2010/main" w="9525">
+              <a14:hiddenLine xmlns="" xmlns:a14="http://schemas.microsoft.com/office/drawing/2010/main" w="9525">
                 <a:solidFill>
                   <a:schemeClr val="tx1"/>
                 </a:solidFill>
@@ -32979,7 +33453,7 @@
               </a14:hiddenLine>
             </a:ext>
             <a:ext uri="{AF507438-7753-43E0-B8FC-AC1667EBCBE1}">
-              <a14:hiddenEffects xmlns:a14="http://schemas.microsoft.com/office/drawing/2010/main">
+              <a14:hiddenEffects xmlns="" xmlns:a14="http://schemas.microsoft.com/office/drawing/2010/main">
                 <a:effectLst>
                   <a:outerShdw dist="35921" dir="2700000" algn="ctr" rotWithShape="0">
                     <a:schemeClr val="bg2"/>
@@ -33059,7 +33533,7 @@
     </p:spTree>
     <p:extLst>
       <p:ext uri="{BB962C8B-B14F-4D97-AF65-F5344CB8AC3E}">
-        <p14:creationId xmlns:p14="http://schemas.microsoft.com/office/powerpoint/2010/main" val="2418959004"/>
+        <p14:creationId xmlns="" xmlns:p14="http://schemas.microsoft.com/office/powerpoint/2010/main" val="2418959004"/>
       </p:ext>
     </p:extLst>
   </p:cSld>
@@ -33113,6 +33587,10 @@
               <a:rPr lang="en-IN" sz="3600" dirty="0"/>
               <a:t>C# Type Conversion Methods</a:t>
             </a:r>
+            <a:r>
+              <a:rPr lang="en-IN" dirty="0"/>
+              <a:t/>
+            </a:r>
             <a:br>
               <a:rPr lang="en-IN" dirty="0"/>
             </a:br>
@@ -33152,7 +33630,7 @@
           <p:nvPr>
             <p:extLst>
               <p:ext uri="{D42A27DB-BD31-4B8C-83A1-F6EECF244321}">
-                <p14:modId xmlns:p14="http://schemas.microsoft.com/office/powerpoint/2010/main" val="512757366"/>
+                <p14:modId xmlns="" xmlns:p14="http://schemas.microsoft.com/office/powerpoint/2010/main" val="512757366"/>
               </p:ext>
             </p:extLst>
           </p:nvPr>
@@ -33169,14 +33647,14 @@
                 <a:gridCol w="2080489">
                   <a:extLst>
                     <a:ext uri="{9D8B030D-6E8A-4147-A177-3AD203B41FA5}">
-                      <a16:colId xmlns:a16="http://schemas.microsoft.com/office/drawing/2014/main" val="20000"/>
+                      <a16:colId xmlns="" xmlns:a16="http://schemas.microsoft.com/office/drawing/2014/main" val="20000"/>
                     </a:ext>
                   </a:extLst>
                 </a:gridCol>
                 <a:gridCol w="5996710">
                   <a:extLst>
                     <a:ext uri="{9D8B030D-6E8A-4147-A177-3AD203B41FA5}">
-                      <a16:colId xmlns:a16="http://schemas.microsoft.com/office/drawing/2014/main" val="20001"/>
+                      <a16:colId xmlns="" xmlns:a16="http://schemas.microsoft.com/office/drawing/2014/main" val="20001"/>
                     </a:ext>
                   </a:extLst>
                 </a:gridCol>
@@ -33302,7 +33780,7 @@
                 </a:tc>
                 <a:extLst>
                   <a:ext uri="{0D108BD9-81ED-4DB2-BD59-A6C34878D82A}">
-                    <a16:rowId xmlns:a16="http://schemas.microsoft.com/office/drawing/2014/main" val="10000"/>
+                    <a16:rowId xmlns="" xmlns:a16="http://schemas.microsoft.com/office/drawing/2014/main" val="10000"/>
                   </a:ext>
                 </a:extLst>
               </a:tr>
@@ -33436,7 +33914,7 @@
                 </a:tc>
                 <a:extLst>
                   <a:ext uri="{0D108BD9-81ED-4DB2-BD59-A6C34878D82A}">
-                    <a16:rowId xmlns:a16="http://schemas.microsoft.com/office/drawing/2014/main" val="10001"/>
+                    <a16:rowId xmlns="" xmlns:a16="http://schemas.microsoft.com/office/drawing/2014/main" val="10001"/>
                   </a:ext>
                 </a:extLst>
               </a:tr>
@@ -33570,7 +34048,7 @@
                 </a:tc>
                 <a:extLst>
                   <a:ext uri="{0D108BD9-81ED-4DB2-BD59-A6C34878D82A}">
-                    <a16:rowId xmlns:a16="http://schemas.microsoft.com/office/drawing/2014/main" val="10002"/>
+                    <a16:rowId xmlns="" xmlns:a16="http://schemas.microsoft.com/office/drawing/2014/main" val="10002"/>
                   </a:ext>
                 </a:extLst>
               </a:tr>
@@ -33704,7 +34182,7 @@
                 </a:tc>
                 <a:extLst>
                   <a:ext uri="{0D108BD9-81ED-4DB2-BD59-A6C34878D82A}">
-                    <a16:rowId xmlns:a16="http://schemas.microsoft.com/office/drawing/2014/main" val="10003"/>
+                    <a16:rowId xmlns="" xmlns:a16="http://schemas.microsoft.com/office/drawing/2014/main" val="10003"/>
                   </a:ext>
                 </a:extLst>
               </a:tr>
@@ -33838,7 +34316,7 @@
                 </a:tc>
                 <a:extLst>
                   <a:ext uri="{0D108BD9-81ED-4DB2-BD59-A6C34878D82A}">
-                    <a16:rowId xmlns:a16="http://schemas.microsoft.com/office/drawing/2014/main" val="10004"/>
+                    <a16:rowId xmlns="" xmlns:a16="http://schemas.microsoft.com/office/drawing/2014/main" val="10004"/>
                   </a:ext>
                 </a:extLst>
               </a:tr>
@@ -33972,7 +34450,7 @@
                 </a:tc>
                 <a:extLst>
                   <a:ext uri="{0D108BD9-81ED-4DB2-BD59-A6C34878D82A}">
-                    <a16:rowId xmlns:a16="http://schemas.microsoft.com/office/drawing/2014/main" val="10005"/>
+                    <a16:rowId xmlns="" xmlns:a16="http://schemas.microsoft.com/office/drawing/2014/main" val="10005"/>
                   </a:ext>
                 </a:extLst>
               </a:tr>
@@ -34106,7 +34584,7 @@
                 </a:tc>
                 <a:extLst>
                   <a:ext uri="{0D108BD9-81ED-4DB2-BD59-A6C34878D82A}">
-                    <a16:rowId xmlns:a16="http://schemas.microsoft.com/office/drawing/2014/main" val="10006"/>
+                    <a16:rowId xmlns="" xmlns:a16="http://schemas.microsoft.com/office/drawing/2014/main" val="10006"/>
                   </a:ext>
                 </a:extLst>
               </a:tr>
@@ -34240,7 +34718,7 @@
                 </a:tc>
                 <a:extLst>
                   <a:ext uri="{0D108BD9-81ED-4DB2-BD59-A6C34878D82A}">
-                    <a16:rowId xmlns:a16="http://schemas.microsoft.com/office/drawing/2014/main" val="10007"/>
+                    <a16:rowId xmlns="" xmlns:a16="http://schemas.microsoft.com/office/drawing/2014/main" val="10007"/>
                   </a:ext>
                 </a:extLst>
               </a:tr>
@@ -34374,7 +34852,7 @@
                 </a:tc>
                 <a:extLst>
                   <a:ext uri="{0D108BD9-81ED-4DB2-BD59-A6C34878D82A}">
-                    <a16:rowId xmlns:a16="http://schemas.microsoft.com/office/drawing/2014/main" val="10008"/>
+                    <a16:rowId xmlns="" xmlns:a16="http://schemas.microsoft.com/office/drawing/2014/main" val="10008"/>
                   </a:ext>
                 </a:extLst>
               </a:tr>
@@ -34508,7 +34986,7 @@
                 </a:tc>
                 <a:extLst>
                   <a:ext uri="{0D108BD9-81ED-4DB2-BD59-A6C34878D82A}">
-                    <a16:rowId xmlns:a16="http://schemas.microsoft.com/office/drawing/2014/main" val="10009"/>
+                    <a16:rowId xmlns="" xmlns:a16="http://schemas.microsoft.com/office/drawing/2014/main" val="10009"/>
                   </a:ext>
                 </a:extLst>
               </a:tr>
@@ -34642,7 +35120,7 @@
                 </a:tc>
                 <a:extLst>
                   <a:ext uri="{0D108BD9-81ED-4DB2-BD59-A6C34878D82A}">
-                    <a16:rowId xmlns:a16="http://schemas.microsoft.com/office/drawing/2014/main" val="10010"/>
+                    <a16:rowId xmlns="" xmlns:a16="http://schemas.microsoft.com/office/drawing/2014/main" val="10010"/>
                   </a:ext>
                 </a:extLst>
               </a:tr>
@@ -34776,7 +35254,7 @@
                 </a:tc>
                 <a:extLst>
                   <a:ext uri="{0D108BD9-81ED-4DB2-BD59-A6C34878D82A}">
-                    <a16:rowId xmlns:a16="http://schemas.microsoft.com/office/drawing/2014/main" val="10011"/>
+                    <a16:rowId xmlns="" xmlns:a16="http://schemas.microsoft.com/office/drawing/2014/main" val="10011"/>
                   </a:ext>
                 </a:extLst>
               </a:tr>
@@ -34910,7 +35388,7 @@
                 </a:tc>
                 <a:extLst>
                   <a:ext uri="{0D108BD9-81ED-4DB2-BD59-A6C34878D82A}">
-                    <a16:rowId xmlns:a16="http://schemas.microsoft.com/office/drawing/2014/main" val="10012"/>
+                    <a16:rowId xmlns="" xmlns:a16="http://schemas.microsoft.com/office/drawing/2014/main" val="10012"/>
                   </a:ext>
                 </a:extLst>
               </a:tr>
@@ -34921,7 +35399,7 @@
     </p:spTree>
     <p:extLst>
       <p:ext uri="{BB962C8B-B14F-4D97-AF65-F5344CB8AC3E}">
-        <p14:creationId xmlns:p14="http://schemas.microsoft.com/office/powerpoint/2010/main" val="2045638590"/>
+        <p14:creationId xmlns="" xmlns:p14="http://schemas.microsoft.com/office/powerpoint/2010/main" val="2045638590"/>
       </p:ext>
     </p:extLst>
   </p:cSld>
@@ -36247,7 +36725,7 @@
           <p:nvPr>
             <p:extLst>
               <p:ext uri="{D42A27DB-BD31-4B8C-83A1-F6EECF244321}">
-                <p14:modId xmlns:p14="http://schemas.microsoft.com/office/powerpoint/2010/main" val="907409441"/>
+                <p14:modId xmlns="" xmlns:p14="http://schemas.microsoft.com/office/powerpoint/2010/main" val="907409441"/>
               </p:ext>
             </p:extLst>
           </p:nvPr>
@@ -36264,14 +36742,14 @@
                 <a:gridCol w="3465345">
                   <a:extLst>
                     <a:ext uri="{9D8B030D-6E8A-4147-A177-3AD203B41FA5}">
-                      <a16:colId xmlns:a16="http://schemas.microsoft.com/office/drawing/2014/main" val="20000"/>
+                      <a16:colId xmlns="" xmlns:a16="http://schemas.microsoft.com/office/drawing/2014/main" val="20000"/>
                     </a:ext>
                   </a:extLst>
                 </a:gridCol>
                 <a:gridCol w="3465345">
                   <a:extLst>
                     <a:ext uri="{9D8B030D-6E8A-4147-A177-3AD203B41FA5}">
-                      <a16:colId xmlns:a16="http://schemas.microsoft.com/office/drawing/2014/main" val="20001"/>
+                      <a16:colId xmlns="" xmlns:a16="http://schemas.microsoft.com/office/drawing/2014/main" val="20001"/>
                     </a:ext>
                   </a:extLst>
                 </a:gridCol>
@@ -36401,7 +36879,7 @@
                 </a:tc>
                 <a:extLst>
                   <a:ext uri="{0D108BD9-81ED-4DB2-BD59-A6C34878D82A}">
-                    <a16:rowId xmlns:a16="http://schemas.microsoft.com/office/drawing/2014/main" val="10000"/>
+                    <a16:rowId xmlns="" xmlns:a16="http://schemas.microsoft.com/office/drawing/2014/main" val="10000"/>
                   </a:ext>
                 </a:extLst>
               </a:tr>
@@ -36518,7 +36996,7 @@
                 </a:tc>
                 <a:extLst>
                   <a:ext uri="{0D108BD9-81ED-4DB2-BD59-A6C34878D82A}">
-                    <a16:rowId xmlns:a16="http://schemas.microsoft.com/office/drawing/2014/main" val="10001"/>
+                    <a16:rowId xmlns="" xmlns:a16="http://schemas.microsoft.com/office/drawing/2014/main" val="10001"/>
                   </a:ext>
                 </a:extLst>
               </a:tr>
@@ -36635,7 +37113,7 @@
                 </a:tc>
                 <a:extLst>
                   <a:ext uri="{0D108BD9-81ED-4DB2-BD59-A6C34878D82A}">
-                    <a16:rowId xmlns:a16="http://schemas.microsoft.com/office/drawing/2014/main" val="10002"/>
+                    <a16:rowId xmlns="" xmlns:a16="http://schemas.microsoft.com/office/drawing/2014/main" val="10002"/>
                   </a:ext>
                 </a:extLst>
               </a:tr>
@@ -36752,7 +37230,7 @@
                 </a:tc>
                 <a:extLst>
                   <a:ext uri="{0D108BD9-81ED-4DB2-BD59-A6C34878D82A}">
-                    <a16:rowId xmlns:a16="http://schemas.microsoft.com/office/drawing/2014/main" val="10003"/>
+                    <a16:rowId xmlns="" xmlns:a16="http://schemas.microsoft.com/office/drawing/2014/main" val="10003"/>
                   </a:ext>
                 </a:extLst>
               </a:tr>
@@ -36869,7 +37347,7 @@
                 </a:tc>
                 <a:extLst>
                   <a:ext uri="{0D108BD9-81ED-4DB2-BD59-A6C34878D82A}">
-                    <a16:rowId xmlns:a16="http://schemas.microsoft.com/office/drawing/2014/main" val="10004"/>
+                    <a16:rowId xmlns="" xmlns:a16="http://schemas.microsoft.com/office/drawing/2014/main" val="10004"/>
                   </a:ext>
                 </a:extLst>
               </a:tr>
@@ -36986,7 +37464,7 @@
                 </a:tc>
                 <a:extLst>
                   <a:ext uri="{0D108BD9-81ED-4DB2-BD59-A6C34878D82A}">
-                    <a16:rowId xmlns:a16="http://schemas.microsoft.com/office/drawing/2014/main" val="10005"/>
+                    <a16:rowId xmlns="" xmlns:a16="http://schemas.microsoft.com/office/drawing/2014/main" val="10005"/>
                   </a:ext>
                 </a:extLst>
               </a:tr>
@@ -37003,7 +37481,7 @@
           <p:nvPr>
             <p:extLst>
               <p:ext uri="{D42A27DB-BD31-4B8C-83A1-F6EECF244321}">
-                <p14:modId xmlns:p14="http://schemas.microsoft.com/office/powerpoint/2010/main" val="1650490626"/>
+                <p14:modId xmlns="" xmlns:p14="http://schemas.microsoft.com/office/powerpoint/2010/main" val="1650490626"/>
               </p:ext>
             </p:extLst>
           </p:nvPr>
@@ -37020,7 +37498,7 @@
                 <a:gridCol w="8229600">
                   <a:extLst>
                     <a:ext uri="{9D8B030D-6E8A-4147-A177-3AD203B41FA5}">
-                      <a16:colId xmlns:a16="http://schemas.microsoft.com/office/drawing/2014/main" val="20000"/>
+                      <a16:colId xmlns="" xmlns:a16="http://schemas.microsoft.com/office/drawing/2014/main" val="20000"/>
                     </a:ext>
                   </a:extLst>
                 </a:gridCol>
@@ -37083,7 +37561,7 @@
                 </a:tc>
                 <a:extLst>
                   <a:ext uri="{0D108BD9-81ED-4DB2-BD59-A6C34878D82A}">
-                    <a16:rowId xmlns:a16="http://schemas.microsoft.com/office/drawing/2014/main" val="10000"/>
+                    <a16:rowId xmlns="" xmlns:a16="http://schemas.microsoft.com/office/drawing/2014/main" val="10000"/>
                   </a:ext>
                 </a:extLst>
               </a:tr>
@@ -37145,7 +37623,7 @@
                 </a:tc>
                 <a:extLst>
                   <a:ext uri="{0D108BD9-81ED-4DB2-BD59-A6C34878D82A}">
-                    <a16:rowId xmlns:a16="http://schemas.microsoft.com/office/drawing/2014/main" val="10001"/>
+                    <a16:rowId xmlns="" xmlns:a16="http://schemas.microsoft.com/office/drawing/2014/main" val="10001"/>
                   </a:ext>
                 </a:extLst>
               </a:tr>
@@ -37156,7 +37634,7 @@
     </p:spTree>
     <p:extLst>
       <p:ext uri="{BB962C8B-B14F-4D97-AF65-F5344CB8AC3E}">
-        <p14:creationId xmlns:p14="http://schemas.microsoft.com/office/powerpoint/2010/main" val="3487854561"/>
+        <p14:creationId xmlns="" xmlns:p14="http://schemas.microsoft.com/office/powerpoint/2010/main" val="3487854561"/>
       </p:ext>
     </p:extLst>
   </p:cSld>
@@ -38113,10 +38591,10 @@
           <p:nvPr/>
         </p:nvPicPr>
         <p:blipFill>
-          <a:blip r:embed="rId2">
+          <a:blip r:embed="rId2" cstate="print">
             <a:extLst>
               <a:ext uri="{28A0092B-C50C-407E-A947-70E740481C1C}">
-                <a14:useLocalDpi xmlns:a14="http://schemas.microsoft.com/office/drawing/2010/main" val="0"/>
+                <a14:useLocalDpi xmlns="" xmlns:a14="http://schemas.microsoft.com/office/drawing/2010/main" val="0"/>
               </a:ext>
             </a:extLst>
           </a:blip>
@@ -38140,14 +38618,14 @@
           <a:effectLst/>
           <a:extLst>
             <a:ext uri="{909E8E84-426E-40DD-AFC4-6F175D3DCCD1}">
-              <a14:hiddenFill xmlns:a14="http://schemas.microsoft.com/office/drawing/2010/main">
+              <a14:hiddenFill xmlns="" xmlns:a14="http://schemas.microsoft.com/office/drawing/2010/main">
                 <a:solidFill>
                   <a:schemeClr val="accent1"/>
                 </a:solidFill>
               </a14:hiddenFill>
             </a:ext>
             <a:ext uri="{91240B29-F687-4F45-9708-019B960494DF}">
-              <a14:hiddenLine xmlns:a14="http://schemas.microsoft.com/office/drawing/2010/main" w="9525">
+              <a14:hiddenLine xmlns="" xmlns:a14="http://schemas.microsoft.com/office/drawing/2010/main" w="9525">
                 <a:solidFill>
                   <a:schemeClr val="tx1"/>
                 </a:solidFill>
@@ -38157,7 +38635,7 @@
               </a14:hiddenLine>
             </a:ext>
             <a:ext uri="{AF507438-7753-43E0-B8FC-AC1667EBCBE1}">
-              <a14:hiddenEffects xmlns:a14="http://schemas.microsoft.com/office/drawing/2010/main">
+              <a14:hiddenEffects xmlns="" xmlns:a14="http://schemas.microsoft.com/office/drawing/2010/main">
                 <a:effectLst>
                   <a:outerShdw dist="35921" dir="2700000" algn="ctr" rotWithShape="0">
                     <a:schemeClr val="bg2"/>
@@ -38177,10 +38655,10 @@
           <p:nvPr/>
         </p:nvPicPr>
         <p:blipFill>
-          <a:blip r:embed="rId3">
+          <a:blip r:embed="rId3" cstate="print">
             <a:extLst>
               <a:ext uri="{28A0092B-C50C-407E-A947-70E740481C1C}">
-                <a14:useLocalDpi xmlns:a14="http://schemas.microsoft.com/office/drawing/2010/main" val="0"/>
+                <a14:useLocalDpi xmlns="" xmlns:a14="http://schemas.microsoft.com/office/drawing/2010/main" val="0"/>
               </a:ext>
             </a:extLst>
           </a:blip>
@@ -38204,14 +38682,14 @@
           <a:effectLst/>
           <a:extLst>
             <a:ext uri="{909E8E84-426E-40DD-AFC4-6F175D3DCCD1}">
-              <a14:hiddenFill xmlns:a14="http://schemas.microsoft.com/office/drawing/2010/main">
+              <a14:hiddenFill xmlns="" xmlns:a14="http://schemas.microsoft.com/office/drawing/2010/main">
                 <a:solidFill>
                   <a:schemeClr val="accent1"/>
                 </a:solidFill>
               </a14:hiddenFill>
             </a:ext>
             <a:ext uri="{91240B29-F687-4F45-9708-019B960494DF}">
-              <a14:hiddenLine xmlns:a14="http://schemas.microsoft.com/office/drawing/2010/main" w="9525">
+              <a14:hiddenLine xmlns="" xmlns:a14="http://schemas.microsoft.com/office/drawing/2010/main" w="9525">
                 <a:solidFill>
                   <a:schemeClr val="tx1"/>
                 </a:solidFill>
@@ -38221,7 +38699,7 @@
               </a14:hiddenLine>
             </a:ext>
             <a:ext uri="{AF507438-7753-43E0-B8FC-AC1667EBCBE1}">
-              <a14:hiddenEffects xmlns:a14="http://schemas.microsoft.com/office/drawing/2010/main">
+              <a14:hiddenEffects xmlns="" xmlns:a14="http://schemas.microsoft.com/office/drawing/2010/main">
                 <a:effectLst>
                   <a:outerShdw dist="35921" dir="2700000" algn="ctr" rotWithShape="0">
                     <a:schemeClr val="bg2"/>
@@ -40984,7 +41462,11 @@
           <a:p>
             <a:pPr algn="ctr"/>
             <a:r>
-              <a:rPr lang="en-US" dirty="0"/>
+              <a:rPr lang="en-US" b="1" dirty="0">
+                <a:solidFill>
+                  <a:srgbClr val="FF0000"/>
+                </a:solidFill>
+              </a:rPr>
               <a:t>Abstraction:</a:t>
             </a:r>
           </a:p>
@@ -40999,7 +41481,7 @@
           <p:nvPr>
             <p:extLst>
               <p:ext uri="{D42A27DB-BD31-4B8C-83A1-F6EECF244321}">
-                <p14:modId xmlns:p14="http://schemas.microsoft.com/office/powerpoint/2010/main" val="2891193564"/>
+                <p14:modId xmlns="" xmlns:p14="http://schemas.microsoft.com/office/powerpoint/2010/main" val="2891193564"/>
               </p:ext>
             </p:extLst>
           </p:nvPr>
@@ -41018,21 +41500,21 @@
                 <a:gridCol w="2032000">
                   <a:extLst>
                     <a:ext uri="{9D8B030D-6E8A-4147-A177-3AD203B41FA5}">
-                      <a16:colId xmlns:a16="http://schemas.microsoft.com/office/drawing/2014/main" val="20000"/>
+                      <a16:colId xmlns="" xmlns:a16="http://schemas.microsoft.com/office/drawing/2014/main" val="20000"/>
                     </a:ext>
                   </a:extLst>
                 </a:gridCol>
                 <a:gridCol w="2032000">
                   <a:extLst>
                     <a:ext uri="{9D8B030D-6E8A-4147-A177-3AD203B41FA5}">
-                      <a16:colId xmlns:a16="http://schemas.microsoft.com/office/drawing/2014/main" val="20001"/>
+                      <a16:colId xmlns="" xmlns:a16="http://schemas.microsoft.com/office/drawing/2014/main" val="20001"/>
                     </a:ext>
                   </a:extLst>
                 </a:gridCol>
                 <a:gridCol w="2032000">
                   <a:extLst>
                     <a:ext uri="{9D8B030D-6E8A-4147-A177-3AD203B41FA5}">
-                      <a16:colId xmlns:a16="http://schemas.microsoft.com/office/drawing/2014/main" val="20002"/>
+                      <a16:colId xmlns="" xmlns:a16="http://schemas.microsoft.com/office/drawing/2014/main" val="20002"/>
                     </a:ext>
                   </a:extLst>
                 </a:gridCol>
@@ -41079,7 +41561,7 @@
                 </a:tc>
                 <a:extLst>
                   <a:ext uri="{0D108BD9-81ED-4DB2-BD59-A6C34878D82A}">
-                    <a16:rowId xmlns:a16="http://schemas.microsoft.com/office/drawing/2014/main" val="10000"/>
+                    <a16:rowId xmlns="" xmlns:a16="http://schemas.microsoft.com/office/drawing/2014/main" val="10000"/>
                   </a:ext>
                 </a:extLst>
               </a:tr>
@@ -41125,7 +41607,7 @@
                 </a:tc>
                 <a:extLst>
                   <a:ext uri="{0D108BD9-81ED-4DB2-BD59-A6C34878D82A}">
-                    <a16:rowId xmlns:a16="http://schemas.microsoft.com/office/drawing/2014/main" val="10001"/>
+                    <a16:rowId xmlns="" xmlns:a16="http://schemas.microsoft.com/office/drawing/2014/main" val="10001"/>
                   </a:ext>
                 </a:extLst>
               </a:tr>
@@ -41171,7 +41653,7 @@
                 </a:tc>
                 <a:extLst>
                   <a:ext uri="{0D108BD9-81ED-4DB2-BD59-A6C34878D82A}">
-                    <a16:rowId xmlns:a16="http://schemas.microsoft.com/office/drawing/2014/main" val="10002"/>
+                    <a16:rowId xmlns="" xmlns:a16="http://schemas.microsoft.com/office/drawing/2014/main" val="10002"/>
                   </a:ext>
                 </a:extLst>
               </a:tr>
@@ -41217,7 +41699,7 @@
                 </a:tc>
                 <a:extLst>
                   <a:ext uri="{0D108BD9-81ED-4DB2-BD59-A6C34878D82A}">
-                    <a16:rowId xmlns:a16="http://schemas.microsoft.com/office/drawing/2014/main" val="10003"/>
+                    <a16:rowId xmlns="" xmlns:a16="http://schemas.microsoft.com/office/drawing/2014/main" val="10003"/>
                   </a:ext>
                 </a:extLst>
               </a:tr>
@@ -41263,7 +41745,7 @@
                 </a:tc>
                 <a:extLst>
                   <a:ext uri="{0D108BD9-81ED-4DB2-BD59-A6C34878D82A}">
-                    <a16:rowId xmlns:a16="http://schemas.microsoft.com/office/drawing/2014/main" val="10004"/>
+                    <a16:rowId xmlns="" xmlns:a16="http://schemas.microsoft.com/office/drawing/2014/main" val="10004"/>
                   </a:ext>
                 </a:extLst>
               </a:tr>
@@ -41280,7 +41762,7 @@
           <p:nvPr>
             <p:extLst>
               <p:ext uri="{D42A27DB-BD31-4B8C-83A1-F6EECF244321}">
-                <p14:modId xmlns:p14="http://schemas.microsoft.com/office/powerpoint/2010/main" val="713076305"/>
+                <p14:modId xmlns="" xmlns:p14="http://schemas.microsoft.com/office/powerpoint/2010/main" val="713076305"/>
               </p:ext>
             </p:extLst>
           </p:nvPr>
@@ -41299,7 +41781,7 @@
                 <a:gridCol w="6096000">
                   <a:extLst>
                     <a:ext uri="{9D8B030D-6E8A-4147-A177-3AD203B41FA5}">
-                      <a16:colId xmlns:a16="http://schemas.microsoft.com/office/drawing/2014/main" val="20000"/>
+                      <a16:colId xmlns="" xmlns:a16="http://schemas.microsoft.com/office/drawing/2014/main" val="20000"/>
                     </a:ext>
                   </a:extLst>
                 </a:gridCol>
@@ -41321,7 +41803,7 @@
                 </a:tc>
                 <a:extLst>
                   <a:ext uri="{0D108BD9-81ED-4DB2-BD59-A6C34878D82A}">
-                    <a16:rowId xmlns:a16="http://schemas.microsoft.com/office/drawing/2014/main" val="10000"/>
+                    <a16:rowId xmlns="" xmlns:a16="http://schemas.microsoft.com/office/drawing/2014/main" val="10000"/>
                   </a:ext>
                 </a:extLst>
               </a:tr>
@@ -41955,12 +42437,20 @@
               <a:rPr lang="en-IN" sz="3600" b="1" dirty="0" err="1"/>
               <a:t>IComparable,IComparer</a:t>
             </a:r>
+            <a:r>
+              <a:rPr lang="en-IN" sz="3600" b="1" dirty="0"/>
+              <a:t/>
+            </a:r>
             <a:br>
               <a:rPr lang="en-IN" sz="3600" b="1" dirty="0"/>
             </a:br>
             <a:r>
               <a:rPr lang="en-IN" sz="3600" b="1" dirty="0" err="1"/>
               <a:t>IEnumerable</a:t>
+            </a:r>
+            <a:r>
+              <a:rPr lang="en-IN" b="1" dirty="0"/>
+              <a:t/>
             </a:r>
             <a:br>
               <a:rPr lang="en-IN" b="1" dirty="0"/>
@@ -41995,7 +42485,7 @@
     </p:spTree>
     <p:extLst>
       <p:ext uri="{BB962C8B-B14F-4D97-AF65-F5344CB8AC3E}">
-        <p14:creationId xmlns:p14="http://schemas.microsoft.com/office/powerpoint/2010/main" val="1789381943"/>
+        <p14:creationId xmlns="" xmlns:p14="http://schemas.microsoft.com/office/powerpoint/2010/main" val="1789381943"/>
       </p:ext>
     </p:extLst>
   </p:cSld>
@@ -42055,6 +42545,10 @@
               <a:rPr lang="en-US" sz="4000" dirty="0"/>
               <a:t>C# Properties (Get and Set)</a:t>
             </a:r>
+            <a:r>
+              <a:rPr lang="en-US" dirty="0"/>
+              <a:t/>
+            </a:r>
             <a:br>
               <a:rPr lang="en-US" dirty="0"/>
             </a:br>
@@ -42138,7 +42632,7 @@
           <a:effectLst/>
           <a:extLst>
             <a:ext uri="{91240B29-F687-4F45-9708-019B960494DF}">
-              <a14:hiddenLine xmlns:a14="http://schemas.microsoft.com/office/drawing/2010/main" w="9525">
+              <a14:hiddenLine xmlns="" xmlns:a14="http://schemas.microsoft.com/office/drawing/2010/main" w="9525">
                 <a:solidFill>
                   <a:schemeClr val="tx1"/>
                 </a:solidFill>
@@ -42148,7 +42642,7 @@
               </a14:hiddenLine>
             </a:ext>
             <a:ext uri="{AF507438-7753-43E0-B8FC-AC1667EBCBE1}">
-              <a14:hiddenEffects xmlns:a14="http://schemas.microsoft.com/office/drawing/2010/main">
+              <a14:hiddenEffects xmlns="" xmlns:a14="http://schemas.microsoft.com/office/drawing/2010/main">
                 <a:effectLst>
                   <a:outerShdw dist="35921" dir="2700000" algn="ctr" rotWithShape="0">
                     <a:schemeClr val="bg2"/>
@@ -42493,7 +42987,7 @@
           <a:effectLst/>
           <a:extLst>
             <a:ext uri="{91240B29-F687-4F45-9708-019B960494DF}">
-              <a14:hiddenLine xmlns:a14="http://schemas.microsoft.com/office/drawing/2010/main" w="9525">
+              <a14:hiddenLine xmlns="" xmlns:a14="http://schemas.microsoft.com/office/drawing/2010/main" w="9525">
                 <a:solidFill>
                   <a:schemeClr val="tx1"/>
                 </a:solidFill>
@@ -42503,7 +42997,7 @@
               </a14:hiddenLine>
             </a:ext>
             <a:ext uri="{AF507438-7753-43E0-B8FC-AC1667EBCBE1}">
-              <a14:hiddenEffects xmlns:a14="http://schemas.microsoft.com/office/drawing/2010/main">
+              <a14:hiddenEffects xmlns="" xmlns:a14="http://schemas.microsoft.com/office/drawing/2010/main">
                 <a:effectLst>
                   <a:outerShdw dist="35921" dir="2700000" algn="ctr" rotWithShape="0">
                     <a:schemeClr val="bg2"/>
@@ -43405,7 +43899,7 @@
     </p:spTree>
     <p:extLst>
       <p:ext uri="{BB962C8B-B14F-4D97-AF65-F5344CB8AC3E}">
-        <p14:creationId xmlns:p14="http://schemas.microsoft.com/office/powerpoint/2010/main" val="942426096"/>
+        <p14:creationId xmlns="" xmlns:p14="http://schemas.microsoft.com/office/powerpoint/2010/main" val="942426096"/>
       </p:ext>
     </p:extLst>
   </p:cSld>
@@ -43465,6 +43959,10 @@
               <a:rPr lang="en-IN" sz="3100" dirty="0"/>
               <a:t>Automatic Properties (Short Hand)</a:t>
             </a:r>
+            <a:r>
+              <a:rPr lang="en-US" dirty="0"/>
+              <a:t/>
+            </a:r>
             <a:br>
               <a:rPr lang="en-US" dirty="0"/>
             </a:br>
@@ -43518,14 +44016,14 @@
           <a:effectLst/>
           <a:extLst>
             <a:ext uri="{909E8E84-426E-40DD-AFC4-6F175D3DCCD1}">
-              <a14:hiddenFill xmlns:a14="http://schemas.microsoft.com/office/drawing/2010/main">
+              <a14:hiddenFill xmlns="" xmlns:a14="http://schemas.microsoft.com/office/drawing/2010/main">
                 <a:solidFill>
                   <a:schemeClr val="accent1"/>
                 </a:solidFill>
               </a14:hiddenFill>
             </a:ext>
             <a:ext uri="{91240B29-F687-4F45-9708-019B960494DF}">
-              <a14:hiddenLine xmlns:a14="http://schemas.microsoft.com/office/drawing/2010/main" w="9525">
+              <a14:hiddenLine xmlns="" xmlns:a14="http://schemas.microsoft.com/office/drawing/2010/main" w="9525">
                 <a:solidFill>
                   <a:schemeClr val="tx1"/>
                 </a:solidFill>
@@ -43535,7 +44033,7 @@
               </a14:hiddenLine>
             </a:ext>
             <a:ext uri="{AF507438-7753-43E0-B8FC-AC1667EBCBE1}">
-              <a14:hiddenEffects xmlns:a14="http://schemas.microsoft.com/office/drawing/2010/main">
+              <a14:hiddenEffects xmlns="" xmlns:a14="http://schemas.microsoft.com/office/drawing/2010/main">
                 <a:effectLst>
                   <a:outerShdw dist="35921" dir="2700000" algn="ctr" rotWithShape="0">
                     <a:schemeClr val="bg2"/>
@@ -43682,7 +44180,7 @@
           <a:effectLst/>
           <a:extLst>
             <a:ext uri="{91240B29-F687-4F45-9708-019B960494DF}">
-              <a14:hiddenLine xmlns:a14="http://schemas.microsoft.com/office/drawing/2010/main" w="9525">
+              <a14:hiddenLine xmlns="" xmlns:a14="http://schemas.microsoft.com/office/drawing/2010/main" w="9525">
                 <a:solidFill>
                   <a:schemeClr val="tx1"/>
                 </a:solidFill>
@@ -43692,7 +44190,7 @@
               </a14:hiddenLine>
             </a:ext>
             <a:ext uri="{AF507438-7753-43E0-B8FC-AC1667EBCBE1}">
-              <a14:hiddenEffects xmlns:a14="http://schemas.microsoft.com/office/drawing/2010/main">
+              <a14:hiddenEffects xmlns="" xmlns:a14="http://schemas.microsoft.com/office/drawing/2010/main">
                 <a:effectLst>
                   <a:outerShdw dist="35921" dir="2700000" algn="ctr" rotWithShape="0">
                     <a:schemeClr val="bg2"/>
@@ -44188,7 +44686,7 @@
           <a:effectLst/>
           <a:extLst>
             <a:ext uri="{91240B29-F687-4F45-9708-019B960494DF}">
-              <a14:hiddenLine xmlns:a14="http://schemas.microsoft.com/office/drawing/2010/main" w="9525">
+              <a14:hiddenLine xmlns="" xmlns:a14="http://schemas.microsoft.com/office/drawing/2010/main" w="9525">
                 <a:solidFill>
                   <a:schemeClr val="tx1"/>
                 </a:solidFill>
@@ -44198,7 +44696,7 @@
               </a14:hiddenLine>
             </a:ext>
             <a:ext uri="{AF507438-7753-43E0-B8FC-AC1667EBCBE1}">
-              <a14:hiddenEffects xmlns:a14="http://schemas.microsoft.com/office/drawing/2010/main">
+              <a14:hiddenEffects xmlns="" xmlns:a14="http://schemas.microsoft.com/office/drawing/2010/main">
                 <a:effectLst>
                   <a:outerShdw dist="35921" dir="2700000" algn="ctr" rotWithShape="0">
                     <a:schemeClr val="bg2"/>
@@ -45096,7 +45594,7 @@
     </p:spTree>
     <p:extLst>
       <p:ext uri="{BB962C8B-B14F-4D97-AF65-F5344CB8AC3E}">
-        <p14:creationId xmlns:p14="http://schemas.microsoft.com/office/powerpoint/2010/main" val="2445998245"/>
+        <p14:creationId xmlns="" xmlns:p14="http://schemas.microsoft.com/office/powerpoint/2010/main" val="2445998245"/>
       </p:ext>
     </p:extLst>
   </p:cSld>
@@ -45207,10 +45705,10 @@
           <p:nvPr/>
         </p:nvPicPr>
         <p:blipFill>
-          <a:blip r:embed="rId2">
+          <a:blip r:embed="rId2" cstate="print">
             <a:extLst>
               <a:ext uri="{28A0092B-C50C-407E-A947-70E740481C1C}">
-                <a14:useLocalDpi xmlns:a14="http://schemas.microsoft.com/office/drawing/2010/main" val="0"/>
+                <a14:useLocalDpi xmlns="" xmlns:a14="http://schemas.microsoft.com/office/drawing/2010/main" val="0"/>
               </a:ext>
             </a:extLst>
           </a:blip>
@@ -45234,14 +45732,14 @@
           <a:effectLst/>
           <a:extLst>
             <a:ext uri="{909E8E84-426E-40DD-AFC4-6F175D3DCCD1}">
-              <a14:hiddenFill xmlns:a14="http://schemas.microsoft.com/office/drawing/2010/main">
+              <a14:hiddenFill xmlns="" xmlns:a14="http://schemas.microsoft.com/office/drawing/2010/main">
                 <a:solidFill>
                   <a:schemeClr val="accent1"/>
                 </a:solidFill>
               </a14:hiddenFill>
             </a:ext>
             <a:ext uri="{91240B29-F687-4F45-9708-019B960494DF}">
-              <a14:hiddenLine xmlns:a14="http://schemas.microsoft.com/office/drawing/2010/main" w="9525">
+              <a14:hiddenLine xmlns="" xmlns:a14="http://schemas.microsoft.com/office/drawing/2010/main" w="9525">
                 <a:solidFill>
                   <a:schemeClr val="tx1"/>
                 </a:solidFill>
@@ -45251,7 +45749,7 @@
               </a14:hiddenLine>
             </a:ext>
             <a:ext uri="{AF507438-7753-43E0-B8FC-AC1667EBCBE1}">
-              <a14:hiddenEffects xmlns:a14="http://schemas.microsoft.com/office/drawing/2010/main">
+              <a14:hiddenEffects xmlns="" xmlns:a14="http://schemas.microsoft.com/office/drawing/2010/main">
                 <a:effectLst>
                   <a:outerShdw dist="35921" dir="2700000" algn="ctr" rotWithShape="0">
                     <a:schemeClr val="bg2"/>
@@ -45265,7 +45763,7 @@
     </p:spTree>
     <p:extLst>
       <p:ext uri="{BB962C8B-B14F-4D97-AF65-F5344CB8AC3E}">
-        <p14:creationId xmlns:p14="http://schemas.microsoft.com/office/powerpoint/2010/main" val="3120744791"/>
+        <p14:creationId xmlns="" xmlns:p14="http://schemas.microsoft.com/office/powerpoint/2010/main" val="3120744791"/>
       </p:ext>
     </p:extLst>
   </p:cSld>
@@ -45462,7 +45960,7 @@
           <p:cNvPr id="3" name="Rectangle 2">
             <a:extLst>
               <a:ext uri="{FF2B5EF4-FFF2-40B4-BE49-F238E27FC236}">
-                <a16:creationId xmlns:a16="http://schemas.microsoft.com/office/drawing/2014/main" id="{EDAE656C-0944-E4ED-D38D-20913ADD21CE}"/>
+                <a16:creationId xmlns="" xmlns:a16="http://schemas.microsoft.com/office/drawing/2014/main" id="{EDAE656C-0944-E4ED-D38D-20913ADD21CE}"/>
               </a:ext>
             </a:extLst>
           </p:cNvPr>
@@ -45524,7 +46022,7 @@
           <p:cNvPr id="6" name="Rectangle 5">
             <a:extLst>
               <a:ext uri="{FF2B5EF4-FFF2-40B4-BE49-F238E27FC236}">
-                <a16:creationId xmlns:a16="http://schemas.microsoft.com/office/drawing/2014/main" id="{3F17CB59-DFEF-CAFE-5C5D-33467374FFB6}"/>
+                <a16:creationId xmlns="" xmlns:a16="http://schemas.microsoft.com/office/drawing/2014/main" id="{3F17CB59-DFEF-CAFE-5C5D-33467374FFB6}"/>
               </a:ext>
             </a:extLst>
           </p:cNvPr>
@@ -46351,7 +46849,7 @@
           <p:cNvPr id="2" name="Title 1">
             <a:extLst>
               <a:ext uri="{FF2B5EF4-FFF2-40B4-BE49-F238E27FC236}">
-                <a16:creationId xmlns:a16="http://schemas.microsoft.com/office/drawing/2014/main" id="{E52A3BE3-B004-3CAE-CA8C-0703E6B4AA4C}"/>
+                <a16:creationId xmlns="" xmlns:a16="http://schemas.microsoft.com/office/drawing/2014/main" id="{E52A3BE3-B004-3CAE-CA8C-0703E6B4AA4C}"/>
               </a:ext>
             </a:extLst>
           </p:cNvPr>
@@ -46380,7 +46878,7 @@
           <p:cNvPr id="5" name="TextBox 4">
             <a:extLst>
               <a:ext uri="{FF2B5EF4-FFF2-40B4-BE49-F238E27FC236}">
-                <a16:creationId xmlns:a16="http://schemas.microsoft.com/office/drawing/2014/main" id="{891A4040-1D6C-EFEB-5A89-F0CADC2F5669}"/>
+                <a16:creationId xmlns="" xmlns:a16="http://schemas.microsoft.com/office/drawing/2014/main" id="{891A4040-1D6C-EFEB-5A89-F0CADC2F5669}"/>
               </a:ext>
             </a:extLst>
           </p:cNvPr>
@@ -46512,7 +47010,7 @@
     </p:spTree>
     <p:extLst>
       <p:ext uri="{BB962C8B-B14F-4D97-AF65-F5344CB8AC3E}">
-        <p14:creationId xmlns:p14="http://schemas.microsoft.com/office/powerpoint/2010/main" val="3137236210"/>
+        <p14:creationId xmlns="" xmlns:p14="http://schemas.microsoft.com/office/powerpoint/2010/main" val="3137236210"/>
       </p:ext>
     </p:extLst>
   </p:cSld>
@@ -46545,7 +47043,7 @@
           <p:cNvPr id="4" name="TextBox 3">
             <a:extLst>
               <a:ext uri="{FF2B5EF4-FFF2-40B4-BE49-F238E27FC236}">
-                <a16:creationId xmlns:a16="http://schemas.microsoft.com/office/drawing/2014/main" id="{EDD4DE59-D8CB-D087-263D-C7ECC87FE657}"/>
+                <a16:creationId xmlns="" xmlns:a16="http://schemas.microsoft.com/office/drawing/2014/main" id="{EDD4DE59-D8CB-D087-263D-C7ECC87FE657}"/>
               </a:ext>
             </a:extLst>
           </p:cNvPr>
@@ -46652,7 +47150,7 @@
     </p:spTree>
     <p:extLst>
       <p:ext uri="{BB962C8B-B14F-4D97-AF65-F5344CB8AC3E}">
-        <p14:creationId xmlns:p14="http://schemas.microsoft.com/office/powerpoint/2010/main" val="2216915504"/>
+        <p14:creationId xmlns="" xmlns:p14="http://schemas.microsoft.com/office/powerpoint/2010/main" val="2216915504"/>
       </p:ext>
     </p:extLst>
   </p:cSld>
@@ -46685,7 +47183,7 @@
           <p:cNvPr id="4" name="TextBox 3">
             <a:extLst>
               <a:ext uri="{FF2B5EF4-FFF2-40B4-BE49-F238E27FC236}">
-                <a16:creationId xmlns:a16="http://schemas.microsoft.com/office/drawing/2014/main" id="{A127DF7A-4FAA-87DF-6B6B-AE2822AF0989}"/>
+                <a16:creationId xmlns="" xmlns:a16="http://schemas.microsoft.com/office/drawing/2014/main" id="{A127DF7A-4FAA-87DF-6B6B-AE2822AF0989}"/>
               </a:ext>
             </a:extLst>
           </p:cNvPr>
@@ -46919,7 +47417,7 @@
           <p:cNvPr id="5" name="Title 1">
             <a:extLst>
               <a:ext uri="{FF2B5EF4-FFF2-40B4-BE49-F238E27FC236}">
-                <a16:creationId xmlns:a16="http://schemas.microsoft.com/office/drawing/2014/main" id="{7B87CEB0-6A7A-F2EB-7DC3-63F3B3A3FB04}"/>
+                <a16:creationId xmlns="" xmlns:a16="http://schemas.microsoft.com/office/drawing/2014/main" id="{7B87CEB0-6A7A-F2EB-7DC3-63F3B3A3FB04}"/>
               </a:ext>
             </a:extLst>
           </p:cNvPr>
@@ -46975,7 +47473,7 @@
     </p:spTree>
     <p:extLst>
       <p:ext uri="{BB962C8B-B14F-4D97-AF65-F5344CB8AC3E}">
-        <p14:creationId xmlns:p14="http://schemas.microsoft.com/office/powerpoint/2010/main" val="1444812874"/>
+        <p14:creationId xmlns="" xmlns:p14="http://schemas.microsoft.com/office/powerpoint/2010/main" val="1444812874"/>
       </p:ext>
     </p:extLst>
   </p:cSld>
@@ -47845,7 +48343,7 @@
         </p:nvSpPr>
         <p:spPr>
           <a:xfrm>
-            <a:off x="4800600" y="3352800"/>
+            <a:off x="4800600" y="2895600"/>
             <a:ext cx="3276600" cy="1447800"/>
           </a:xfrm>
           <a:prstGeom prst="roundRect">
@@ -48121,7 +48619,7 @@
         </p:nvSpPr>
         <p:spPr>
           <a:xfrm>
-            <a:off x="4800600" y="5181600"/>
+            <a:off x="4800600" y="4572000"/>
             <a:ext cx="3276600" cy="1447800"/>
           </a:xfrm>
           <a:prstGeom prst="roundRect">
@@ -50127,7 +50625,7 @@
           <a:effectLst/>
           <a:extLst>
             <a:ext uri="{91240B29-F687-4F45-9708-019B960494DF}">
-              <a14:hiddenLine xmlns:a14="http://schemas.microsoft.com/office/drawing/2010/main" w="9525">
+              <a14:hiddenLine xmlns="" xmlns:a14="http://schemas.microsoft.com/office/drawing/2010/main" w="9525">
                 <a:solidFill>
                   <a:schemeClr val="tx1"/>
                 </a:solidFill>
@@ -50137,7 +50635,7 @@
               </a14:hiddenLine>
             </a:ext>
             <a:ext uri="{AF507438-7753-43E0-B8FC-AC1667EBCBE1}">
-              <a14:hiddenEffects xmlns:a14="http://schemas.microsoft.com/office/drawing/2010/main">
+              <a14:hiddenEffects xmlns="" xmlns:a14="http://schemas.microsoft.com/office/drawing/2010/main">
                 <a:effectLst>
                   <a:outerShdw dist="35921" dir="2700000" algn="ctr" rotWithShape="0">
                     <a:schemeClr val="bg2"/>
@@ -50324,7 +50822,7 @@
           <a:effectLst/>
           <a:extLst>
             <a:ext uri="{91240B29-F687-4F45-9708-019B960494DF}">
-              <a14:hiddenLine xmlns:a14="http://schemas.microsoft.com/office/drawing/2010/main" w="9525">
+              <a14:hiddenLine xmlns="" xmlns:a14="http://schemas.microsoft.com/office/drawing/2010/main" w="9525">
                 <a:solidFill>
                   <a:schemeClr val="tx1"/>
                 </a:solidFill>
@@ -50334,7 +50832,7 @@
               </a14:hiddenLine>
             </a:ext>
             <a:ext uri="{AF507438-7753-43E0-B8FC-AC1667EBCBE1}">
-              <a14:hiddenEffects xmlns:a14="http://schemas.microsoft.com/office/drawing/2010/main">
+              <a14:hiddenEffects xmlns="" xmlns:a14="http://schemas.microsoft.com/office/drawing/2010/main">
                 <a:effectLst>
                   <a:outerShdw dist="35921" dir="2700000" algn="ctr" rotWithShape="0">
                     <a:schemeClr val="bg2"/>
@@ -50549,7 +51047,7 @@
     </p:spTree>
     <p:extLst>
       <p:ext uri="{BB962C8B-B14F-4D97-AF65-F5344CB8AC3E}">
-        <p14:creationId xmlns:p14="http://schemas.microsoft.com/office/powerpoint/2010/main" val="1773400815"/>
+        <p14:creationId xmlns="" xmlns:p14="http://schemas.microsoft.com/office/powerpoint/2010/main" val="1773400815"/>
       </p:ext>
     </p:extLst>
   </p:cSld>
@@ -50643,8 +51141,8 @@
         </p:nvSpPr>
         <p:spPr bwMode="auto">
           <a:xfrm>
-            <a:off x="-21771" y="1708666"/>
-            <a:ext cx="10058400" cy="3323987"/>
+            <a:off x="319702" y="1866528"/>
+            <a:ext cx="7565571" cy="3970318"/>
           </a:xfrm>
           <a:prstGeom prst="rect">
             <a:avLst/>
@@ -50656,14 +51154,14 @@
           <a:effectLst/>
           <a:extLst>
             <a:ext uri="{909E8E84-426E-40DD-AFC4-6F175D3DCCD1}">
-              <a14:hiddenFill xmlns:a14="http://schemas.microsoft.com/office/drawing/2010/main">
+              <a14:hiddenFill xmlns="" xmlns:a14="http://schemas.microsoft.com/office/drawing/2010/main">
                 <a:solidFill>
                   <a:schemeClr val="accent1"/>
                 </a:solidFill>
               </a14:hiddenFill>
             </a:ext>
             <a:ext uri="{91240B29-F687-4F45-9708-019B960494DF}">
-              <a14:hiddenLine xmlns:a14="http://schemas.microsoft.com/office/drawing/2010/main" w="9525">
+              <a14:hiddenLine xmlns="" xmlns:a14="http://schemas.microsoft.com/office/drawing/2010/main" w="9525">
                 <a:solidFill>
                   <a:schemeClr val="tx1"/>
                 </a:solidFill>
@@ -50673,7 +51171,7 @@
               </a14:hiddenLine>
             </a:ext>
             <a:ext uri="{AF507438-7753-43E0-B8FC-AC1667EBCBE1}">
-              <a14:hiddenEffects xmlns:a14="http://schemas.microsoft.com/office/drawing/2010/main">
+              <a14:hiddenEffects xmlns="" xmlns:a14="http://schemas.microsoft.com/office/drawing/2010/main">
                 <a:effectLst>
                   <a:outerShdw dist="35921" dir="2700000" algn="ctr" rotWithShape="0">
                     <a:schemeClr val="bg2"/>
@@ -51831,7 +52329,7 @@
               <a:tabLst/>
             </a:pPr>
             <a:r>
-              <a:rPr kumimoji="0" lang="en-US" b="0" i="0" u="none" strike="noStrike" cap="none" normalizeH="0" baseline="0">
+              <a:rPr kumimoji="0" lang="en-US" b="0" i="0" u="none" strike="noStrike" cap="none" normalizeH="0" baseline="0" dirty="0">
                 <a:ln>
                   <a:noFill/>
                 </a:ln>
@@ -51845,7 +52343,7 @@
               <a:t>         }</a:t>
             </a:r>
             <a:r>
-              <a:rPr kumimoji="0" lang="en-US" b="0" i="0" u="none" strike="noStrike" cap="none" normalizeH="0" baseline="0">
+              <a:rPr kumimoji="0" lang="en-US" b="0" i="0" u="none" strike="noStrike" cap="none" normalizeH="0" baseline="0" dirty="0">
                 <a:ln>
                   <a:noFill/>
                 </a:ln>
@@ -51858,24 +52356,13 @@
               </a:rPr>
               <a:t> </a:t>
             </a:r>
-            <a:endParaRPr kumimoji="0" lang="en-US" b="0" i="0" u="none" strike="noStrike" cap="none" normalizeH="0" baseline="0" dirty="0">
-              <a:ln>
-                <a:noFill/>
-              </a:ln>
-              <a:solidFill>
-                <a:schemeClr val="tx1"/>
-              </a:solidFill>
-              <a:effectLst/>
-              <a:latin typeface="Arial" pitchFamily="34" charset="0"/>
-              <a:cs typeface="Arial" pitchFamily="34" charset="0"/>
-            </a:endParaRPr>
           </a:p>
         </p:txBody>
       </p:sp>
     </p:spTree>
     <p:extLst>
       <p:ext uri="{BB962C8B-B14F-4D97-AF65-F5344CB8AC3E}">
-        <p14:creationId xmlns:p14="http://schemas.microsoft.com/office/powerpoint/2010/main" val="540168381"/>
+        <p14:creationId xmlns="" xmlns:p14="http://schemas.microsoft.com/office/powerpoint/2010/main" val="540168381"/>
       </p:ext>
     </p:extLst>
   </p:cSld>
@@ -51935,7 +52422,7 @@
           <p:nvPr>
             <p:extLst>
               <p:ext uri="{D42A27DB-BD31-4B8C-83A1-F6EECF244321}">
-                <p14:modId xmlns:p14="http://schemas.microsoft.com/office/powerpoint/2010/main" val="3842481298"/>
+                <p14:modId xmlns="" xmlns:p14="http://schemas.microsoft.com/office/powerpoint/2010/main" val="3842481298"/>
               </p:ext>
             </p:extLst>
           </p:nvPr>
@@ -51952,14 +52439,14 @@
                 <a:gridCol w="3950493">
                   <a:extLst>
                     <a:ext uri="{9D8B030D-6E8A-4147-A177-3AD203B41FA5}">
-                      <a16:colId xmlns:a16="http://schemas.microsoft.com/office/drawing/2014/main" val="20000"/>
+                      <a16:colId xmlns="" xmlns:a16="http://schemas.microsoft.com/office/drawing/2014/main" val="20000"/>
                     </a:ext>
                   </a:extLst>
                 </a:gridCol>
                 <a:gridCol w="3950493">
                   <a:extLst>
                     <a:ext uri="{9D8B030D-6E8A-4147-A177-3AD203B41FA5}">
-                      <a16:colId xmlns:a16="http://schemas.microsoft.com/office/drawing/2014/main" val="20001"/>
+                      <a16:colId xmlns="" xmlns:a16="http://schemas.microsoft.com/office/drawing/2014/main" val="20001"/>
                     </a:ext>
                   </a:extLst>
                 </a:gridCol>
@@ -52089,7 +52576,7 @@
                 </a:tc>
                 <a:extLst>
                   <a:ext uri="{0D108BD9-81ED-4DB2-BD59-A6C34878D82A}">
-                    <a16:rowId xmlns:a16="http://schemas.microsoft.com/office/drawing/2014/main" val="10000"/>
+                    <a16:rowId xmlns="" xmlns:a16="http://schemas.microsoft.com/office/drawing/2014/main" val="10000"/>
                   </a:ext>
                 </a:extLst>
               </a:tr>
@@ -52206,7 +52693,7 @@
                 </a:tc>
                 <a:extLst>
                   <a:ext uri="{0D108BD9-81ED-4DB2-BD59-A6C34878D82A}">
-                    <a16:rowId xmlns:a16="http://schemas.microsoft.com/office/drawing/2014/main" val="10001"/>
+                    <a16:rowId xmlns="" xmlns:a16="http://schemas.microsoft.com/office/drawing/2014/main" val="10001"/>
                   </a:ext>
                 </a:extLst>
               </a:tr>
@@ -52323,7 +52810,7 @@
                 </a:tc>
                 <a:extLst>
                   <a:ext uri="{0D108BD9-81ED-4DB2-BD59-A6C34878D82A}">
-                    <a16:rowId xmlns:a16="http://schemas.microsoft.com/office/drawing/2014/main" val="10002"/>
+                    <a16:rowId xmlns="" xmlns:a16="http://schemas.microsoft.com/office/drawing/2014/main" val="10002"/>
                   </a:ext>
                 </a:extLst>
               </a:tr>
@@ -52440,7 +52927,7 @@
                 </a:tc>
                 <a:extLst>
                   <a:ext uri="{0D108BD9-81ED-4DB2-BD59-A6C34878D82A}">
-                    <a16:rowId xmlns:a16="http://schemas.microsoft.com/office/drawing/2014/main" val="10003"/>
+                    <a16:rowId xmlns="" xmlns:a16="http://schemas.microsoft.com/office/drawing/2014/main" val="10003"/>
                   </a:ext>
                 </a:extLst>
               </a:tr>
@@ -52603,7 +53090,7 @@
                 </a:tc>
                 <a:extLst>
                   <a:ext uri="{0D108BD9-81ED-4DB2-BD59-A6C34878D82A}">
-                    <a16:rowId xmlns:a16="http://schemas.microsoft.com/office/drawing/2014/main" val="10004"/>
+                    <a16:rowId xmlns="" xmlns:a16="http://schemas.microsoft.com/office/drawing/2014/main" val="10004"/>
                   </a:ext>
                 </a:extLst>
               </a:tr>
@@ -52614,7 +53101,7 @@
     </p:spTree>
     <p:extLst>
       <p:ext uri="{BB962C8B-B14F-4D97-AF65-F5344CB8AC3E}">
-        <p14:creationId xmlns:p14="http://schemas.microsoft.com/office/powerpoint/2010/main" val="578474519"/>
+        <p14:creationId xmlns="" xmlns:p14="http://schemas.microsoft.com/office/powerpoint/2010/main" val="578474519"/>
       </p:ext>
     </p:extLst>
   </p:cSld>
@@ -53140,6 +53627,10 @@
             </a:r>
           </a:p>
           <a:p>
+            <a:r>
+              <a:rPr lang="en-US" dirty="0"/>
+              <a:t/>
+            </a:r>
             <a:br>
               <a:rPr lang="en-US" dirty="0"/>
             </a:br>
@@ -54697,7 +55188,7 @@
     </p:spTree>
     <p:extLst>
       <p:ext uri="{BB962C8B-B14F-4D97-AF65-F5344CB8AC3E}">
-        <p14:creationId xmlns:p14="http://schemas.microsoft.com/office/powerpoint/2010/main" val="3431624081"/>
+        <p14:creationId xmlns="" xmlns:p14="http://schemas.microsoft.com/office/powerpoint/2010/main" val="3431624081"/>
       </p:ext>
     </p:extLst>
   </p:cSld>

--- a/LTI_C#OOPS/Language%20Basics_C#.pptx
+++ b/LTI_C#OOPS/Language%20Basics_C#.pptx
@@ -25361,7 +25361,7 @@
             <a:fld id="{B68AEFBB-2789-45A1-93BD-D316582D3372}" type="datetimeFigureOut">
               <a:rPr lang="en-US" smtClean="0"/>
               <a:pPr/>
-              <a:t>6/27/2023</a:t>
+              <a:t>11/2/2023</a:t>
             </a:fld>
             <a:endParaRPr lang="en-US"/>
           </a:p>
@@ -25985,7 +25985,7 @@
             <a:fld id="{9087A3BA-E549-428E-9EB7-B4C7DEF15A5C}" type="datetime1">
               <a:rPr lang="en-US" smtClean="0"/>
               <a:pPr/>
-              <a:t>6/27/2023</a:t>
+              <a:t>11/2/2023</a:t>
             </a:fld>
             <a:endParaRPr lang="en-US"/>
           </a:p>
@@ -26156,7 +26156,7 @@
             <a:fld id="{B2662AC9-AFB8-4B08-9EBA-8A9B1C26F9E3}" type="datetime1">
               <a:rPr lang="en-US" smtClean="0"/>
               <a:pPr/>
-              <a:t>6/27/2023</a:t>
+              <a:t>11/2/2023</a:t>
             </a:fld>
             <a:endParaRPr lang="en-US"/>
           </a:p>
@@ -26337,7 +26337,7 @@
             <a:fld id="{02E1E02A-DE41-4428-9B23-7F83AEC33EC8}" type="datetime1">
               <a:rPr lang="en-US" smtClean="0"/>
               <a:pPr/>
-              <a:t>6/27/2023</a:t>
+              <a:t>11/2/2023</a:t>
             </a:fld>
             <a:endParaRPr lang="en-US"/>
           </a:p>
@@ -26508,7 +26508,7 @@
             <a:fld id="{005ABCB1-82A5-4542-BA9B-B3EA923098FF}" type="datetime1">
               <a:rPr lang="en-US" smtClean="0"/>
               <a:pPr/>
-              <a:t>6/27/2023</a:t>
+              <a:t>11/2/2023</a:t>
             </a:fld>
             <a:endParaRPr lang="en-US"/>
           </a:p>
@@ -26756,7 +26756,7 @@
             <a:fld id="{DB27BA12-34BE-4694-ADA1-748F39C6ACAA}" type="datetime1">
               <a:rPr lang="en-US" smtClean="0"/>
               <a:pPr/>
-              <a:t>6/27/2023</a:t>
+              <a:t>11/2/2023</a:t>
             </a:fld>
             <a:endParaRPr lang="en-US"/>
           </a:p>
@@ -27026,7 +27026,7 @@
             <a:fld id="{469057B7-9FA1-43C2-A1AA-76D99FCE2510}" type="datetime1">
               <a:rPr lang="en-US" smtClean="0"/>
               <a:pPr/>
-              <a:t>6/27/2023</a:t>
+              <a:t>11/2/2023</a:t>
             </a:fld>
             <a:endParaRPr lang="en-US"/>
           </a:p>
@@ -27410,7 +27410,7 @@
             <a:fld id="{56614234-EF2D-42FE-A00F-B1FA50917BBA}" type="datetime1">
               <a:rPr lang="en-US" smtClean="0"/>
               <a:pPr/>
-              <a:t>6/27/2023</a:t>
+              <a:t>11/2/2023</a:t>
             </a:fld>
             <a:endParaRPr lang="en-US"/>
           </a:p>
@@ -27566,7 +27566,7 @@
             <a:fld id="{CAF8695C-A91F-4EBE-9C4F-D41329BB2EC6}" type="datetime1">
               <a:rPr lang="en-US" smtClean="0"/>
               <a:pPr/>
-              <a:t>6/27/2023</a:t>
+              <a:t>11/2/2023</a:t>
             </a:fld>
             <a:endParaRPr lang="en-US"/>
           </a:p>
@@ -27663,7 +27663,7 @@
             <a:fld id="{4F2D4DFB-02FC-4F2F-A25E-EC0D7B7909F8}" type="datetime1">
               <a:rPr lang="en-US" smtClean="0"/>
               <a:pPr/>
-              <a:t>6/27/2023</a:t>
+              <a:t>11/2/2023</a:t>
             </a:fld>
             <a:endParaRPr lang="en-US"/>
           </a:p>
@@ -27930,7 +27930,7 @@
             <a:fld id="{9ADA6328-0AEA-4E63-BED8-2BCB0F5975E9}" type="datetime1">
               <a:rPr lang="en-US" smtClean="0"/>
               <a:pPr/>
-              <a:t>6/27/2023</a:t>
+              <a:t>11/2/2023</a:t>
             </a:fld>
             <a:endParaRPr lang="en-US"/>
           </a:p>
@@ -28224,7 +28224,7 @@
             <a:fld id="{0AA688AB-52F4-4A17-8A9B-BF494BE6496C}" type="datetime1">
               <a:rPr lang="en-US" smtClean="0"/>
               <a:pPr/>
-              <a:t>6/27/2023</a:t>
+              <a:t>11/2/2023</a:t>
             </a:fld>
             <a:endParaRPr lang="en-US"/>
           </a:p>
@@ -29000,7 +29000,7 @@
             <a:fld id="{62E45559-B2F0-4B42-AEB9-F277719FFBDD}" type="datetime1">
               <a:rPr lang="en-US" smtClean="0"/>
               <a:pPr/>
-              <a:t>6/27/2023</a:t>
+              <a:t>11/2/2023</a:t>
             </a:fld>
             <a:endParaRPr lang="en-US"/>
           </a:p>
@@ -30224,7 +30224,7 @@
                   </a:schemeClr>
                 </a:solidFill>
               </a:rPr>
-              <a:t>Float</a:t>
+              <a:t>float</a:t>
             </a:r>
             <a:endParaRPr lang="en-US" dirty="0">
               <a:solidFill>
@@ -30279,7 +30279,7 @@
               <a:buChar char="•"/>
             </a:pPr>
             <a:r>
-              <a:rPr lang="en-US" dirty="0" err="1">
+              <a:rPr lang="en-US" dirty="0" err="1" smtClean="0">
                 <a:solidFill>
                   <a:schemeClr val="accent4">
                     <a:lumMod val="50000"/>
@@ -30287,6 +30287,16 @@
                 </a:solidFill>
               </a:rPr>
               <a:t>bool</a:t>
+            </a:r>
+            <a:r>
+              <a:rPr lang="en-US" dirty="0" smtClean="0">
+                <a:solidFill>
+                  <a:schemeClr val="accent4">
+                    <a:lumMod val="50000"/>
+                  </a:schemeClr>
+                </a:solidFill>
+              </a:rPr>
+              <a:t>  -&gt; true or false</a:t>
             </a:r>
             <a:endParaRPr lang="en-US" dirty="0">
               <a:solidFill>
@@ -30318,7 +30328,7 @@
               <a:buChar char="•"/>
             </a:pPr>
             <a:r>
-              <a:rPr lang="en-US" dirty="0" err="1">
+              <a:rPr lang="en-US" dirty="0" err="1" smtClean="0">
                 <a:solidFill>
                   <a:schemeClr val="accent4">
                     <a:lumMod val="50000"/>
@@ -30326,6 +30336,16 @@
                 </a:solidFill>
               </a:rPr>
               <a:t>struct</a:t>
+            </a:r>
+            <a:r>
+              <a:rPr lang="en-US" dirty="0" smtClean="0">
+                <a:solidFill>
+                  <a:schemeClr val="accent4">
+                    <a:lumMod val="50000"/>
+                  </a:schemeClr>
+                </a:solidFill>
+              </a:rPr>
+              <a:t> </a:t>
             </a:r>
             <a:endParaRPr lang="en-US" dirty="0">
               <a:solidFill>
@@ -41256,7 +41276,7 @@
         </p:xfrm>
         <a:graphic>
           <a:graphicData uri="http://schemas.openxmlformats.org/drawingml/2006/diagram">
-            <dgm:relIds xmlns:dgm="http://schemas.openxmlformats.org/drawingml/2006/diagram" xmlns:r="http://schemas.openxmlformats.org/officeDocument/2006/relationships" r:dm="rId7" r:lo="rId8" r:qs="rId9" r:cs="rId10"/>
+            <dgm:relIds xmlns:dgm="http://schemas.openxmlformats.org/drawingml/2006/diagram" xmlns:r="http://schemas.openxmlformats.org/officeDocument/2006/relationships" r:dm="rId6" r:lo="rId7" r:qs="rId8" r:cs="rId9"/>
           </a:graphicData>
         </a:graphic>
       </p:graphicFrame>
@@ -41794,9 +41814,10 @@
                     <a:p>
                       <a:pPr algn="ctr"/>
                       <a:r>
-                        <a:rPr lang="en-US" dirty="0"/>
-                        <a:t>Person</a:t>
+                        <a:rPr lang="en-US" dirty="0" smtClean="0"/>
+                        <a:t>Person-entity</a:t>
                       </a:r>
+                      <a:endParaRPr lang="en-US" dirty="0"/>
                     </a:p>
                   </a:txBody>
                   <a:tcPr/>
@@ -42028,7 +42049,7 @@
         </p:xfrm>
         <a:graphic>
           <a:graphicData uri="http://schemas.openxmlformats.org/drawingml/2006/diagram">
-            <dgm:relIds xmlns:dgm="http://schemas.openxmlformats.org/drawingml/2006/diagram" xmlns:r="http://schemas.openxmlformats.org/officeDocument/2006/relationships" r:dm="rId7" r:lo="rId8" r:qs="rId9" r:cs="rId10"/>
+            <dgm:relIds xmlns:dgm="http://schemas.openxmlformats.org/drawingml/2006/diagram" xmlns:r="http://schemas.openxmlformats.org/officeDocument/2006/relationships" r:dm="rId6" r:lo="rId7" r:qs="rId8" r:cs="rId9"/>
           </a:graphicData>
         </a:graphic>
       </p:graphicFrame>
@@ -53266,7 +53287,7 @@
         </p:xfrm>
         <a:graphic>
           <a:graphicData uri="http://schemas.openxmlformats.org/drawingml/2006/diagram">
-            <dgm:relIds xmlns:dgm="http://schemas.openxmlformats.org/drawingml/2006/diagram" xmlns:r="http://schemas.openxmlformats.org/officeDocument/2006/relationships" r:dm="rId7" r:lo="rId8" r:qs="rId9" r:cs="rId10"/>
+            <dgm:relIds xmlns:dgm="http://schemas.openxmlformats.org/drawingml/2006/diagram" xmlns:r="http://schemas.openxmlformats.org/officeDocument/2006/relationships" r:dm="rId6" r:lo="rId7" r:qs="rId8" r:cs="rId9"/>
           </a:graphicData>
         </a:graphic>
       </p:graphicFrame>
